--- a/BDAPRO Midterm Presentation - Wavelet Histogram.pptx
+++ b/BDAPRO Midterm Presentation - Wavelet Histogram.pptx
@@ -298,7 +298,7 @@
               <a:pPr>
                 <a:defRPr/>
               </a:pPr>
-              <a:t>17.01.2018</a:t>
+              <a:t>18.01.2018</a:t>
             </a:fld>
             <a:endParaRPr lang="de-DE"/>
           </a:p>
@@ -530,7 +530,7 @@
               <a:pPr>
                 <a:defRPr/>
               </a:pPr>
-              <a:t>17.01.2018</a:t>
+              <a:t>18.01.2018</a:t>
             </a:fld>
             <a:endParaRPr lang="de-DE"/>
           </a:p>
@@ -4399,7 +4399,7 @@
             <a:fld id="{B1D7DE6A-53E9-48DF-ADFA-79B543AC8321}" type="datetime1">
               <a:rPr lang="de-DE" altLang="en-US" sz="1200"/>
               <a:pPr algn="ctr"/>
-              <a:t>17.01.2018</a:t>
+              <a:t>18.01.2018</a:t>
             </a:fld>
             <a:endParaRPr lang="de-DE" altLang="en-US" sz="1200"/>
           </a:p>
@@ -7479,29 +7479,22 @@
             </a:pPr>
             <a:r>
               <a:rPr lang="en-US" sz="2200" dirty="0"/>
-              <a:t>[3] M. </a:t>
-            </a:r>
-            <a:r>
-              <a:rPr lang="en-US" sz="2200" dirty="0" err="1"/>
-              <a:t>Arlitt</a:t>
-            </a:r>
-            <a:r>
-              <a:rPr lang="en-US" sz="2200" dirty="0"/>
-              <a:t> and T. </a:t>
-            </a:r>
-            <a:r>
-              <a:rPr lang="en-US" sz="2200" dirty="0" err="1"/>
-              <a:t>Jin</a:t>
-            </a:r>
-            <a:r>
-              <a:rPr lang="en-US" sz="2200" dirty="0"/>
-              <a:t>. Workload characterization of the 1998 world cup web site. Technical report, IEEE Network, 1999.</a:t>
-            </a:r>
-          </a:p>
-          <a:p>
-            <a:pPr marL="0" indent="0">
-              <a:buNone/>
-            </a:pPr>
+              <a:t>[3] </a:t>
+            </a:r>
+            <a:r>
+              <a:rPr lang="en-US" u="sng" dirty="0">
+                <a:hlinkClick r:id="rId3"/>
+              </a:rPr>
+              <a:t>http://ita.ee.lbl.gov/html/contrib/WorldCup.html</a:t>
+            </a:r>
+            <a:r>
+              <a:rPr lang="en-US" dirty="0"/>
+              <a:t> </a:t>
+            </a:r>
+            <a:r>
+              <a:rPr lang="en-US"/>
+              <a:t>(Accessed 18 January 2018)</a:t>
+            </a:r>
             <a:endParaRPr lang="en-US" sz="2200" dirty="0"/>
           </a:p>
         </p:txBody>

--- a/BDAPRO Midterm Presentation - Wavelet Histogram.pptx
+++ b/BDAPRO Midterm Presentation - Wavelet Histogram.pptx
@@ -5,10 +5,10 @@
     <p:sldMasterId id="2147483648" r:id="rId1"/>
   </p:sldMasterIdLst>
   <p:notesMasterIdLst>
-    <p:notesMasterId r:id="rId22"/>
+    <p:notesMasterId r:id="rId26"/>
   </p:notesMasterIdLst>
   <p:handoutMasterIdLst>
-    <p:handoutMasterId r:id="rId23"/>
+    <p:handoutMasterId r:id="rId27"/>
   </p:handoutMasterIdLst>
   <p:sldIdLst>
     <p:sldId id="256" r:id="rId2"/>
@@ -21,16 +21,20 @@
     <p:sldId id="303" r:id="rId9"/>
     <p:sldId id="306" r:id="rId10"/>
     <p:sldId id="302" r:id="rId11"/>
-    <p:sldId id="304" r:id="rId12"/>
-    <p:sldId id="311" r:id="rId13"/>
-    <p:sldId id="305" r:id="rId14"/>
-    <p:sldId id="310" r:id="rId15"/>
-    <p:sldId id="307" r:id="rId16"/>
-    <p:sldId id="296" r:id="rId17"/>
-    <p:sldId id="308" r:id="rId18"/>
-    <p:sldId id="309" r:id="rId19"/>
-    <p:sldId id="297" r:id="rId20"/>
-    <p:sldId id="291" r:id="rId21"/>
+    <p:sldId id="314" r:id="rId12"/>
+    <p:sldId id="304" r:id="rId13"/>
+    <p:sldId id="315" r:id="rId14"/>
+    <p:sldId id="311" r:id="rId15"/>
+    <p:sldId id="305" r:id="rId16"/>
+    <p:sldId id="316" r:id="rId17"/>
+    <p:sldId id="307" r:id="rId18"/>
+    <p:sldId id="312" r:id="rId19"/>
+    <p:sldId id="317" r:id="rId20"/>
+    <p:sldId id="296" r:id="rId21"/>
+    <p:sldId id="308" r:id="rId22"/>
+    <p:sldId id="309" r:id="rId23"/>
+    <p:sldId id="297" r:id="rId24"/>
+    <p:sldId id="291" r:id="rId25"/>
   </p:sldIdLst>
   <p:sldSz cx="9144000" cy="6858000" type="screen4x3"/>
   <p:notesSz cx="6858000" cy="9144000"/>
@@ -298,7 +302,7 @@
               <a:pPr>
                 <a:defRPr/>
               </a:pPr>
-              <a:t>18.01.2018</a:t>
+              <a:t>21.01.2018</a:t>
             </a:fld>
             <a:endParaRPr lang="de-DE"/>
           </a:p>
@@ -530,7 +534,7 @@
               <a:pPr>
                 <a:defRPr/>
               </a:pPr>
-              <a:t>18.01.2018</a:t>
+              <a:t>21.01.2018</a:t>
             </a:fld>
             <a:endParaRPr lang="de-DE"/>
           </a:p>
@@ -984,6 +988,508 @@
 </p:notes>
 </file>
 
+<file path=ppt/notesSlides/notesSlide2.xml><?xml version="1.0" encoding="utf-8"?>
+<p:notes xmlns:a="http://schemas.openxmlformats.org/drawingml/2006/main" xmlns:r="http://schemas.openxmlformats.org/officeDocument/2006/relationships" xmlns:p="http://schemas.openxmlformats.org/presentationml/2006/main">
+  <p:cSld>
+    <p:spTree>
+      <p:nvGrpSpPr>
+        <p:cNvPr id="1" name=""/>
+        <p:cNvGrpSpPr/>
+        <p:nvPr/>
+      </p:nvGrpSpPr>
+      <p:grpSpPr>
+        <a:xfrm>
+          <a:off x="0" y="0"/>
+          <a:ext cx="0" cy="0"/>
+          <a:chOff x="0" y="0"/>
+          <a:chExt cx="0" cy="0"/>
+        </a:xfrm>
+      </p:grpSpPr>
+      <p:sp>
+        <p:nvSpPr>
+          <p:cNvPr id="2" name="Slide Image Placeholder 1"/>
+          <p:cNvSpPr>
+            <a:spLocks noGrp="1" noRot="1" noChangeAspect="1"/>
+          </p:cNvSpPr>
+          <p:nvPr>
+            <p:ph type="sldImg"/>
+          </p:nvPr>
+        </p:nvSpPr>
+        <p:spPr/>
+      </p:sp>
+      <p:sp>
+        <p:nvSpPr>
+          <p:cNvPr id="3" name="Notes Placeholder 2"/>
+          <p:cNvSpPr>
+            <a:spLocks noGrp="1"/>
+          </p:cNvSpPr>
+          <p:nvPr>
+            <p:ph type="body" idx="1"/>
+          </p:nvPr>
+        </p:nvSpPr>
+        <p:spPr/>
+        <p:txBody>
+          <a:bodyPr/>
+          <a:lstStyle/>
+          <a:p>
+            <a:r>
+              <a:rPr lang="en-US" dirty="0"/>
+              <a:t>A widely accepted and utilized summarization tools.</a:t>
+            </a:r>
+          </a:p>
+          <a:p>
+            <a:r>
+              <a:rPr lang="en-US" dirty="0"/>
+              <a:t>For an attribute x, domain of the attribute is finite and v(x) is the frequency vector of x.</a:t>
+            </a:r>
+          </a:p>
+          <a:p>
+            <a:r>
+              <a:rPr lang="en-US" dirty="0"/>
+              <a:t>A histogram is any compact (lossy) representation of v.</a:t>
+            </a:r>
+          </a:p>
+          <a:p>
+            <a:endParaRPr lang="en-US" dirty="0"/>
+          </a:p>
+        </p:txBody>
+      </p:sp>
+    </p:spTree>
+    <p:extLst>
+      <p:ext uri="{BB962C8B-B14F-4D97-AF65-F5344CB8AC3E}">
+        <p14:creationId xmlns:p14="http://schemas.microsoft.com/office/powerpoint/2010/main" val="3948954366"/>
+      </p:ext>
+    </p:extLst>
+  </p:cSld>
+  <p:clrMapOvr>
+    <a:masterClrMapping/>
+  </p:clrMapOvr>
+</p:notes>
+</file>
+
+<file path=ppt/notesSlides/notesSlide3.xml><?xml version="1.0" encoding="utf-8"?>
+<p:notes xmlns:a="http://schemas.openxmlformats.org/drawingml/2006/main" xmlns:r="http://schemas.openxmlformats.org/officeDocument/2006/relationships" xmlns:p="http://schemas.openxmlformats.org/presentationml/2006/main">
+  <p:cSld>
+    <p:spTree>
+      <p:nvGrpSpPr>
+        <p:cNvPr id="1" name=""/>
+        <p:cNvGrpSpPr/>
+        <p:nvPr/>
+      </p:nvGrpSpPr>
+      <p:grpSpPr>
+        <a:xfrm>
+          <a:off x="0" y="0"/>
+          <a:ext cx="0" cy="0"/>
+          <a:chOff x="0" y="0"/>
+          <a:chExt cx="0" cy="0"/>
+        </a:xfrm>
+      </p:grpSpPr>
+      <p:sp>
+        <p:nvSpPr>
+          <p:cNvPr id="2" name="Slide Image Placeholder 1"/>
+          <p:cNvSpPr>
+            <a:spLocks noGrp="1" noRot="1" noChangeAspect="1"/>
+          </p:cNvSpPr>
+          <p:nvPr>
+            <p:ph type="sldImg"/>
+          </p:nvPr>
+        </p:nvSpPr>
+        <p:spPr/>
+      </p:sp>
+      <p:sp>
+        <p:nvSpPr>
+          <p:cNvPr id="3" name="Notes Placeholder 2"/>
+          <p:cNvSpPr>
+            <a:spLocks noGrp="1"/>
+          </p:cNvSpPr>
+          <p:nvPr>
+            <p:ph type="body" idx="1"/>
+          </p:nvPr>
+        </p:nvSpPr>
+        <p:spPr/>
+        <p:txBody>
+          <a:bodyPr/>
+          <a:lstStyle/>
+          <a:p>
+            <a:r>
+              <a:rPr lang="en-US" sz="1200" dirty="0"/>
+              <a:t>A common choice for a histogram is </a:t>
+            </a:r>
+            <a:r>
+              <a:rPr lang="en-US" sz="1200" i="1" dirty="0" err="1"/>
+              <a:t>Haar</a:t>
+            </a:r>
+            <a:r>
+              <a:rPr lang="en-US" sz="1200" i="1" dirty="0"/>
+              <a:t> wavelet histogram</a:t>
+            </a:r>
+            <a:r>
+              <a:rPr lang="en-US" sz="1200" dirty="0"/>
+              <a:t>.</a:t>
+            </a:r>
+          </a:p>
+          <a:p>
+            <a:r>
+              <a:rPr lang="en-US" sz="1200" dirty="0"/>
+              <a:t>Obtain the wavelet coefficients recursively.</a:t>
+            </a:r>
+          </a:p>
+          <a:p>
+            <a:r>
+              <a:rPr lang="en-US" sz="1200" dirty="0"/>
+              <a:t>We can select the top </a:t>
+            </a:r>
+            <a:r>
+              <a:rPr lang="en-US" sz="1200" i="1" dirty="0"/>
+              <a:t>k </a:t>
+            </a:r>
+            <a:r>
+              <a:rPr lang="en-US" sz="1200" dirty="0"/>
+              <a:t>coefficients </a:t>
+            </a:r>
+            <a:r>
+              <a:rPr lang="en-US" sz="1200" dirty="0">
+                <a:sym typeface="Wingdings" panose="05000000000000000000" pitchFamily="2" charset="2"/>
+              </a:rPr>
+              <a:t> can be used to reconstruct the data.</a:t>
+            </a:r>
+            <a:endParaRPr lang="en-US" sz="1200" i="1" dirty="0"/>
+          </a:p>
+        </p:txBody>
+      </p:sp>
+    </p:spTree>
+    <p:extLst>
+      <p:ext uri="{BB962C8B-B14F-4D97-AF65-F5344CB8AC3E}">
+        <p14:creationId xmlns:p14="http://schemas.microsoft.com/office/powerpoint/2010/main" val="2708669551"/>
+      </p:ext>
+    </p:extLst>
+  </p:cSld>
+  <p:clrMapOvr>
+    <a:masterClrMapping/>
+  </p:clrMapOvr>
+</p:notes>
+</file>
+
+<file path=ppt/notesSlides/notesSlide4.xml><?xml version="1.0" encoding="utf-8"?>
+<p:notes xmlns:a="http://schemas.openxmlformats.org/drawingml/2006/main" xmlns:r="http://schemas.openxmlformats.org/officeDocument/2006/relationships" xmlns:p="http://schemas.openxmlformats.org/presentationml/2006/main">
+  <p:cSld>
+    <p:spTree>
+      <p:nvGrpSpPr>
+        <p:cNvPr id="1" name=""/>
+        <p:cNvGrpSpPr/>
+        <p:nvPr/>
+      </p:nvGrpSpPr>
+      <p:grpSpPr>
+        <a:xfrm>
+          <a:off x="0" y="0"/>
+          <a:ext cx="0" cy="0"/>
+          <a:chOff x="0" y="0"/>
+          <a:chExt cx="0" cy="0"/>
+        </a:xfrm>
+      </p:grpSpPr>
+      <p:sp>
+        <p:nvSpPr>
+          <p:cNvPr id="2" name="Slide Image Placeholder 1"/>
+          <p:cNvSpPr>
+            <a:spLocks noGrp="1" noRot="1" noChangeAspect="1"/>
+          </p:cNvSpPr>
+          <p:nvPr>
+            <p:ph type="sldImg"/>
+          </p:nvPr>
+        </p:nvSpPr>
+        <p:spPr/>
+      </p:sp>
+      <p:sp>
+        <p:nvSpPr>
+          <p:cNvPr id="3" name="Notes Placeholder 2"/>
+          <p:cNvSpPr>
+            <a:spLocks noGrp="1"/>
+          </p:cNvSpPr>
+          <p:nvPr>
+            <p:ph type="body" idx="1"/>
+          </p:nvPr>
+        </p:nvSpPr>
+        <p:spPr/>
+        <p:txBody>
+          <a:bodyPr/>
+          <a:lstStyle/>
+          <a:p>
+            <a:r>
+              <a:rPr lang="en-US" dirty="0"/>
+              <a:t>Main focus: implement the exact solution and perform initial experiment.</a:t>
+            </a:r>
+          </a:p>
+          <a:p>
+            <a:endParaRPr lang="en-US" dirty="0"/>
+          </a:p>
+          <a:p>
+            <a:r>
+              <a:rPr lang="en-US" dirty="0"/>
+              <a:t>Implemented task:</a:t>
+            </a:r>
+          </a:p>
+          <a:p>
+            <a:r>
+              <a:rPr lang="en-US" dirty="0"/>
+              <a:t>Dataset preprocessing</a:t>
+            </a:r>
+          </a:p>
+          <a:p>
+            <a:r>
+              <a:rPr lang="en-US" dirty="0"/>
+              <a:t>Send V and Send Coef. algorithm implementation</a:t>
+            </a:r>
+          </a:p>
+          <a:p>
+            <a:r>
+              <a:rPr lang="en-US" dirty="0"/>
+              <a:t>SSE calculation from the algorithm result</a:t>
+            </a:r>
+          </a:p>
+          <a:p>
+            <a:r>
+              <a:rPr lang="en-US" dirty="0"/>
+              <a:t>Initial experiment on cluster</a:t>
+            </a:r>
+          </a:p>
+          <a:p>
+            <a:endParaRPr lang="en-US" dirty="0"/>
+          </a:p>
+          <a:p>
+            <a:r>
+              <a:rPr lang="en-US" dirty="0"/>
+              <a:t>Reasons:</a:t>
+            </a:r>
+          </a:p>
+          <a:p>
+            <a:r>
+              <a:rPr lang="en-US" dirty="0"/>
+              <a:t>The exact solution is the easiest of the algorithm to implement.</a:t>
+            </a:r>
+          </a:p>
+          <a:p>
+            <a:r>
+              <a:rPr lang="en-US" dirty="0"/>
+              <a:t>Preprocessing the dataset requires a lot of time (1.35 billion records).</a:t>
+            </a:r>
+          </a:p>
+          <a:p>
+            <a:r>
+              <a:rPr lang="en-US" dirty="0"/>
+              <a:t>Need time to adapt using the cluster.</a:t>
+            </a:r>
+          </a:p>
+          <a:p>
+            <a:r>
+              <a:rPr lang="en-US" dirty="0"/>
+              <a:t>Need time to set up the experiment (evaluation metrics, configuration, etc.).</a:t>
+            </a:r>
+          </a:p>
+          <a:p>
+            <a:r>
+              <a:rPr lang="en-US" dirty="0"/>
+              <a:t>Avoid repeating the experiment (for example because the metrics is missing).</a:t>
+            </a:r>
+          </a:p>
+          <a:p>
+            <a:endParaRPr lang="en-US" dirty="0"/>
+          </a:p>
+        </p:txBody>
+      </p:sp>
+    </p:spTree>
+    <p:extLst>
+      <p:ext uri="{BB962C8B-B14F-4D97-AF65-F5344CB8AC3E}">
+        <p14:creationId xmlns:p14="http://schemas.microsoft.com/office/powerpoint/2010/main" val="1186011936"/>
+      </p:ext>
+    </p:extLst>
+  </p:cSld>
+  <p:clrMapOvr>
+    <a:masterClrMapping/>
+  </p:clrMapOvr>
+</p:notes>
+</file>
+
+<file path=ppt/notesSlides/notesSlide5.xml><?xml version="1.0" encoding="utf-8"?>
+<p:notes xmlns:a="http://schemas.openxmlformats.org/drawingml/2006/main" xmlns:r="http://schemas.openxmlformats.org/officeDocument/2006/relationships" xmlns:p="http://schemas.openxmlformats.org/presentationml/2006/main">
+  <p:cSld>
+    <p:spTree>
+      <p:nvGrpSpPr>
+        <p:cNvPr id="1" name=""/>
+        <p:cNvGrpSpPr/>
+        <p:nvPr/>
+      </p:nvGrpSpPr>
+      <p:grpSpPr>
+        <a:xfrm>
+          <a:off x="0" y="0"/>
+          <a:ext cx="0" cy="0"/>
+          <a:chOff x="0" y="0"/>
+          <a:chExt cx="0" cy="0"/>
+        </a:xfrm>
+      </p:grpSpPr>
+      <p:sp>
+        <p:nvSpPr>
+          <p:cNvPr id="2" name="Slide Image Placeholder 1"/>
+          <p:cNvSpPr>
+            <a:spLocks noGrp="1" noRot="1" noChangeAspect="1"/>
+          </p:cNvSpPr>
+          <p:nvPr>
+            <p:ph type="sldImg"/>
+          </p:nvPr>
+        </p:nvSpPr>
+        <p:spPr/>
+      </p:sp>
+      <p:sp>
+        <p:nvSpPr>
+          <p:cNvPr id="3" name="Notes Placeholder 2"/>
+          <p:cNvSpPr>
+            <a:spLocks noGrp="1"/>
+          </p:cNvSpPr>
+          <p:nvPr>
+            <p:ph type="body" idx="1"/>
+          </p:nvPr>
+        </p:nvSpPr>
+        <p:spPr/>
+        <p:txBody>
+          <a:bodyPr/>
+          <a:lstStyle/>
+          <a:p>
+            <a:r>
+              <a:rPr lang="en-US" dirty="0"/>
+              <a:t>Send V and Send Coef. write an output file containing the top k coefficient of the wavelet tree.</a:t>
+            </a:r>
+          </a:p>
+          <a:p>
+            <a:r>
+              <a:rPr lang="en-US" dirty="0"/>
+              <a:t>Implement a program to have this data as an input and reconstruct the data.</a:t>
+            </a:r>
+          </a:p>
+          <a:p>
+            <a:r>
+              <a:rPr lang="en-US" dirty="0"/>
+              <a:t>Compare the actual data with the reconstructed data to get the SSE.</a:t>
+            </a:r>
+          </a:p>
+          <a:p>
+            <a:endParaRPr lang="en-US" dirty="0"/>
+          </a:p>
+        </p:txBody>
+      </p:sp>
+    </p:spTree>
+    <p:extLst>
+      <p:ext uri="{BB962C8B-B14F-4D97-AF65-F5344CB8AC3E}">
+        <p14:creationId xmlns:p14="http://schemas.microsoft.com/office/powerpoint/2010/main" val="686988490"/>
+      </p:ext>
+    </p:extLst>
+  </p:cSld>
+  <p:clrMapOvr>
+    <a:masterClrMapping/>
+  </p:clrMapOvr>
+</p:notes>
+</file>
+
+<file path=ppt/notesSlides/notesSlide6.xml><?xml version="1.0" encoding="utf-8"?>
+<p:notes xmlns:a="http://schemas.openxmlformats.org/drawingml/2006/main" xmlns:r="http://schemas.openxmlformats.org/officeDocument/2006/relationships" xmlns:p="http://schemas.openxmlformats.org/presentationml/2006/main">
+  <p:cSld>
+    <p:spTree>
+      <p:nvGrpSpPr>
+        <p:cNvPr id="1" name=""/>
+        <p:cNvGrpSpPr/>
+        <p:nvPr/>
+      </p:nvGrpSpPr>
+      <p:grpSpPr>
+        <a:xfrm>
+          <a:off x="0" y="0"/>
+          <a:ext cx="0" cy="0"/>
+          <a:chOff x="0" y="0"/>
+          <a:chExt cx="0" cy="0"/>
+        </a:xfrm>
+      </p:grpSpPr>
+      <p:sp>
+        <p:nvSpPr>
+          <p:cNvPr id="2" name="Slide Image Placeholder 1"/>
+          <p:cNvSpPr>
+            <a:spLocks noGrp="1" noRot="1" noChangeAspect="1"/>
+          </p:cNvSpPr>
+          <p:nvPr>
+            <p:ph type="sldImg"/>
+          </p:nvPr>
+        </p:nvSpPr>
+        <p:spPr/>
+      </p:sp>
+      <p:sp>
+        <p:nvSpPr>
+          <p:cNvPr id="3" name="Notes Placeholder 2"/>
+          <p:cNvSpPr>
+            <a:spLocks noGrp="1"/>
+          </p:cNvSpPr>
+          <p:nvPr>
+            <p:ph type="body" idx="1"/>
+          </p:nvPr>
+        </p:nvSpPr>
+        <p:spPr/>
+        <p:txBody>
+          <a:bodyPr/>
+          <a:lstStyle/>
+          <a:p>
+            <a:r>
+              <a:rPr lang="en-US" dirty="0"/>
+              <a:t>Send V worked as intended for partial dataset 94 million of domain and 107 million records.</a:t>
+            </a:r>
+          </a:p>
+          <a:p>
+            <a:endParaRPr lang="en-US" dirty="0"/>
+          </a:p>
+          <a:p>
+            <a:r>
+              <a:rPr lang="en-US" dirty="0"/>
+              <a:t>Send V found </a:t>
+            </a:r>
+            <a:r>
+              <a:rPr lang="en-US" dirty="0" err="1"/>
+              <a:t>OutOfMemory</a:t>
+            </a:r>
+            <a:r>
+              <a:rPr lang="en-US" dirty="0"/>
+              <a:t> error using more data.</a:t>
+            </a:r>
+          </a:p>
+          <a:p>
+            <a:endParaRPr lang="en-US" dirty="0"/>
+          </a:p>
+          <a:p>
+            <a:r>
+              <a:rPr lang="en-US" dirty="0"/>
+              <a:t>Send Coef. was taking too much time, hence we stopped the execution (in the paper, they also stopped the execution and didn’t present the result of Send Coef.)</a:t>
+            </a:r>
+          </a:p>
+          <a:p>
+            <a:endParaRPr lang="en-US" dirty="0"/>
+          </a:p>
+          <a:p>
+            <a:r>
+              <a:rPr lang="en-US" dirty="0"/>
+              <a:t>Send V’s overall running time was around 2.5 hours  the other algorithm should be less than this time since Send V is the exact solution (slowest acceptable solution).</a:t>
+            </a:r>
+          </a:p>
+          <a:p>
+            <a:endParaRPr lang="en-US" dirty="0"/>
+          </a:p>
+        </p:txBody>
+      </p:sp>
+    </p:spTree>
+    <p:extLst>
+      <p:ext uri="{BB962C8B-B14F-4D97-AF65-F5344CB8AC3E}">
+        <p14:creationId xmlns:p14="http://schemas.microsoft.com/office/powerpoint/2010/main" val="3674449860"/>
+      </p:ext>
+    </p:extLst>
+  </p:cSld>
+  <p:clrMapOvr>
+    <a:masterClrMapping/>
+  </p:clrMapOvr>
+</p:notes>
+</file>
+
 <file path=ppt/slideLayouts/slideLayout1.xml><?xml version="1.0" encoding="utf-8"?>
 <p:sldLayout xmlns:a="http://schemas.openxmlformats.org/drawingml/2006/main" xmlns:r="http://schemas.openxmlformats.org/officeDocument/2006/relationships" xmlns:p="http://schemas.openxmlformats.org/presentationml/2006/main" preserve="1" userDrawn="1">
   <p:cSld name="Titelfolie">
@@ -4399,7 +4905,7 @@
             <a:fld id="{B1D7DE6A-53E9-48DF-ADFA-79B543AC8321}" type="datetime1">
               <a:rPr lang="de-DE" altLang="en-US" sz="1200"/>
               <a:pPr algn="ctr"/>
-              <a:t>18.01.2018</a:t>
+              <a:t>21.01.2018</a:t>
             </a:fld>
             <a:endParaRPr lang="de-DE" altLang="en-US" sz="1200"/>
           </a:p>
@@ -5307,7 +5813,7 @@
           <a:p>
             <a:r>
               <a:rPr lang="en-US" dirty="0"/>
-              <a:t>Dataset Preprocessing</a:t>
+              <a:t>Dataset Preprocessing Flow</a:t>
             </a:r>
           </a:p>
         </p:txBody>
@@ -6154,49 +6660,48 @@
       </p:grpSpPr>
       <p:sp>
         <p:nvSpPr>
-          <p:cNvPr id="2" name="Content Placeholder 1">
+          <p:cNvPr id="30" name="Rectangle 29">
             <a:extLst>
               <a:ext uri="{FF2B5EF4-FFF2-40B4-BE49-F238E27FC236}">
-                <a16:creationId xmlns:a16="http://schemas.microsoft.com/office/drawing/2014/main" id="{5220E67C-7142-42E2-B739-906AAEA14D4E}"/>
+                <a16:creationId xmlns:a16="http://schemas.microsoft.com/office/drawing/2014/main" id="{9857609C-9F9A-400C-AE62-7BD50CBBF173}"/>
               </a:ext>
             </a:extLst>
           </p:cNvPr>
-          <p:cNvSpPr>
-            <a:spLocks noGrp="1"/>
-          </p:cNvSpPr>
-          <p:nvPr>
-            <p:ph idx="1"/>
-          </p:nvPr>
+          <p:cNvSpPr/>
+          <p:nvPr/>
         </p:nvSpPr>
         <p:spPr>
           <a:xfrm>
-            <a:off x="428625" y="4800600"/>
-            <a:ext cx="8286750" cy="1557338"/>
+            <a:off x="6390388" y="914400"/>
+            <a:ext cx="2144012" cy="2338271"/>
           </a:xfrm>
+          <a:prstGeom prst="rect">
+            <a:avLst/>
+          </a:prstGeom>
+          <a:ln>
+            <a:prstDash val="sysDash"/>
+          </a:ln>
         </p:spPr>
+        <p:style>
+          <a:lnRef idx="2">
+            <a:schemeClr val="accent6"/>
+          </a:lnRef>
+          <a:fillRef idx="1">
+            <a:schemeClr val="lt1"/>
+          </a:fillRef>
+          <a:effectRef idx="0">
+            <a:schemeClr val="accent6"/>
+          </a:effectRef>
+          <a:fontRef idx="minor">
+            <a:schemeClr val="dk1"/>
+          </a:fontRef>
+        </p:style>
         <p:txBody>
-          <a:bodyPr/>
+          <a:bodyPr rtlCol="0" anchor="ctr"/>
           <a:lstStyle/>
           <a:p>
-            <a:r>
-              <a:rPr lang="en-US" dirty="0"/>
-              <a:t>Send V </a:t>
-            </a:r>
-            <a:r>
-              <a:rPr lang="en-US" dirty="0">
-                <a:sym typeface="Wingdings" panose="05000000000000000000" pitchFamily="2" charset="2"/>
-              </a:rPr>
-              <a:t> calculate the frequency in worker and send the frequency.</a:t>
-            </a:r>
-          </a:p>
-          <a:p>
-            <a:r>
-              <a:rPr lang="en-US" dirty="0">
-                <a:sym typeface="Wingdings" panose="05000000000000000000" pitchFamily="2" charset="2"/>
-              </a:rPr>
-              <a:t>Send Coef.  calculate the local wavelet tree and send their coefficient.</a:t>
-            </a:r>
-            <a:endParaRPr lang="en-US" dirty="0"/>
+            <a:pPr algn="ctr"/>
+            <a:endParaRPr lang="en-US"/>
           </a:p>
         </p:txBody>
       </p:sp>
@@ -6205,7 +6710,7 @@
           <p:cNvPr id="3" name="Title 2">
             <a:extLst>
               <a:ext uri="{FF2B5EF4-FFF2-40B4-BE49-F238E27FC236}">
-                <a16:creationId xmlns:a16="http://schemas.microsoft.com/office/drawing/2014/main" id="{F7D05E00-A3FB-4CB1-B791-C653F7CA4E22}"/>
+                <a16:creationId xmlns:a16="http://schemas.microsoft.com/office/drawing/2014/main" id="{31D5B3C4-A6C7-4504-AEF3-DAD06D19DD1E}"/>
               </a:ext>
             </a:extLst>
           </p:cNvPr>
@@ -6223,55 +6728,664 @@
           <a:p>
             <a:r>
               <a:rPr lang="en-US" dirty="0"/>
-              <a:t>Implemented Algorithm (Send V and Send </a:t>
-            </a:r>
-            <a:r>
-              <a:rPr lang="en-US" dirty="0" err="1"/>
-              <a:t>Coef</a:t>
-            </a:r>
-            <a:r>
-              <a:rPr lang="en-US" dirty="0"/>
-              <a:t>)</a:t>
+              <a:t>Data Conversion</a:t>
             </a:r>
           </a:p>
         </p:txBody>
       </p:sp>
-      <p:pic>
-        <p:nvPicPr>
-          <p:cNvPr id="4" name="Picture 3">
+      <p:sp>
+        <p:nvSpPr>
+          <p:cNvPr id="17" name="Rectangle 16">
             <a:extLst>
               <a:ext uri="{FF2B5EF4-FFF2-40B4-BE49-F238E27FC236}">
-                <a16:creationId xmlns:a16="http://schemas.microsoft.com/office/drawing/2014/main" id="{8404D415-4403-4DEA-806E-52C6BDDB2071}"/>
+                <a16:creationId xmlns:a16="http://schemas.microsoft.com/office/drawing/2014/main" id="{4748BD10-5513-4467-BDDB-B4DB04F354AD}"/>
               </a:ext>
             </a:extLst>
           </p:cNvPr>
-          <p:cNvPicPr>
-            <a:picLocks noChangeAspect="1"/>
-          </p:cNvPicPr>
+          <p:cNvSpPr/>
           <p:nvPr/>
-        </p:nvPicPr>
-        <p:blipFill>
-          <a:blip r:embed="rId2"/>
-          <a:stretch>
-            <a:fillRect/>
-          </a:stretch>
-        </p:blipFill>
+        </p:nvSpPr>
         <p:spPr>
           <a:xfrm>
-            <a:off x="304800" y="1066800"/>
-            <a:ext cx="8534400" cy="3615042"/>
+            <a:off x="3957638" y="3505200"/>
+            <a:ext cx="1371601" cy="685800"/>
           </a:xfrm>
           <a:prstGeom prst="rect">
             <a:avLst/>
           </a:prstGeom>
+          <a:ln>
+            <a:solidFill>
+              <a:srgbClr val="00B0F0"/>
+            </a:solidFill>
+          </a:ln>
         </p:spPr>
-      </p:pic>
+        <p:style>
+          <a:lnRef idx="2">
+            <a:schemeClr val="accent6"/>
+          </a:lnRef>
+          <a:fillRef idx="1">
+            <a:schemeClr val="lt1"/>
+          </a:fillRef>
+          <a:effectRef idx="0">
+            <a:schemeClr val="accent6"/>
+          </a:effectRef>
+          <a:fontRef idx="minor">
+            <a:schemeClr val="dk1"/>
+          </a:fontRef>
+        </p:style>
+        <p:txBody>
+          <a:bodyPr rtlCol="0" anchor="ctr"/>
+          <a:lstStyle/>
+          <a:p>
+            <a:pPr algn="ctr"/>
+            <a:r>
+              <a:rPr lang="en-US" dirty="0"/>
+              <a:t>COID</a:t>
+            </a:r>
+          </a:p>
+        </p:txBody>
+      </p:sp>
+      <p:grpSp>
+        <p:nvGrpSpPr>
+          <p:cNvPr id="23" name="Group 22">
+            <a:extLst>
+              <a:ext uri="{FF2B5EF4-FFF2-40B4-BE49-F238E27FC236}">
+                <a16:creationId xmlns:a16="http://schemas.microsoft.com/office/drawing/2014/main" id="{AD328271-024E-4220-8708-696065BBC508}"/>
+              </a:ext>
+            </a:extLst>
+          </p:cNvPr>
+          <p:cNvGrpSpPr/>
+          <p:nvPr/>
+        </p:nvGrpSpPr>
+        <p:grpSpPr>
+          <a:xfrm>
+            <a:off x="938482" y="1225115"/>
+            <a:ext cx="7409913" cy="685800"/>
+            <a:chOff x="152399" y="1752600"/>
+            <a:chExt cx="7409913" cy="685800"/>
+          </a:xfrm>
+        </p:grpSpPr>
+        <p:grpSp>
+          <p:nvGrpSpPr>
+            <p:cNvPr id="22" name="Group 21">
+              <a:extLst>
+                <a:ext uri="{FF2B5EF4-FFF2-40B4-BE49-F238E27FC236}">
+                  <a16:creationId xmlns:a16="http://schemas.microsoft.com/office/drawing/2014/main" id="{05B273A6-D1C3-44D1-BDE4-EC2F60C26205}"/>
+                </a:ext>
+              </a:extLst>
+            </p:cNvPr>
+            <p:cNvGrpSpPr/>
+            <p:nvPr/>
+          </p:nvGrpSpPr>
+          <p:grpSpPr>
+            <a:xfrm>
+              <a:off x="152399" y="1752600"/>
+              <a:ext cx="6918218" cy="685800"/>
+              <a:chOff x="152399" y="1752600"/>
+              <a:chExt cx="6918218" cy="685800"/>
+            </a:xfrm>
+          </p:grpSpPr>
+          <p:sp>
+            <p:nvSpPr>
+              <p:cNvPr id="4" name="Rectangle 3">
+                <a:extLst>
+                  <a:ext uri="{FF2B5EF4-FFF2-40B4-BE49-F238E27FC236}">
+                    <a16:creationId xmlns:a16="http://schemas.microsoft.com/office/drawing/2014/main" id="{2010F176-1798-47AC-9D35-C4B78AFC5F05}"/>
+                  </a:ext>
+                </a:extLst>
+              </p:cNvPr>
+              <p:cNvSpPr/>
+              <p:nvPr/>
+            </p:nvSpPr>
+            <p:spPr>
+              <a:xfrm>
+                <a:off x="152399" y="1752600"/>
+                <a:ext cx="1371601" cy="685800"/>
+              </a:xfrm>
+              <a:prstGeom prst="rect">
+                <a:avLst/>
+              </a:prstGeom>
+              <a:ln>
+                <a:solidFill>
+                  <a:srgbClr val="00B0F0"/>
+                </a:solidFill>
+              </a:ln>
+            </p:spPr>
+            <p:style>
+              <a:lnRef idx="2">
+                <a:schemeClr val="accent6"/>
+              </a:lnRef>
+              <a:fillRef idx="1">
+                <a:schemeClr val="lt1"/>
+              </a:fillRef>
+              <a:effectRef idx="0">
+                <a:schemeClr val="accent6"/>
+              </a:effectRef>
+              <a:fontRef idx="minor">
+                <a:schemeClr val="dk1"/>
+              </a:fontRef>
+            </p:style>
+            <p:txBody>
+              <a:bodyPr rtlCol="0" anchor="ctr"/>
+              <a:lstStyle/>
+              <a:p>
+                <a:pPr algn="ctr"/>
+                <a:r>
+                  <a:rPr lang="en-US" dirty="0"/>
+                  <a:t>Timestamps</a:t>
+                </a:r>
+              </a:p>
+            </p:txBody>
+          </p:sp>
+          <p:sp>
+            <p:nvSpPr>
+              <p:cNvPr id="14" name="Rectangle 13">
+                <a:extLst>
+                  <a:ext uri="{FF2B5EF4-FFF2-40B4-BE49-F238E27FC236}">
+                    <a16:creationId xmlns:a16="http://schemas.microsoft.com/office/drawing/2014/main" id="{E7842CFA-C124-4725-BCD0-EC9E83B67BAF}"/>
+                  </a:ext>
+                </a:extLst>
+              </p:cNvPr>
+              <p:cNvSpPr/>
+              <p:nvPr/>
+            </p:nvSpPr>
+            <p:spPr>
+              <a:xfrm>
+                <a:off x="1524000" y="1752600"/>
+                <a:ext cx="1371601" cy="685800"/>
+              </a:xfrm>
+              <a:prstGeom prst="rect">
+                <a:avLst/>
+              </a:prstGeom>
+              <a:ln>
+                <a:solidFill>
+                  <a:srgbClr val="00B0F0"/>
+                </a:solidFill>
+              </a:ln>
+            </p:spPr>
+            <p:style>
+              <a:lnRef idx="2">
+                <a:schemeClr val="accent6"/>
+              </a:lnRef>
+              <a:fillRef idx="1">
+                <a:schemeClr val="lt1"/>
+              </a:fillRef>
+              <a:effectRef idx="0">
+                <a:schemeClr val="accent6"/>
+              </a:effectRef>
+              <a:fontRef idx="minor">
+                <a:schemeClr val="dk1"/>
+              </a:fontRef>
+            </p:style>
+            <p:txBody>
+              <a:bodyPr rtlCol="0" anchor="ctr"/>
+              <a:lstStyle/>
+              <a:p>
+                <a:pPr algn="ctr"/>
+                <a:r>
+                  <a:rPr lang="en-US" dirty="0" err="1"/>
+                  <a:t>ClientID</a:t>
+                </a:r>
+                <a:endParaRPr lang="en-US" dirty="0"/>
+              </a:p>
+            </p:txBody>
+          </p:sp>
+          <p:sp>
+            <p:nvSpPr>
+              <p:cNvPr id="15" name="Rectangle 14">
+                <a:extLst>
+                  <a:ext uri="{FF2B5EF4-FFF2-40B4-BE49-F238E27FC236}">
+                    <a16:creationId xmlns:a16="http://schemas.microsoft.com/office/drawing/2014/main" id="{B288E006-4CDF-4B03-9EBE-67E9E8C8500C}"/>
+                  </a:ext>
+                </a:extLst>
+              </p:cNvPr>
+              <p:cNvSpPr/>
+              <p:nvPr/>
+            </p:nvSpPr>
+            <p:spPr>
+              <a:xfrm>
+                <a:off x="2895601" y="1752600"/>
+                <a:ext cx="1371601" cy="685800"/>
+              </a:xfrm>
+              <a:prstGeom prst="rect">
+                <a:avLst/>
+              </a:prstGeom>
+              <a:ln>
+                <a:solidFill>
+                  <a:srgbClr val="00B0F0"/>
+                </a:solidFill>
+              </a:ln>
+            </p:spPr>
+            <p:style>
+              <a:lnRef idx="2">
+                <a:schemeClr val="accent6"/>
+              </a:lnRef>
+              <a:fillRef idx="1">
+                <a:schemeClr val="lt1"/>
+              </a:fillRef>
+              <a:effectRef idx="0">
+                <a:schemeClr val="accent6"/>
+              </a:effectRef>
+              <a:fontRef idx="minor">
+                <a:schemeClr val="dk1"/>
+              </a:fontRef>
+            </p:style>
+            <p:txBody>
+              <a:bodyPr rtlCol="0" anchor="ctr"/>
+              <a:lstStyle/>
+              <a:p>
+                <a:pPr algn="ctr"/>
+                <a:r>
+                  <a:rPr lang="en-US" dirty="0" err="1"/>
+                  <a:t>ObjectID</a:t>
+                </a:r>
+                <a:endParaRPr lang="en-US" dirty="0"/>
+              </a:p>
+            </p:txBody>
+          </p:sp>
+          <p:sp>
+            <p:nvSpPr>
+              <p:cNvPr id="16" name="Rectangle 15">
+                <a:extLst>
+                  <a:ext uri="{FF2B5EF4-FFF2-40B4-BE49-F238E27FC236}">
+                    <a16:creationId xmlns:a16="http://schemas.microsoft.com/office/drawing/2014/main" id="{7BB59F7C-52A0-48B3-BEF3-89AA6E91D8A0}"/>
+                  </a:ext>
+                </a:extLst>
+              </p:cNvPr>
+              <p:cNvSpPr/>
+              <p:nvPr/>
+            </p:nvSpPr>
+            <p:spPr>
+              <a:xfrm>
+                <a:off x="4238280" y="1752600"/>
+                <a:ext cx="1371601" cy="685800"/>
+              </a:xfrm>
+              <a:prstGeom prst="rect">
+                <a:avLst/>
+              </a:prstGeom>
+              <a:ln>
+                <a:solidFill>
+                  <a:srgbClr val="00B0F0"/>
+                </a:solidFill>
+              </a:ln>
+            </p:spPr>
+            <p:style>
+              <a:lnRef idx="2">
+                <a:schemeClr val="accent6"/>
+              </a:lnRef>
+              <a:fillRef idx="1">
+                <a:schemeClr val="lt1"/>
+              </a:fillRef>
+              <a:effectRef idx="0">
+                <a:schemeClr val="accent6"/>
+              </a:effectRef>
+              <a:fontRef idx="minor">
+                <a:schemeClr val="dk1"/>
+              </a:fontRef>
+            </p:style>
+            <p:txBody>
+              <a:bodyPr rtlCol="0" anchor="ctr"/>
+              <a:lstStyle/>
+              <a:p>
+                <a:pPr algn="ctr"/>
+                <a:r>
+                  <a:rPr lang="en-US" dirty="0"/>
+                  <a:t>Size</a:t>
+                </a:r>
+              </a:p>
+            </p:txBody>
+          </p:sp>
+          <p:sp>
+            <p:nvSpPr>
+              <p:cNvPr id="18" name="Rectangle 17">
+                <a:extLst>
+                  <a:ext uri="{FF2B5EF4-FFF2-40B4-BE49-F238E27FC236}">
+                    <a16:creationId xmlns:a16="http://schemas.microsoft.com/office/drawing/2014/main" id="{63C0E751-24EC-481F-94E6-3180E3E55F6B}"/>
+                  </a:ext>
+                </a:extLst>
+              </p:cNvPr>
+              <p:cNvSpPr/>
+              <p:nvPr/>
+            </p:nvSpPr>
+            <p:spPr>
+              <a:xfrm>
+                <a:off x="5604305" y="1752600"/>
+                <a:ext cx="491695" cy="685800"/>
+              </a:xfrm>
+              <a:prstGeom prst="rect">
+                <a:avLst/>
+              </a:prstGeom>
+              <a:ln>
+                <a:solidFill>
+                  <a:srgbClr val="00B0F0"/>
+                </a:solidFill>
+              </a:ln>
+            </p:spPr>
+            <p:style>
+              <a:lnRef idx="2">
+                <a:schemeClr val="accent6"/>
+              </a:lnRef>
+              <a:fillRef idx="1">
+                <a:schemeClr val="lt1"/>
+              </a:fillRef>
+              <a:effectRef idx="0">
+                <a:schemeClr val="accent6"/>
+              </a:effectRef>
+              <a:fontRef idx="minor">
+                <a:schemeClr val="dk1"/>
+              </a:fontRef>
+            </p:style>
+            <p:txBody>
+              <a:bodyPr rtlCol="0" anchor="ctr"/>
+              <a:lstStyle/>
+              <a:p>
+                <a:pPr algn="ctr"/>
+                <a:endParaRPr lang="en-US" dirty="0"/>
+              </a:p>
+            </p:txBody>
+          </p:sp>
+          <p:sp>
+            <p:nvSpPr>
+              <p:cNvPr id="19" name="Rectangle 18">
+                <a:extLst>
+                  <a:ext uri="{FF2B5EF4-FFF2-40B4-BE49-F238E27FC236}">
+                    <a16:creationId xmlns:a16="http://schemas.microsoft.com/office/drawing/2014/main" id="{5A09694C-02F6-47E3-889E-CD462AE6B3A0}"/>
+                  </a:ext>
+                </a:extLst>
+              </p:cNvPr>
+              <p:cNvSpPr/>
+              <p:nvPr/>
+            </p:nvSpPr>
+            <p:spPr>
+              <a:xfrm>
+                <a:off x="6096000" y="1752600"/>
+                <a:ext cx="491695" cy="685800"/>
+              </a:xfrm>
+              <a:prstGeom prst="rect">
+                <a:avLst/>
+              </a:prstGeom>
+              <a:ln>
+                <a:solidFill>
+                  <a:srgbClr val="00B0F0"/>
+                </a:solidFill>
+              </a:ln>
+            </p:spPr>
+            <p:style>
+              <a:lnRef idx="2">
+                <a:schemeClr val="accent6"/>
+              </a:lnRef>
+              <a:fillRef idx="1">
+                <a:schemeClr val="lt1"/>
+              </a:fillRef>
+              <a:effectRef idx="0">
+                <a:schemeClr val="accent6"/>
+              </a:effectRef>
+              <a:fontRef idx="minor">
+                <a:schemeClr val="dk1"/>
+              </a:fontRef>
+            </p:style>
+            <p:txBody>
+              <a:bodyPr rtlCol="0" anchor="ctr"/>
+              <a:lstStyle/>
+              <a:p>
+                <a:pPr algn="ctr"/>
+                <a:endParaRPr lang="en-US"/>
+              </a:p>
+            </p:txBody>
+          </p:sp>
+          <p:sp>
+            <p:nvSpPr>
+              <p:cNvPr id="20" name="Rectangle 19">
+                <a:extLst>
+                  <a:ext uri="{FF2B5EF4-FFF2-40B4-BE49-F238E27FC236}">
+                    <a16:creationId xmlns:a16="http://schemas.microsoft.com/office/drawing/2014/main" id="{DC6C471A-4C79-41A5-B70A-8B228BE9C5C7}"/>
+                  </a:ext>
+                </a:extLst>
+              </p:cNvPr>
+              <p:cNvSpPr/>
+              <p:nvPr/>
+            </p:nvSpPr>
+            <p:spPr>
+              <a:xfrm>
+                <a:off x="6578922" y="1752600"/>
+                <a:ext cx="491695" cy="685800"/>
+              </a:xfrm>
+              <a:prstGeom prst="rect">
+                <a:avLst/>
+              </a:prstGeom>
+              <a:ln>
+                <a:solidFill>
+                  <a:srgbClr val="00B0F0"/>
+                </a:solidFill>
+              </a:ln>
+            </p:spPr>
+            <p:style>
+              <a:lnRef idx="2">
+                <a:schemeClr val="accent6"/>
+              </a:lnRef>
+              <a:fillRef idx="1">
+                <a:schemeClr val="lt1"/>
+              </a:fillRef>
+              <a:effectRef idx="0">
+                <a:schemeClr val="accent6"/>
+              </a:effectRef>
+              <a:fontRef idx="minor">
+                <a:schemeClr val="dk1"/>
+              </a:fontRef>
+            </p:style>
+            <p:txBody>
+              <a:bodyPr rtlCol="0" anchor="ctr"/>
+              <a:lstStyle/>
+              <a:p>
+                <a:pPr algn="ctr"/>
+                <a:endParaRPr lang="en-US"/>
+              </a:p>
+            </p:txBody>
+          </p:sp>
+        </p:grpSp>
+        <p:sp>
+          <p:nvSpPr>
+            <p:cNvPr id="21" name="Rectangle 20">
+              <a:extLst>
+                <a:ext uri="{FF2B5EF4-FFF2-40B4-BE49-F238E27FC236}">
+                  <a16:creationId xmlns:a16="http://schemas.microsoft.com/office/drawing/2014/main" id="{C532261A-2EC2-436D-BB9F-3BC34A700F9E}"/>
+                </a:ext>
+              </a:extLst>
+            </p:cNvPr>
+            <p:cNvSpPr/>
+            <p:nvPr/>
+          </p:nvSpPr>
+          <p:spPr>
+            <a:xfrm>
+              <a:off x="7070617" y="1752600"/>
+              <a:ext cx="491695" cy="685800"/>
+            </a:xfrm>
+            <a:prstGeom prst="rect">
+              <a:avLst/>
+            </a:prstGeom>
+            <a:ln>
+              <a:solidFill>
+                <a:srgbClr val="00B0F0"/>
+              </a:solidFill>
+            </a:ln>
+          </p:spPr>
+          <p:style>
+            <a:lnRef idx="2">
+              <a:schemeClr val="accent6"/>
+            </a:lnRef>
+            <a:fillRef idx="1">
+              <a:schemeClr val="lt1"/>
+            </a:fillRef>
+            <a:effectRef idx="0">
+              <a:schemeClr val="accent6"/>
+            </a:effectRef>
+            <a:fontRef idx="minor">
+              <a:schemeClr val="dk1"/>
+            </a:fontRef>
+          </p:style>
+          <p:txBody>
+            <a:bodyPr rtlCol="0" anchor="ctr"/>
+            <a:lstStyle/>
+            <a:p>
+              <a:pPr algn="ctr"/>
+              <a:endParaRPr lang="en-US"/>
+            </a:p>
+          </p:txBody>
+        </p:sp>
+      </p:grpSp>
       <p:sp>
         <p:nvSpPr>
-          <p:cNvPr id="5" name="TextBox 4">
+          <p:cNvPr id="24" name="Rectangle 23">
             <a:extLst>
               <a:ext uri="{FF2B5EF4-FFF2-40B4-BE49-F238E27FC236}">
-                <a16:creationId xmlns:a16="http://schemas.microsoft.com/office/drawing/2014/main" id="{80175DDD-1AD0-4B9C-B72A-1F881C79D611}"/>
+                <a16:creationId xmlns:a16="http://schemas.microsoft.com/office/drawing/2014/main" id="{A0A1F86E-F5E5-4A4E-B9D5-729EEF98A9D2}"/>
+              </a:ext>
+            </a:extLst>
+          </p:cNvPr>
+          <p:cNvSpPr/>
+          <p:nvPr/>
+        </p:nvSpPr>
+        <p:spPr>
+          <a:xfrm>
+            <a:off x="938482" y="4572000"/>
+            <a:ext cx="1371601" cy="685800"/>
+          </a:xfrm>
+          <a:prstGeom prst="rect">
+            <a:avLst/>
+          </a:prstGeom>
+          <a:ln>
+            <a:solidFill>
+              <a:srgbClr val="00B0F0"/>
+            </a:solidFill>
+          </a:ln>
+        </p:spPr>
+        <p:style>
+          <a:lnRef idx="2">
+            <a:schemeClr val="accent6"/>
+          </a:lnRef>
+          <a:fillRef idx="1">
+            <a:schemeClr val="lt1"/>
+          </a:fillRef>
+          <a:effectRef idx="0">
+            <a:schemeClr val="accent6"/>
+          </a:effectRef>
+          <a:fontRef idx="minor">
+            <a:schemeClr val="dk1"/>
+          </a:fontRef>
+        </p:style>
+        <p:txBody>
+          <a:bodyPr rtlCol="0" anchor="ctr"/>
+          <a:lstStyle/>
+          <a:p>
+            <a:pPr algn="ctr"/>
+            <a:endParaRPr lang="en-US" dirty="0"/>
+          </a:p>
+        </p:txBody>
+      </p:sp>
+      <p:sp>
+        <p:nvSpPr>
+          <p:cNvPr id="25" name="Rectangle 24">
+            <a:extLst>
+              <a:ext uri="{FF2B5EF4-FFF2-40B4-BE49-F238E27FC236}">
+                <a16:creationId xmlns:a16="http://schemas.microsoft.com/office/drawing/2014/main" id="{4EC8B781-C755-4233-B18B-B472B0515339}"/>
+              </a:ext>
+            </a:extLst>
+          </p:cNvPr>
+          <p:cNvSpPr/>
+          <p:nvPr/>
+        </p:nvSpPr>
+        <p:spPr>
+          <a:xfrm>
+            <a:off x="931932" y="5562600"/>
+            <a:ext cx="491695" cy="685800"/>
+          </a:xfrm>
+          <a:prstGeom prst="rect">
+            <a:avLst/>
+          </a:prstGeom>
+          <a:ln>
+            <a:solidFill>
+              <a:srgbClr val="00B0F0"/>
+            </a:solidFill>
+          </a:ln>
+        </p:spPr>
+        <p:style>
+          <a:lnRef idx="2">
+            <a:schemeClr val="accent6"/>
+          </a:lnRef>
+          <a:fillRef idx="1">
+            <a:schemeClr val="lt1"/>
+          </a:fillRef>
+          <a:effectRef idx="0">
+            <a:schemeClr val="accent6"/>
+          </a:effectRef>
+          <a:fontRef idx="minor">
+            <a:schemeClr val="dk1"/>
+          </a:fontRef>
+        </p:style>
+        <p:txBody>
+          <a:bodyPr rtlCol="0" anchor="ctr"/>
+          <a:lstStyle/>
+          <a:p>
+            <a:pPr algn="ctr"/>
+            <a:endParaRPr lang="en-US" dirty="0"/>
+          </a:p>
+        </p:txBody>
+      </p:sp>
+      <p:sp>
+        <p:nvSpPr>
+          <p:cNvPr id="26" name="Arrow: Down 25">
+            <a:extLst>
+              <a:ext uri="{FF2B5EF4-FFF2-40B4-BE49-F238E27FC236}">
+                <a16:creationId xmlns:a16="http://schemas.microsoft.com/office/drawing/2014/main" id="{A5742D63-9FFC-48B2-B073-65F765701B27}"/>
+              </a:ext>
+            </a:extLst>
+          </p:cNvPr>
+          <p:cNvSpPr/>
+          <p:nvPr/>
+        </p:nvSpPr>
+        <p:spPr>
+          <a:xfrm>
+            <a:off x="4191000" y="2362200"/>
+            <a:ext cx="862285" cy="914400"/>
+          </a:xfrm>
+          <a:prstGeom prst="downArrow">
+            <a:avLst/>
+          </a:prstGeom>
+          <a:ln>
+            <a:solidFill>
+              <a:srgbClr val="00B0F0"/>
+            </a:solidFill>
+          </a:ln>
+        </p:spPr>
+        <p:style>
+          <a:lnRef idx="2">
+            <a:schemeClr val="accent6"/>
+          </a:lnRef>
+          <a:fillRef idx="1">
+            <a:schemeClr val="lt1"/>
+          </a:fillRef>
+          <a:effectRef idx="0">
+            <a:schemeClr val="accent6"/>
+          </a:effectRef>
+          <a:fontRef idx="minor">
+            <a:schemeClr val="dk1"/>
+          </a:fontRef>
+        </p:style>
+        <p:txBody>
+          <a:bodyPr rtlCol="0" anchor="ctr"/>
+          <a:lstStyle/>
+          <a:p>
+            <a:pPr algn="ctr"/>
+            <a:endParaRPr lang="en-US"/>
+          </a:p>
+        </p:txBody>
+      </p:sp>
+      <p:sp>
+        <p:nvSpPr>
+          <p:cNvPr id="27" name="TextBox 26">
+            <a:extLst>
+              <a:ext uri="{FF2B5EF4-FFF2-40B4-BE49-F238E27FC236}">
+                <a16:creationId xmlns:a16="http://schemas.microsoft.com/office/drawing/2014/main" id="{165105D6-E86B-4FF5-9FA0-C6AF5722B056}"/>
               </a:ext>
             </a:extLst>
           </p:cNvPr>
@@ -6280,8 +7394,8 @@
         </p:nvSpPr>
         <p:spPr>
           <a:xfrm>
-            <a:off x="916650" y="6227133"/>
-            <a:ext cx="1649811" cy="261610"/>
+            <a:off x="2310083" y="4730234"/>
+            <a:ext cx="877869" cy="369332"/>
           </a:xfrm>
           <a:prstGeom prst="rect">
             <a:avLst/>
@@ -6295,12 +7409,112 @@
           <a:lstStyle/>
           <a:p>
             <a:r>
-              <a:rPr lang="en-US" sz="1100" dirty="0">
-                <a:latin typeface="Verdana" panose="020B0604030504040204" pitchFamily="34" charset="0"/>
-                <a:ea typeface="Verdana" panose="020B0604030504040204" pitchFamily="34" charset="0"/>
-                <a:cs typeface="Verdana" panose="020B0604030504040204" pitchFamily="34" charset="0"/>
-              </a:rPr>
-              <a:t>Image Source: [1,2]</a:t>
+              <a:rPr lang="en-US" dirty="0"/>
+              <a:t>4-bytes</a:t>
+            </a:r>
+          </a:p>
+        </p:txBody>
+      </p:sp>
+      <p:sp>
+        <p:nvSpPr>
+          <p:cNvPr id="28" name="TextBox 27">
+            <a:extLst>
+              <a:ext uri="{FF2B5EF4-FFF2-40B4-BE49-F238E27FC236}">
+                <a16:creationId xmlns:a16="http://schemas.microsoft.com/office/drawing/2014/main" id="{30287118-76AF-48E9-A9B3-0503E0EDA0E7}"/>
+              </a:ext>
+            </a:extLst>
+          </p:cNvPr>
+          <p:cNvSpPr txBox="1"/>
+          <p:nvPr/>
+        </p:nvSpPr>
+        <p:spPr>
+          <a:xfrm>
+            <a:off x="2310082" y="5720834"/>
+            <a:ext cx="877869" cy="369332"/>
+          </a:xfrm>
+          <a:prstGeom prst="rect">
+            <a:avLst/>
+          </a:prstGeom>
+          <a:noFill/>
+        </p:spPr>
+        <p:txBody>
+          <a:bodyPr wrap="none" rtlCol="0">
+            <a:spAutoFit/>
+          </a:bodyPr>
+          <a:lstStyle/>
+          <a:p>
+            <a:r>
+              <a:rPr lang="en-US" dirty="0"/>
+              <a:t>1-bytes</a:t>
+            </a:r>
+          </a:p>
+        </p:txBody>
+      </p:sp>
+      <p:sp>
+        <p:nvSpPr>
+          <p:cNvPr id="29" name="TextBox 28">
+            <a:extLst>
+              <a:ext uri="{FF2B5EF4-FFF2-40B4-BE49-F238E27FC236}">
+                <a16:creationId xmlns:a16="http://schemas.microsoft.com/office/drawing/2014/main" id="{0DEED696-DCC7-4D6C-95A0-74D0EE5C4692}"/>
+              </a:ext>
+            </a:extLst>
+          </p:cNvPr>
+          <p:cNvSpPr txBox="1"/>
+          <p:nvPr/>
+        </p:nvSpPr>
+        <p:spPr>
+          <a:xfrm>
+            <a:off x="6390388" y="2052342"/>
+            <a:ext cx="1506310" cy="1200329"/>
+          </a:xfrm>
+          <a:prstGeom prst="rect">
+            <a:avLst/>
+          </a:prstGeom>
+          <a:noFill/>
+        </p:spPr>
+        <p:txBody>
+          <a:bodyPr wrap="none" rtlCol="0">
+            <a:spAutoFit/>
+          </a:bodyPr>
+          <a:lstStyle/>
+          <a:p>
+            <a:pPr marL="285750" indent="-285750">
+              <a:buFontTx/>
+              <a:buChar char="-"/>
+            </a:pPr>
+            <a:r>
+              <a:rPr lang="en-US" dirty="0"/>
+              <a:t>Method</a:t>
+            </a:r>
+          </a:p>
+          <a:p>
+            <a:pPr marL="285750" indent="-285750">
+              <a:buFontTx/>
+              <a:buChar char="-"/>
+            </a:pPr>
+            <a:r>
+              <a:rPr lang="en-US" dirty="0"/>
+              <a:t>Status</a:t>
+            </a:r>
+          </a:p>
+          <a:p>
+            <a:pPr marL="285750" indent="-285750">
+              <a:buFontTx/>
+              <a:buChar char="-"/>
+            </a:pPr>
+            <a:r>
+              <a:rPr lang="en-US" dirty="0"/>
+              <a:t>Type of file</a:t>
+            </a:r>
+          </a:p>
+          <a:p>
+            <a:pPr marL="285750" indent="-285750">
+              <a:buFontTx/>
+              <a:buChar char="-"/>
+            </a:pPr>
+            <a:r>
+              <a:rPr lang="en-US" dirty="0"/>
+              <a:t>Server</a:t>
             </a:r>
           </a:p>
         </p:txBody>
@@ -6308,7 +7522,7 @@
     </p:spTree>
     <p:extLst>
       <p:ext uri="{BB962C8B-B14F-4D97-AF65-F5344CB8AC3E}">
-        <p14:creationId xmlns:p14="http://schemas.microsoft.com/office/powerpoint/2010/main" val="494275329"/>
+        <p14:creationId xmlns:p14="http://schemas.microsoft.com/office/powerpoint/2010/main" val="2080750324"/>
       </p:ext>
     </p:extLst>
   </p:cSld>
@@ -6343,7 +7557,7 @@
           <p:cNvPr id="2" name="Content Placeholder 1">
             <a:extLst>
               <a:ext uri="{FF2B5EF4-FFF2-40B4-BE49-F238E27FC236}">
-                <a16:creationId xmlns:a16="http://schemas.microsoft.com/office/drawing/2014/main" id="{6437A5DD-4407-42CE-984A-868B7278FE8E}"/>
+                <a16:creationId xmlns:a16="http://schemas.microsoft.com/office/drawing/2014/main" id="{5220E67C-7142-42E2-B739-906AAEA14D4E}"/>
               </a:ext>
             </a:extLst>
           </p:cNvPr>
@@ -6354,37 +7568,34 @@
             <p:ph idx="1"/>
           </p:nvPr>
         </p:nvSpPr>
-        <p:spPr/>
+        <p:spPr>
+          <a:xfrm>
+            <a:off x="428625" y="4800600"/>
+            <a:ext cx="8286750" cy="1557338"/>
+          </a:xfrm>
+        </p:spPr>
         <p:txBody>
           <a:bodyPr/>
           <a:lstStyle/>
           <a:p>
             <a:r>
               <a:rPr lang="en-US" dirty="0"/>
-              <a:t>Send V and Send Coef. write an output file containing the top </a:t>
-            </a:r>
-            <a:r>
-              <a:rPr lang="en-US" i="1" dirty="0"/>
-              <a:t>k </a:t>
-            </a:r>
-            <a:r>
-              <a:rPr lang="en-US" dirty="0"/>
-              <a:t>coefficient of the wavelet tree.</a:t>
-            </a:r>
-          </a:p>
-          <a:p>
-            <a:r>
-              <a:rPr lang="en-US" dirty="0"/>
-              <a:t>Implement a program to have this data as an input and reconstruct the data.</a:t>
-            </a:r>
-          </a:p>
-          <a:p>
-            <a:r>
-              <a:rPr lang="en-US" dirty="0"/>
-              <a:t>Compare the actual data with the reconstructed data to get the SSE.</a:t>
-            </a:r>
-          </a:p>
-          <a:p>
+              <a:t>Send V </a:t>
+            </a:r>
+            <a:r>
+              <a:rPr lang="en-US" dirty="0">
+                <a:sym typeface="Wingdings" panose="05000000000000000000" pitchFamily="2" charset="2"/>
+              </a:rPr>
+              <a:t> calculate the frequency in worker and send the frequency.</a:t>
+            </a:r>
+          </a:p>
+          <a:p>
+            <a:r>
+              <a:rPr lang="en-US" dirty="0">
+                <a:sym typeface="Wingdings" panose="05000000000000000000" pitchFamily="2" charset="2"/>
+              </a:rPr>
+              <a:t>Send Coef.  calculate the local wavelet tree and send their coefficient.</a:t>
+            </a:r>
             <a:endParaRPr lang="en-US" dirty="0"/>
           </a:p>
         </p:txBody>
@@ -6394,7 +7605,7 @@
           <p:cNvPr id="3" name="Title 2">
             <a:extLst>
               <a:ext uri="{FF2B5EF4-FFF2-40B4-BE49-F238E27FC236}">
-                <a16:creationId xmlns:a16="http://schemas.microsoft.com/office/drawing/2014/main" id="{180426FB-D09A-4B9B-BEBE-FAC32FD77EC0}"/>
+                <a16:creationId xmlns:a16="http://schemas.microsoft.com/office/drawing/2014/main" id="{F7D05E00-A3FB-4CB1-B791-C653F7CA4E22}"/>
               </a:ext>
             </a:extLst>
           </p:cNvPr>
@@ -6412,7 +7623,76 @@
           <a:p>
             <a:r>
               <a:rPr lang="en-US" dirty="0"/>
-              <a:t>SSE Calculation</a:t>
+              <a:t>Implemented Algorithm (Send V and Send Coef.)</a:t>
+            </a:r>
+          </a:p>
+        </p:txBody>
+      </p:sp>
+      <p:pic>
+        <p:nvPicPr>
+          <p:cNvPr id="4" name="Picture 3">
+            <a:extLst>
+              <a:ext uri="{FF2B5EF4-FFF2-40B4-BE49-F238E27FC236}">
+                <a16:creationId xmlns:a16="http://schemas.microsoft.com/office/drawing/2014/main" id="{8404D415-4403-4DEA-806E-52C6BDDB2071}"/>
+              </a:ext>
+            </a:extLst>
+          </p:cNvPr>
+          <p:cNvPicPr>
+            <a:picLocks noChangeAspect="1"/>
+          </p:cNvPicPr>
+          <p:nvPr/>
+        </p:nvPicPr>
+        <p:blipFill>
+          <a:blip r:embed="rId2"/>
+          <a:stretch>
+            <a:fillRect/>
+          </a:stretch>
+        </p:blipFill>
+        <p:spPr>
+          <a:xfrm>
+            <a:off x="304800" y="1066800"/>
+            <a:ext cx="8534400" cy="3615042"/>
+          </a:xfrm>
+          <a:prstGeom prst="rect">
+            <a:avLst/>
+          </a:prstGeom>
+        </p:spPr>
+      </p:pic>
+      <p:sp>
+        <p:nvSpPr>
+          <p:cNvPr id="5" name="TextBox 4">
+            <a:extLst>
+              <a:ext uri="{FF2B5EF4-FFF2-40B4-BE49-F238E27FC236}">
+                <a16:creationId xmlns:a16="http://schemas.microsoft.com/office/drawing/2014/main" id="{80175DDD-1AD0-4B9C-B72A-1F881C79D611}"/>
+              </a:ext>
+            </a:extLst>
+          </p:cNvPr>
+          <p:cNvSpPr txBox="1"/>
+          <p:nvPr/>
+        </p:nvSpPr>
+        <p:spPr>
+          <a:xfrm>
+            <a:off x="916650" y="6227133"/>
+            <a:ext cx="1649811" cy="261610"/>
+          </a:xfrm>
+          <a:prstGeom prst="rect">
+            <a:avLst/>
+          </a:prstGeom>
+          <a:noFill/>
+        </p:spPr>
+        <p:txBody>
+          <a:bodyPr wrap="none" rtlCol="0">
+            <a:spAutoFit/>
+          </a:bodyPr>
+          <a:lstStyle/>
+          <a:p>
+            <a:r>
+              <a:rPr lang="en-US" sz="1100" dirty="0">
+                <a:latin typeface="Verdana" panose="020B0604030504040204" pitchFamily="34" charset="0"/>
+                <a:ea typeface="Verdana" panose="020B0604030504040204" pitchFamily="34" charset="0"/>
+                <a:cs typeface="Verdana" panose="020B0604030504040204" pitchFamily="34" charset="0"/>
+              </a:rPr>
+              <a:t>Image Source: [1,2]</a:t>
             </a:r>
           </a:p>
         </p:txBody>
@@ -6420,7 +7700,7 @@
     </p:spTree>
     <p:extLst>
       <p:ext uri="{BB962C8B-B14F-4D97-AF65-F5344CB8AC3E}">
-        <p14:creationId xmlns:p14="http://schemas.microsoft.com/office/powerpoint/2010/main" val="2643558671"/>
+        <p14:creationId xmlns:p14="http://schemas.microsoft.com/office/powerpoint/2010/main" val="494275329"/>
       </p:ext>
     </p:extLst>
   </p:cSld>
@@ -6455,7 +7735,7 @@
           <p:cNvPr id="2" name="Content Placeholder 1">
             <a:extLst>
               <a:ext uri="{FF2B5EF4-FFF2-40B4-BE49-F238E27FC236}">
-                <a16:creationId xmlns:a16="http://schemas.microsoft.com/office/drawing/2014/main" id="{2472619E-B960-412F-A716-A6A010495787}"/>
+                <a16:creationId xmlns:a16="http://schemas.microsoft.com/office/drawing/2014/main" id="{509899B5-BADE-46FA-BBFB-760381837B52}"/>
               </a:ext>
             </a:extLst>
           </p:cNvPr>
@@ -6473,25 +7753,69 @@
           <a:p>
             <a:r>
               <a:rPr lang="en-US" dirty="0"/>
-              <a:t>Send V worked as intended (SSE = 0).</a:t>
-            </a:r>
-          </a:p>
-          <a:p>
-            <a:r>
-              <a:rPr lang="en-US" dirty="0"/>
-              <a:t>Send Coef. was taking too much time, hence we stopped the execution (in the paper, they also stopped the execution and didn’t present the result of Send Coef.)</a:t>
-            </a:r>
-          </a:p>
-          <a:p>
-            <a:r>
-              <a:rPr lang="en-US" dirty="0"/>
-              <a:t>Send V’s overall running time was around 2.5 hours </a:t>
+              <a:t>Computation time and Communication Time</a:t>
+            </a:r>
+          </a:p>
+          <a:p>
+            <a:endParaRPr lang="en-US" dirty="0"/>
+          </a:p>
+          <a:p>
+            <a:endParaRPr lang="en-US" dirty="0"/>
+          </a:p>
+          <a:p>
+            <a:endParaRPr lang="en-US" dirty="0"/>
+          </a:p>
+          <a:p>
+            <a:endParaRPr lang="en-US" dirty="0"/>
+          </a:p>
+          <a:p>
+            <a:pPr marL="0" indent="0">
+              <a:buNone/>
+            </a:pPr>
+            <a:endParaRPr lang="en-US" dirty="0"/>
+          </a:p>
+          <a:p>
+            <a:pPr marL="0" indent="0">
+              <a:buNone/>
+            </a:pPr>
+            <a:endParaRPr lang="en-US" dirty="0"/>
+          </a:p>
+          <a:p>
+            <a:r>
+              <a:rPr lang="en-US" dirty="0"/>
+              <a:t>Send V </a:t>
             </a:r>
             <a:r>
               <a:rPr lang="en-US" dirty="0">
                 <a:sym typeface="Wingdings" panose="05000000000000000000" pitchFamily="2" charset="2"/>
               </a:rPr>
-              <a:t> the other algorithm should be less than this time since Send V is the exact solution.</a:t>
+              <a:t> Calculate frequency and just send 3 values</a:t>
+            </a:r>
+          </a:p>
+          <a:p>
+            <a:endParaRPr lang="en-US" dirty="0">
+              <a:sym typeface="Wingdings" panose="05000000000000000000" pitchFamily="2" charset="2"/>
+            </a:endParaRPr>
+          </a:p>
+          <a:p>
+            <a:r>
+              <a:rPr lang="en-US" dirty="0">
+                <a:sym typeface="Wingdings" panose="05000000000000000000" pitchFamily="2" charset="2"/>
+              </a:rPr>
+              <a:t>Send Coef.  Calculate frequency, compute wavelet tree, send the coefficient</a:t>
+            </a:r>
+          </a:p>
+          <a:p>
+            <a:endParaRPr lang="en-US" dirty="0">
+              <a:sym typeface="Wingdings" panose="05000000000000000000" pitchFamily="2" charset="2"/>
+            </a:endParaRPr>
+          </a:p>
+          <a:p>
+            <a:r>
+              <a:rPr lang="en-US" dirty="0">
+                <a:sym typeface="Wingdings" panose="05000000000000000000" pitchFamily="2" charset="2"/>
+              </a:rPr>
+              <a:t>In Send Coef. even if the frequency is 0, sometimes still need to send some values if the coefficient is not 0 in the tree</a:t>
             </a:r>
             <a:endParaRPr lang="en-US" dirty="0"/>
           </a:p>
@@ -6502,7 +7826,7 @@
           <p:cNvPr id="3" name="Title 2">
             <a:extLst>
               <a:ext uri="{FF2B5EF4-FFF2-40B4-BE49-F238E27FC236}">
-                <a16:creationId xmlns:a16="http://schemas.microsoft.com/office/drawing/2014/main" id="{285CC04F-73EA-43E2-B4F7-246899507E70}"/>
+                <a16:creationId xmlns:a16="http://schemas.microsoft.com/office/drawing/2014/main" id="{EEAAAABC-7D4F-4396-A7EA-893FD92429E0}"/>
               </a:ext>
             </a:extLst>
           </p:cNvPr>
@@ -6520,7 +7844,1574 @@
           <a:p>
             <a:r>
               <a:rPr lang="en-US" dirty="0"/>
-              <a:t>Results</a:t>
+              <a:t>Send Coef. Bottleneck</a:t>
+            </a:r>
+          </a:p>
+        </p:txBody>
+      </p:sp>
+      <p:grpSp>
+        <p:nvGrpSpPr>
+          <p:cNvPr id="12" name="Group 11">
+            <a:extLst>
+              <a:ext uri="{FF2B5EF4-FFF2-40B4-BE49-F238E27FC236}">
+                <a16:creationId xmlns:a16="http://schemas.microsoft.com/office/drawing/2014/main" id="{96814271-7413-4F76-BAC6-22837BD6E28B}"/>
+              </a:ext>
+            </a:extLst>
+          </p:cNvPr>
+          <p:cNvGrpSpPr/>
+          <p:nvPr/>
+        </p:nvGrpSpPr>
+        <p:grpSpPr>
+          <a:xfrm>
+            <a:off x="1565705" y="1447800"/>
+            <a:ext cx="1958007" cy="685800"/>
+            <a:chOff x="1565705" y="1447800"/>
+            <a:chExt cx="1958007" cy="685800"/>
+          </a:xfrm>
+        </p:grpSpPr>
+        <p:sp>
+          <p:nvSpPr>
+            <p:cNvPr id="4" name="Rectangle 3">
+              <a:extLst>
+                <a:ext uri="{FF2B5EF4-FFF2-40B4-BE49-F238E27FC236}">
+                  <a16:creationId xmlns:a16="http://schemas.microsoft.com/office/drawing/2014/main" id="{4140E55C-CB6B-4212-B858-26949214EF84}"/>
+                </a:ext>
+              </a:extLst>
+            </p:cNvPr>
+            <p:cNvSpPr/>
+            <p:nvPr/>
+          </p:nvSpPr>
+          <p:spPr>
+            <a:xfrm>
+              <a:off x="1565705" y="1447800"/>
+              <a:ext cx="491695" cy="685800"/>
+            </a:xfrm>
+            <a:prstGeom prst="rect">
+              <a:avLst/>
+            </a:prstGeom>
+            <a:ln>
+              <a:solidFill>
+                <a:srgbClr val="00B0F0"/>
+              </a:solidFill>
+            </a:ln>
+          </p:spPr>
+          <p:style>
+            <a:lnRef idx="2">
+              <a:schemeClr val="accent6"/>
+            </a:lnRef>
+            <a:fillRef idx="1">
+              <a:schemeClr val="lt1"/>
+            </a:fillRef>
+            <a:effectRef idx="0">
+              <a:schemeClr val="accent6"/>
+            </a:effectRef>
+            <a:fontRef idx="minor">
+              <a:schemeClr val="dk1"/>
+            </a:fontRef>
+          </p:style>
+          <p:txBody>
+            <a:bodyPr rtlCol="0" anchor="ctr"/>
+            <a:lstStyle/>
+            <a:p>
+              <a:pPr algn="ctr"/>
+              <a:r>
+                <a:rPr lang="en-US" dirty="0"/>
+                <a:t>4</a:t>
+              </a:r>
+            </a:p>
+          </p:txBody>
+        </p:sp>
+        <p:sp>
+          <p:nvSpPr>
+            <p:cNvPr id="5" name="Rectangle 4">
+              <a:extLst>
+                <a:ext uri="{FF2B5EF4-FFF2-40B4-BE49-F238E27FC236}">
+                  <a16:creationId xmlns:a16="http://schemas.microsoft.com/office/drawing/2014/main" id="{AB20A03C-460C-42CF-837B-63A10ED4F0F0}"/>
+                </a:ext>
+              </a:extLst>
+            </p:cNvPr>
+            <p:cNvSpPr/>
+            <p:nvPr/>
+          </p:nvSpPr>
+          <p:spPr>
+            <a:xfrm>
+              <a:off x="2057400" y="1447800"/>
+              <a:ext cx="491695" cy="685800"/>
+            </a:xfrm>
+            <a:prstGeom prst="rect">
+              <a:avLst/>
+            </a:prstGeom>
+            <a:ln>
+              <a:solidFill>
+                <a:srgbClr val="00B0F0"/>
+              </a:solidFill>
+            </a:ln>
+          </p:spPr>
+          <p:style>
+            <a:lnRef idx="2">
+              <a:schemeClr val="accent6"/>
+            </a:lnRef>
+            <a:fillRef idx="1">
+              <a:schemeClr val="lt1"/>
+            </a:fillRef>
+            <a:effectRef idx="0">
+              <a:schemeClr val="accent6"/>
+            </a:effectRef>
+            <a:fontRef idx="minor">
+              <a:schemeClr val="dk1"/>
+            </a:fontRef>
+          </p:style>
+          <p:txBody>
+            <a:bodyPr rtlCol="0" anchor="ctr"/>
+            <a:lstStyle/>
+            <a:p>
+              <a:pPr algn="ctr"/>
+              <a:r>
+                <a:rPr lang="en-US" dirty="0"/>
+                <a:t>2</a:t>
+              </a:r>
+            </a:p>
+          </p:txBody>
+        </p:sp>
+        <p:sp>
+          <p:nvSpPr>
+            <p:cNvPr id="6" name="Rectangle 5">
+              <a:extLst>
+                <a:ext uri="{FF2B5EF4-FFF2-40B4-BE49-F238E27FC236}">
+                  <a16:creationId xmlns:a16="http://schemas.microsoft.com/office/drawing/2014/main" id="{24A7885D-C22A-47F5-87A0-529F8EEA70E6}"/>
+                </a:ext>
+              </a:extLst>
+            </p:cNvPr>
+            <p:cNvSpPr/>
+            <p:nvPr/>
+          </p:nvSpPr>
+          <p:spPr>
+            <a:xfrm>
+              <a:off x="2540322" y="1447800"/>
+              <a:ext cx="491695" cy="685800"/>
+            </a:xfrm>
+            <a:prstGeom prst="rect">
+              <a:avLst/>
+            </a:prstGeom>
+            <a:ln>
+              <a:solidFill>
+                <a:srgbClr val="00B0F0"/>
+              </a:solidFill>
+            </a:ln>
+          </p:spPr>
+          <p:style>
+            <a:lnRef idx="2">
+              <a:schemeClr val="accent6"/>
+            </a:lnRef>
+            <a:fillRef idx="1">
+              <a:schemeClr val="lt1"/>
+            </a:fillRef>
+            <a:effectRef idx="0">
+              <a:schemeClr val="accent6"/>
+            </a:effectRef>
+            <a:fontRef idx="minor">
+              <a:schemeClr val="dk1"/>
+            </a:fontRef>
+          </p:style>
+          <p:txBody>
+            <a:bodyPr rtlCol="0" anchor="ctr"/>
+            <a:lstStyle/>
+            <a:p>
+              <a:pPr algn="ctr"/>
+              <a:r>
+                <a:rPr lang="en-US" dirty="0"/>
+                <a:t>3</a:t>
+              </a:r>
+            </a:p>
+          </p:txBody>
+        </p:sp>
+        <p:sp>
+          <p:nvSpPr>
+            <p:cNvPr id="7" name="Rectangle 6">
+              <a:extLst>
+                <a:ext uri="{FF2B5EF4-FFF2-40B4-BE49-F238E27FC236}">
+                  <a16:creationId xmlns:a16="http://schemas.microsoft.com/office/drawing/2014/main" id="{27F44F5D-7185-4B80-A705-6CA0D1038994}"/>
+                </a:ext>
+              </a:extLst>
+            </p:cNvPr>
+            <p:cNvSpPr/>
+            <p:nvPr/>
+          </p:nvSpPr>
+          <p:spPr>
+            <a:xfrm>
+              <a:off x="3032017" y="1447800"/>
+              <a:ext cx="491695" cy="685800"/>
+            </a:xfrm>
+            <a:prstGeom prst="rect">
+              <a:avLst/>
+            </a:prstGeom>
+            <a:ln>
+              <a:solidFill>
+                <a:srgbClr val="00B0F0"/>
+              </a:solidFill>
+            </a:ln>
+          </p:spPr>
+          <p:style>
+            <a:lnRef idx="2">
+              <a:schemeClr val="accent6"/>
+            </a:lnRef>
+            <a:fillRef idx="1">
+              <a:schemeClr val="lt1"/>
+            </a:fillRef>
+            <a:effectRef idx="0">
+              <a:schemeClr val="accent6"/>
+            </a:effectRef>
+            <a:fontRef idx="minor">
+              <a:schemeClr val="dk1"/>
+            </a:fontRef>
+          </p:style>
+          <p:txBody>
+            <a:bodyPr rtlCol="0" anchor="ctr"/>
+            <a:lstStyle/>
+            <a:p>
+              <a:pPr algn="ctr"/>
+              <a:r>
+                <a:rPr lang="en-US" dirty="0"/>
+                <a:t>3</a:t>
+              </a:r>
+            </a:p>
+          </p:txBody>
+        </p:sp>
+      </p:grpSp>
+      <p:grpSp>
+        <p:nvGrpSpPr>
+          <p:cNvPr id="14" name="Group 13">
+            <a:extLst>
+              <a:ext uri="{FF2B5EF4-FFF2-40B4-BE49-F238E27FC236}">
+                <a16:creationId xmlns:a16="http://schemas.microsoft.com/office/drawing/2014/main" id="{92111515-B94B-46D4-A328-722F0DD3B2F7}"/>
+              </a:ext>
+            </a:extLst>
+          </p:cNvPr>
+          <p:cNvGrpSpPr/>
+          <p:nvPr/>
+        </p:nvGrpSpPr>
+        <p:grpSpPr>
+          <a:xfrm>
+            <a:off x="4419600" y="1468244"/>
+            <a:ext cx="1958007" cy="685800"/>
+            <a:chOff x="4676723" y="1447800"/>
+            <a:chExt cx="1958007" cy="685800"/>
+          </a:xfrm>
+        </p:grpSpPr>
+        <p:grpSp>
+          <p:nvGrpSpPr>
+            <p:cNvPr id="13" name="Group 12">
+              <a:extLst>
+                <a:ext uri="{FF2B5EF4-FFF2-40B4-BE49-F238E27FC236}">
+                  <a16:creationId xmlns:a16="http://schemas.microsoft.com/office/drawing/2014/main" id="{8E51C8A3-0EE0-4430-8B66-4C93F587D736}"/>
+                </a:ext>
+              </a:extLst>
+            </p:cNvPr>
+            <p:cNvGrpSpPr/>
+            <p:nvPr/>
+          </p:nvGrpSpPr>
+          <p:grpSpPr>
+            <a:xfrm>
+              <a:off x="4676723" y="1447800"/>
+              <a:ext cx="1466312" cy="685800"/>
+              <a:chOff x="4676723" y="1447800"/>
+              <a:chExt cx="1466312" cy="685800"/>
+            </a:xfrm>
+          </p:grpSpPr>
+          <p:sp>
+            <p:nvSpPr>
+              <p:cNvPr id="8" name="Rectangle 7">
+                <a:extLst>
+                  <a:ext uri="{FF2B5EF4-FFF2-40B4-BE49-F238E27FC236}">
+                    <a16:creationId xmlns:a16="http://schemas.microsoft.com/office/drawing/2014/main" id="{03878271-76CE-437A-8CF1-D92699611D63}"/>
+                  </a:ext>
+                </a:extLst>
+              </p:cNvPr>
+              <p:cNvSpPr/>
+              <p:nvPr/>
+            </p:nvSpPr>
+            <p:spPr>
+              <a:xfrm>
+                <a:off x="4676723" y="1447800"/>
+                <a:ext cx="491695" cy="685800"/>
+              </a:xfrm>
+              <a:prstGeom prst="rect">
+                <a:avLst/>
+              </a:prstGeom>
+              <a:ln>
+                <a:solidFill>
+                  <a:srgbClr val="00B0F0"/>
+                </a:solidFill>
+              </a:ln>
+            </p:spPr>
+            <p:style>
+              <a:lnRef idx="2">
+                <a:schemeClr val="accent6"/>
+              </a:lnRef>
+              <a:fillRef idx="1">
+                <a:schemeClr val="lt1"/>
+              </a:fillRef>
+              <a:effectRef idx="0">
+                <a:schemeClr val="accent6"/>
+              </a:effectRef>
+              <a:fontRef idx="minor">
+                <a:schemeClr val="dk1"/>
+              </a:fontRef>
+            </p:style>
+            <p:txBody>
+              <a:bodyPr rtlCol="0" anchor="ctr"/>
+              <a:lstStyle/>
+              <a:p>
+                <a:pPr algn="ctr"/>
+                <a:r>
+                  <a:rPr lang="en-US" dirty="0"/>
+                  <a:t>2</a:t>
+                </a:r>
+              </a:p>
+            </p:txBody>
+          </p:sp>
+          <p:sp>
+            <p:nvSpPr>
+              <p:cNvPr id="9" name="Rectangle 8">
+                <a:extLst>
+                  <a:ext uri="{FF2B5EF4-FFF2-40B4-BE49-F238E27FC236}">
+                    <a16:creationId xmlns:a16="http://schemas.microsoft.com/office/drawing/2014/main" id="{2E17ADE7-7BDD-43A0-8BA7-F4D23CA933AA}"/>
+                  </a:ext>
+                </a:extLst>
+              </p:cNvPr>
+              <p:cNvSpPr/>
+              <p:nvPr/>
+            </p:nvSpPr>
+            <p:spPr>
+              <a:xfrm>
+                <a:off x="5168418" y="1447800"/>
+                <a:ext cx="491695" cy="685800"/>
+              </a:xfrm>
+              <a:prstGeom prst="rect">
+                <a:avLst/>
+              </a:prstGeom>
+              <a:ln>
+                <a:solidFill>
+                  <a:srgbClr val="00B0F0"/>
+                </a:solidFill>
+              </a:ln>
+            </p:spPr>
+            <p:style>
+              <a:lnRef idx="2">
+                <a:schemeClr val="accent6"/>
+              </a:lnRef>
+              <a:fillRef idx="1">
+                <a:schemeClr val="lt1"/>
+              </a:fillRef>
+              <a:effectRef idx="0">
+                <a:schemeClr val="accent6"/>
+              </a:effectRef>
+              <a:fontRef idx="minor">
+                <a:schemeClr val="dk1"/>
+              </a:fontRef>
+            </p:style>
+            <p:txBody>
+              <a:bodyPr rtlCol="0" anchor="ctr"/>
+              <a:lstStyle/>
+              <a:p>
+                <a:pPr algn="ctr"/>
+                <a:r>
+                  <a:rPr lang="en-US" dirty="0"/>
+                  <a:t>3</a:t>
+                </a:r>
+              </a:p>
+            </p:txBody>
+          </p:sp>
+          <p:sp>
+            <p:nvSpPr>
+              <p:cNvPr id="10" name="Rectangle 9">
+                <a:extLst>
+                  <a:ext uri="{FF2B5EF4-FFF2-40B4-BE49-F238E27FC236}">
+                    <a16:creationId xmlns:a16="http://schemas.microsoft.com/office/drawing/2014/main" id="{09A33D35-99CB-46E7-BC02-9C2971E35A43}"/>
+                  </a:ext>
+                </a:extLst>
+              </p:cNvPr>
+              <p:cNvSpPr/>
+              <p:nvPr/>
+            </p:nvSpPr>
+            <p:spPr>
+              <a:xfrm>
+                <a:off x="5651340" y="1447800"/>
+                <a:ext cx="491695" cy="685800"/>
+              </a:xfrm>
+              <a:prstGeom prst="rect">
+                <a:avLst/>
+              </a:prstGeom>
+              <a:ln>
+                <a:solidFill>
+                  <a:srgbClr val="00B0F0"/>
+                </a:solidFill>
+              </a:ln>
+            </p:spPr>
+            <p:style>
+              <a:lnRef idx="2">
+                <a:schemeClr val="accent6"/>
+              </a:lnRef>
+              <a:fillRef idx="1">
+                <a:schemeClr val="lt1"/>
+              </a:fillRef>
+              <a:effectRef idx="0">
+                <a:schemeClr val="accent6"/>
+              </a:effectRef>
+              <a:fontRef idx="minor">
+                <a:schemeClr val="dk1"/>
+              </a:fontRef>
+            </p:style>
+            <p:txBody>
+              <a:bodyPr rtlCol="0" anchor="ctr"/>
+              <a:lstStyle/>
+              <a:p>
+                <a:pPr algn="ctr"/>
+                <a:r>
+                  <a:rPr lang="en-US" dirty="0"/>
+                  <a:t>2</a:t>
+                </a:r>
+              </a:p>
+            </p:txBody>
+          </p:sp>
+        </p:grpSp>
+        <p:sp>
+          <p:nvSpPr>
+            <p:cNvPr id="11" name="Rectangle 10">
+              <a:extLst>
+                <a:ext uri="{FF2B5EF4-FFF2-40B4-BE49-F238E27FC236}">
+                  <a16:creationId xmlns:a16="http://schemas.microsoft.com/office/drawing/2014/main" id="{8314EC74-DF6A-44B0-A821-DF25BF9502CC}"/>
+                </a:ext>
+              </a:extLst>
+            </p:cNvPr>
+            <p:cNvSpPr/>
+            <p:nvPr/>
+          </p:nvSpPr>
+          <p:spPr>
+            <a:xfrm>
+              <a:off x="6143035" y="1447800"/>
+              <a:ext cx="491695" cy="685800"/>
+            </a:xfrm>
+            <a:prstGeom prst="rect">
+              <a:avLst/>
+            </a:prstGeom>
+            <a:ln>
+              <a:solidFill>
+                <a:srgbClr val="00B0F0"/>
+              </a:solidFill>
+            </a:ln>
+          </p:spPr>
+          <p:style>
+            <a:lnRef idx="2">
+              <a:schemeClr val="accent6"/>
+            </a:lnRef>
+            <a:fillRef idx="1">
+              <a:schemeClr val="lt1"/>
+            </a:fillRef>
+            <a:effectRef idx="0">
+              <a:schemeClr val="accent6"/>
+            </a:effectRef>
+            <a:fontRef idx="minor">
+              <a:schemeClr val="dk1"/>
+            </a:fontRef>
+          </p:style>
+          <p:txBody>
+            <a:bodyPr rtlCol="0" anchor="ctr"/>
+            <a:lstStyle/>
+            <a:p>
+              <a:pPr algn="ctr"/>
+              <a:r>
+                <a:rPr lang="en-US" dirty="0"/>
+                <a:t>4</a:t>
+              </a:r>
+            </a:p>
+          </p:txBody>
+        </p:sp>
+      </p:grpSp>
+      <p:cxnSp>
+        <p:nvCxnSpPr>
+          <p:cNvPr id="16" name="Straight Connector 15">
+            <a:extLst>
+              <a:ext uri="{FF2B5EF4-FFF2-40B4-BE49-F238E27FC236}">
+                <a16:creationId xmlns:a16="http://schemas.microsoft.com/office/drawing/2014/main" id="{67F0458F-D002-4A48-95CD-ED95F332276B}"/>
+              </a:ext>
+            </a:extLst>
+          </p:cNvPr>
+          <p:cNvCxnSpPr>
+            <a:cxnSpLocks/>
+          </p:cNvCxnSpPr>
+          <p:nvPr/>
+        </p:nvCxnSpPr>
+        <p:spPr>
+          <a:xfrm>
+            <a:off x="3962400" y="1219200"/>
+            <a:ext cx="0" cy="1676400"/>
+          </a:xfrm>
+          <a:prstGeom prst="line">
+            <a:avLst/>
+          </a:prstGeom>
+          <a:ln>
+            <a:solidFill>
+              <a:srgbClr val="FF0000"/>
+            </a:solidFill>
+            <a:prstDash val="lgDash"/>
+          </a:ln>
+        </p:spPr>
+        <p:style>
+          <a:lnRef idx="1">
+            <a:schemeClr val="accent1"/>
+          </a:lnRef>
+          <a:fillRef idx="0">
+            <a:schemeClr val="accent1"/>
+          </a:fillRef>
+          <a:effectRef idx="0">
+            <a:schemeClr val="accent1"/>
+          </a:effectRef>
+          <a:fontRef idx="minor">
+            <a:schemeClr val="tx1"/>
+          </a:fontRef>
+        </p:style>
+      </p:cxnSp>
+      <p:grpSp>
+        <p:nvGrpSpPr>
+          <p:cNvPr id="27" name="Group 26">
+            <a:extLst>
+              <a:ext uri="{FF2B5EF4-FFF2-40B4-BE49-F238E27FC236}">
+                <a16:creationId xmlns:a16="http://schemas.microsoft.com/office/drawing/2014/main" id="{5C8A617B-BBF3-4DED-BCF9-C349E2122A78}"/>
+              </a:ext>
+            </a:extLst>
+          </p:cNvPr>
+          <p:cNvGrpSpPr/>
+          <p:nvPr/>
+        </p:nvGrpSpPr>
+        <p:grpSpPr>
+          <a:xfrm>
+            <a:off x="1565705" y="2328815"/>
+            <a:ext cx="1988957" cy="513810"/>
+            <a:chOff x="1539201" y="2333895"/>
+            <a:chExt cx="1988957" cy="513810"/>
+          </a:xfrm>
+        </p:grpSpPr>
+        <p:grpSp>
+          <p:nvGrpSpPr>
+            <p:cNvPr id="17" name="Group 16">
+              <a:extLst>
+                <a:ext uri="{FF2B5EF4-FFF2-40B4-BE49-F238E27FC236}">
+                  <a16:creationId xmlns:a16="http://schemas.microsoft.com/office/drawing/2014/main" id="{C05EFFED-40DD-4E92-B861-FBADF61C4976}"/>
+                </a:ext>
+              </a:extLst>
+            </p:cNvPr>
+            <p:cNvGrpSpPr/>
+            <p:nvPr/>
+          </p:nvGrpSpPr>
+          <p:grpSpPr>
+            <a:xfrm>
+              <a:off x="1539201" y="2333895"/>
+              <a:ext cx="1984511" cy="256905"/>
+              <a:chOff x="1565705" y="1447800"/>
+              <a:chExt cx="1958007" cy="685800"/>
+            </a:xfrm>
+          </p:grpSpPr>
+          <p:sp>
+            <p:nvSpPr>
+              <p:cNvPr id="18" name="Rectangle 17">
+                <a:extLst>
+                  <a:ext uri="{FF2B5EF4-FFF2-40B4-BE49-F238E27FC236}">
+                    <a16:creationId xmlns:a16="http://schemas.microsoft.com/office/drawing/2014/main" id="{8CB9E600-C553-4A03-9382-46107DBC9653}"/>
+                  </a:ext>
+                </a:extLst>
+              </p:cNvPr>
+              <p:cNvSpPr/>
+              <p:nvPr/>
+            </p:nvSpPr>
+            <p:spPr>
+              <a:xfrm>
+                <a:off x="1565705" y="1447800"/>
+                <a:ext cx="491695" cy="685800"/>
+              </a:xfrm>
+              <a:prstGeom prst="rect">
+                <a:avLst/>
+              </a:prstGeom>
+              <a:ln>
+                <a:solidFill>
+                  <a:srgbClr val="00B0F0"/>
+                </a:solidFill>
+              </a:ln>
+            </p:spPr>
+            <p:style>
+              <a:lnRef idx="2">
+                <a:schemeClr val="accent6"/>
+              </a:lnRef>
+              <a:fillRef idx="1">
+                <a:schemeClr val="lt1"/>
+              </a:fillRef>
+              <a:effectRef idx="0">
+                <a:schemeClr val="accent6"/>
+              </a:effectRef>
+              <a:fontRef idx="minor">
+                <a:schemeClr val="dk1"/>
+              </a:fontRef>
+            </p:style>
+            <p:txBody>
+              <a:bodyPr rtlCol="0" anchor="ctr"/>
+              <a:lstStyle/>
+              <a:p>
+                <a:pPr algn="ctr"/>
+                <a:r>
+                  <a:rPr lang="en-US" dirty="0"/>
+                  <a:t>1</a:t>
+                </a:r>
+              </a:p>
+            </p:txBody>
+          </p:sp>
+          <p:sp>
+            <p:nvSpPr>
+              <p:cNvPr id="19" name="Rectangle 18">
+                <a:extLst>
+                  <a:ext uri="{FF2B5EF4-FFF2-40B4-BE49-F238E27FC236}">
+                    <a16:creationId xmlns:a16="http://schemas.microsoft.com/office/drawing/2014/main" id="{47DD82C4-BD91-4467-859A-294FD490E358}"/>
+                  </a:ext>
+                </a:extLst>
+              </p:cNvPr>
+              <p:cNvSpPr/>
+              <p:nvPr/>
+            </p:nvSpPr>
+            <p:spPr>
+              <a:xfrm>
+                <a:off x="2057400" y="1447800"/>
+                <a:ext cx="491695" cy="685800"/>
+              </a:xfrm>
+              <a:prstGeom prst="rect">
+                <a:avLst/>
+              </a:prstGeom>
+              <a:ln>
+                <a:solidFill>
+                  <a:srgbClr val="00B0F0"/>
+                </a:solidFill>
+              </a:ln>
+            </p:spPr>
+            <p:style>
+              <a:lnRef idx="2">
+                <a:schemeClr val="accent6"/>
+              </a:lnRef>
+              <a:fillRef idx="1">
+                <a:schemeClr val="lt1"/>
+              </a:fillRef>
+              <a:effectRef idx="0">
+                <a:schemeClr val="accent6"/>
+              </a:effectRef>
+              <a:fontRef idx="minor">
+                <a:schemeClr val="dk1"/>
+              </a:fontRef>
+            </p:style>
+            <p:txBody>
+              <a:bodyPr rtlCol="0" anchor="ctr"/>
+              <a:lstStyle/>
+              <a:p>
+                <a:pPr algn="ctr"/>
+                <a:r>
+                  <a:rPr lang="en-US" dirty="0"/>
+                  <a:t>2</a:t>
+                </a:r>
+              </a:p>
+            </p:txBody>
+          </p:sp>
+          <p:sp>
+            <p:nvSpPr>
+              <p:cNvPr id="20" name="Rectangle 19">
+                <a:extLst>
+                  <a:ext uri="{FF2B5EF4-FFF2-40B4-BE49-F238E27FC236}">
+                    <a16:creationId xmlns:a16="http://schemas.microsoft.com/office/drawing/2014/main" id="{BF8A32A8-8358-4629-9FDE-FFAC8B89B4BA}"/>
+                  </a:ext>
+                </a:extLst>
+              </p:cNvPr>
+              <p:cNvSpPr/>
+              <p:nvPr/>
+            </p:nvSpPr>
+            <p:spPr>
+              <a:xfrm>
+                <a:off x="2540322" y="1447800"/>
+                <a:ext cx="491695" cy="685800"/>
+              </a:xfrm>
+              <a:prstGeom prst="rect">
+                <a:avLst/>
+              </a:prstGeom>
+              <a:ln>
+                <a:solidFill>
+                  <a:srgbClr val="00B0F0"/>
+                </a:solidFill>
+              </a:ln>
+            </p:spPr>
+            <p:style>
+              <a:lnRef idx="2">
+                <a:schemeClr val="accent6"/>
+              </a:lnRef>
+              <a:fillRef idx="1">
+                <a:schemeClr val="lt1"/>
+              </a:fillRef>
+              <a:effectRef idx="0">
+                <a:schemeClr val="accent6"/>
+              </a:effectRef>
+              <a:fontRef idx="minor">
+                <a:schemeClr val="dk1"/>
+              </a:fontRef>
+            </p:style>
+            <p:txBody>
+              <a:bodyPr rtlCol="0" anchor="ctr"/>
+              <a:lstStyle/>
+              <a:p>
+                <a:pPr algn="ctr"/>
+                <a:r>
+                  <a:rPr lang="en-US" dirty="0"/>
+                  <a:t>3</a:t>
+                </a:r>
+              </a:p>
+            </p:txBody>
+          </p:sp>
+          <p:sp>
+            <p:nvSpPr>
+              <p:cNvPr id="21" name="Rectangle 20">
+                <a:extLst>
+                  <a:ext uri="{FF2B5EF4-FFF2-40B4-BE49-F238E27FC236}">
+                    <a16:creationId xmlns:a16="http://schemas.microsoft.com/office/drawing/2014/main" id="{E5177A50-F5FD-4D08-90D7-2ECBE2CAC2EB}"/>
+                  </a:ext>
+                </a:extLst>
+              </p:cNvPr>
+              <p:cNvSpPr/>
+              <p:nvPr/>
+            </p:nvSpPr>
+            <p:spPr>
+              <a:xfrm>
+                <a:off x="3032017" y="1447800"/>
+                <a:ext cx="491695" cy="685800"/>
+              </a:xfrm>
+              <a:prstGeom prst="rect">
+                <a:avLst/>
+              </a:prstGeom>
+              <a:ln>
+                <a:solidFill>
+                  <a:srgbClr val="00B0F0"/>
+                </a:solidFill>
+              </a:ln>
+            </p:spPr>
+            <p:style>
+              <a:lnRef idx="2">
+                <a:schemeClr val="accent6"/>
+              </a:lnRef>
+              <a:fillRef idx="1">
+                <a:schemeClr val="lt1"/>
+              </a:fillRef>
+              <a:effectRef idx="0">
+                <a:schemeClr val="accent6"/>
+              </a:effectRef>
+              <a:fontRef idx="minor">
+                <a:schemeClr val="dk1"/>
+              </a:fontRef>
+            </p:style>
+            <p:txBody>
+              <a:bodyPr rtlCol="0" anchor="ctr"/>
+              <a:lstStyle/>
+              <a:p>
+                <a:pPr algn="ctr"/>
+                <a:r>
+                  <a:rPr lang="en-US" dirty="0"/>
+                  <a:t>4</a:t>
+                </a:r>
+              </a:p>
+            </p:txBody>
+          </p:sp>
+        </p:grpSp>
+        <p:grpSp>
+          <p:nvGrpSpPr>
+            <p:cNvPr id="22" name="Group 21">
+              <a:extLst>
+                <a:ext uri="{FF2B5EF4-FFF2-40B4-BE49-F238E27FC236}">
+                  <a16:creationId xmlns:a16="http://schemas.microsoft.com/office/drawing/2014/main" id="{F9DB0908-CBC7-4386-97A3-ADDA34CB2DFE}"/>
+                </a:ext>
+              </a:extLst>
+            </p:cNvPr>
+            <p:cNvGrpSpPr/>
+            <p:nvPr/>
+          </p:nvGrpSpPr>
+          <p:grpSpPr>
+            <a:xfrm>
+              <a:off x="1543647" y="2590800"/>
+              <a:ext cx="1984511" cy="256905"/>
+              <a:chOff x="1565705" y="1447800"/>
+              <a:chExt cx="1958007" cy="685800"/>
+            </a:xfrm>
+          </p:grpSpPr>
+          <p:sp>
+            <p:nvSpPr>
+              <p:cNvPr id="23" name="Rectangle 22">
+                <a:extLst>
+                  <a:ext uri="{FF2B5EF4-FFF2-40B4-BE49-F238E27FC236}">
+                    <a16:creationId xmlns:a16="http://schemas.microsoft.com/office/drawing/2014/main" id="{EDBB815D-7877-478A-A6D8-D883AE213147}"/>
+                  </a:ext>
+                </a:extLst>
+              </p:cNvPr>
+              <p:cNvSpPr/>
+              <p:nvPr/>
+            </p:nvSpPr>
+            <p:spPr>
+              <a:xfrm>
+                <a:off x="1565705" y="1447800"/>
+                <a:ext cx="491695" cy="685800"/>
+              </a:xfrm>
+              <a:prstGeom prst="rect">
+                <a:avLst/>
+              </a:prstGeom>
+              <a:ln>
+                <a:solidFill>
+                  <a:srgbClr val="00B0F0"/>
+                </a:solidFill>
+              </a:ln>
+            </p:spPr>
+            <p:style>
+              <a:lnRef idx="2">
+                <a:schemeClr val="accent6"/>
+              </a:lnRef>
+              <a:fillRef idx="1">
+                <a:schemeClr val="lt1"/>
+              </a:fillRef>
+              <a:effectRef idx="0">
+                <a:schemeClr val="accent6"/>
+              </a:effectRef>
+              <a:fontRef idx="minor">
+                <a:schemeClr val="dk1"/>
+              </a:fontRef>
+            </p:style>
+            <p:txBody>
+              <a:bodyPr rtlCol="0" anchor="ctr"/>
+              <a:lstStyle/>
+              <a:p>
+                <a:pPr algn="ctr"/>
+                <a:r>
+                  <a:rPr lang="en-US" dirty="0">
+                    <a:solidFill>
+                      <a:srgbClr val="FF0000"/>
+                    </a:solidFill>
+                  </a:rPr>
+                  <a:t>0</a:t>
+                </a:r>
+              </a:p>
+            </p:txBody>
+          </p:sp>
+          <p:sp>
+            <p:nvSpPr>
+              <p:cNvPr id="24" name="Rectangle 23">
+                <a:extLst>
+                  <a:ext uri="{FF2B5EF4-FFF2-40B4-BE49-F238E27FC236}">
+                    <a16:creationId xmlns:a16="http://schemas.microsoft.com/office/drawing/2014/main" id="{C1E53DC5-B806-4E41-AA4C-C6AB6E47FC0D}"/>
+                  </a:ext>
+                </a:extLst>
+              </p:cNvPr>
+              <p:cNvSpPr/>
+              <p:nvPr/>
+            </p:nvSpPr>
+            <p:spPr>
+              <a:xfrm>
+                <a:off x="2057400" y="1447800"/>
+                <a:ext cx="491695" cy="685800"/>
+              </a:xfrm>
+              <a:prstGeom prst="rect">
+                <a:avLst/>
+              </a:prstGeom>
+              <a:ln>
+                <a:solidFill>
+                  <a:srgbClr val="00B0F0"/>
+                </a:solidFill>
+              </a:ln>
+            </p:spPr>
+            <p:style>
+              <a:lnRef idx="2">
+                <a:schemeClr val="accent6"/>
+              </a:lnRef>
+              <a:fillRef idx="1">
+                <a:schemeClr val="lt1"/>
+              </a:fillRef>
+              <a:effectRef idx="0">
+                <a:schemeClr val="accent6"/>
+              </a:effectRef>
+              <a:fontRef idx="minor">
+                <a:schemeClr val="dk1"/>
+              </a:fontRef>
+            </p:style>
+            <p:txBody>
+              <a:bodyPr rtlCol="0" anchor="ctr"/>
+              <a:lstStyle/>
+              <a:p>
+                <a:pPr algn="ctr"/>
+                <a:r>
+                  <a:rPr lang="en-US" dirty="0"/>
+                  <a:t>1</a:t>
+                </a:r>
+              </a:p>
+            </p:txBody>
+          </p:sp>
+          <p:sp>
+            <p:nvSpPr>
+              <p:cNvPr id="25" name="Rectangle 24">
+                <a:extLst>
+                  <a:ext uri="{FF2B5EF4-FFF2-40B4-BE49-F238E27FC236}">
+                    <a16:creationId xmlns:a16="http://schemas.microsoft.com/office/drawing/2014/main" id="{4B9D90CC-2E53-4DDC-89F0-84C85F59FDCB}"/>
+                  </a:ext>
+                </a:extLst>
+              </p:cNvPr>
+              <p:cNvSpPr/>
+              <p:nvPr/>
+            </p:nvSpPr>
+            <p:spPr>
+              <a:xfrm>
+                <a:off x="2540322" y="1447800"/>
+                <a:ext cx="491695" cy="685800"/>
+              </a:xfrm>
+              <a:prstGeom prst="rect">
+                <a:avLst/>
+              </a:prstGeom>
+              <a:ln>
+                <a:solidFill>
+                  <a:srgbClr val="00B0F0"/>
+                </a:solidFill>
+              </a:ln>
+            </p:spPr>
+            <p:style>
+              <a:lnRef idx="2">
+                <a:schemeClr val="accent6"/>
+              </a:lnRef>
+              <a:fillRef idx="1">
+                <a:schemeClr val="lt1"/>
+              </a:fillRef>
+              <a:effectRef idx="0">
+                <a:schemeClr val="accent6"/>
+              </a:effectRef>
+              <a:fontRef idx="minor">
+                <a:schemeClr val="dk1"/>
+              </a:fontRef>
+            </p:style>
+            <p:txBody>
+              <a:bodyPr rtlCol="0" anchor="ctr"/>
+              <a:lstStyle/>
+              <a:p>
+                <a:pPr algn="ctr"/>
+                <a:r>
+                  <a:rPr lang="en-US" dirty="0"/>
+                  <a:t>2</a:t>
+                </a:r>
+              </a:p>
+            </p:txBody>
+          </p:sp>
+          <p:sp>
+            <p:nvSpPr>
+              <p:cNvPr id="26" name="Rectangle 25">
+                <a:extLst>
+                  <a:ext uri="{FF2B5EF4-FFF2-40B4-BE49-F238E27FC236}">
+                    <a16:creationId xmlns:a16="http://schemas.microsoft.com/office/drawing/2014/main" id="{A59C0F93-FD00-459B-9124-C5DE82D869EA}"/>
+                  </a:ext>
+                </a:extLst>
+              </p:cNvPr>
+              <p:cNvSpPr/>
+              <p:nvPr/>
+            </p:nvSpPr>
+            <p:spPr>
+              <a:xfrm>
+                <a:off x="3032017" y="1447800"/>
+                <a:ext cx="491695" cy="685800"/>
+              </a:xfrm>
+              <a:prstGeom prst="rect">
+                <a:avLst/>
+              </a:prstGeom>
+              <a:ln>
+                <a:solidFill>
+                  <a:srgbClr val="00B0F0"/>
+                </a:solidFill>
+              </a:ln>
+            </p:spPr>
+            <p:style>
+              <a:lnRef idx="2">
+                <a:schemeClr val="accent6"/>
+              </a:lnRef>
+              <a:fillRef idx="1">
+                <a:schemeClr val="lt1"/>
+              </a:fillRef>
+              <a:effectRef idx="0">
+                <a:schemeClr val="accent6"/>
+              </a:effectRef>
+              <a:fontRef idx="minor">
+                <a:schemeClr val="dk1"/>
+              </a:fontRef>
+            </p:style>
+            <p:txBody>
+              <a:bodyPr rtlCol="0" anchor="ctr"/>
+              <a:lstStyle/>
+              <a:p>
+                <a:pPr algn="ctr"/>
+                <a:r>
+                  <a:rPr lang="en-US" dirty="0"/>
+                  <a:t>1</a:t>
+                </a:r>
+              </a:p>
+            </p:txBody>
+          </p:sp>
+        </p:grpSp>
+      </p:grpSp>
+      <p:grpSp>
+        <p:nvGrpSpPr>
+          <p:cNvPr id="28" name="Group 27">
+            <a:extLst>
+              <a:ext uri="{FF2B5EF4-FFF2-40B4-BE49-F238E27FC236}">
+                <a16:creationId xmlns:a16="http://schemas.microsoft.com/office/drawing/2014/main" id="{445E6ACB-B8A2-41DB-BC32-C0BA0DFB6E7B}"/>
+              </a:ext>
+            </a:extLst>
+          </p:cNvPr>
+          <p:cNvGrpSpPr/>
+          <p:nvPr/>
+        </p:nvGrpSpPr>
+        <p:grpSpPr>
+          <a:xfrm>
+            <a:off x="4419600" y="2328815"/>
+            <a:ext cx="1988957" cy="513810"/>
+            <a:chOff x="1539201" y="2333895"/>
+            <a:chExt cx="1988957" cy="513810"/>
+          </a:xfrm>
+        </p:grpSpPr>
+        <p:grpSp>
+          <p:nvGrpSpPr>
+            <p:cNvPr id="29" name="Group 28">
+              <a:extLst>
+                <a:ext uri="{FF2B5EF4-FFF2-40B4-BE49-F238E27FC236}">
+                  <a16:creationId xmlns:a16="http://schemas.microsoft.com/office/drawing/2014/main" id="{3E4B05A8-6603-4E81-812F-6C7CF14315E0}"/>
+                </a:ext>
+              </a:extLst>
+            </p:cNvPr>
+            <p:cNvGrpSpPr/>
+            <p:nvPr/>
+          </p:nvGrpSpPr>
+          <p:grpSpPr>
+            <a:xfrm>
+              <a:off x="1539201" y="2333895"/>
+              <a:ext cx="1984511" cy="256905"/>
+              <a:chOff x="1565705" y="1447800"/>
+              <a:chExt cx="1958007" cy="685800"/>
+            </a:xfrm>
+          </p:grpSpPr>
+          <p:sp>
+            <p:nvSpPr>
+              <p:cNvPr id="35" name="Rectangle 34">
+                <a:extLst>
+                  <a:ext uri="{FF2B5EF4-FFF2-40B4-BE49-F238E27FC236}">
+                    <a16:creationId xmlns:a16="http://schemas.microsoft.com/office/drawing/2014/main" id="{81831BD5-39EC-4BD0-98B3-1A126156D26C}"/>
+                  </a:ext>
+                </a:extLst>
+              </p:cNvPr>
+              <p:cNvSpPr/>
+              <p:nvPr/>
+            </p:nvSpPr>
+            <p:spPr>
+              <a:xfrm>
+                <a:off x="1565705" y="1447800"/>
+                <a:ext cx="491695" cy="685800"/>
+              </a:xfrm>
+              <a:prstGeom prst="rect">
+                <a:avLst/>
+              </a:prstGeom>
+              <a:ln>
+                <a:solidFill>
+                  <a:srgbClr val="00B0F0"/>
+                </a:solidFill>
+              </a:ln>
+            </p:spPr>
+            <p:style>
+              <a:lnRef idx="2">
+                <a:schemeClr val="accent6"/>
+              </a:lnRef>
+              <a:fillRef idx="1">
+                <a:schemeClr val="lt1"/>
+              </a:fillRef>
+              <a:effectRef idx="0">
+                <a:schemeClr val="accent6"/>
+              </a:effectRef>
+              <a:fontRef idx="minor">
+                <a:schemeClr val="dk1"/>
+              </a:fontRef>
+            </p:style>
+            <p:txBody>
+              <a:bodyPr rtlCol="0" anchor="ctr"/>
+              <a:lstStyle/>
+              <a:p>
+                <a:pPr algn="ctr"/>
+                <a:r>
+                  <a:rPr lang="en-US" dirty="0"/>
+                  <a:t>1</a:t>
+                </a:r>
+              </a:p>
+            </p:txBody>
+          </p:sp>
+          <p:sp>
+            <p:nvSpPr>
+              <p:cNvPr id="36" name="Rectangle 35">
+                <a:extLst>
+                  <a:ext uri="{FF2B5EF4-FFF2-40B4-BE49-F238E27FC236}">
+                    <a16:creationId xmlns:a16="http://schemas.microsoft.com/office/drawing/2014/main" id="{FE317B09-8BBE-42A4-92C2-F47F629D575A}"/>
+                  </a:ext>
+                </a:extLst>
+              </p:cNvPr>
+              <p:cNvSpPr/>
+              <p:nvPr/>
+            </p:nvSpPr>
+            <p:spPr>
+              <a:xfrm>
+                <a:off x="2057400" y="1447800"/>
+                <a:ext cx="491695" cy="685800"/>
+              </a:xfrm>
+              <a:prstGeom prst="rect">
+                <a:avLst/>
+              </a:prstGeom>
+              <a:ln>
+                <a:solidFill>
+                  <a:srgbClr val="00B0F0"/>
+                </a:solidFill>
+              </a:ln>
+            </p:spPr>
+            <p:style>
+              <a:lnRef idx="2">
+                <a:schemeClr val="accent6"/>
+              </a:lnRef>
+              <a:fillRef idx="1">
+                <a:schemeClr val="lt1"/>
+              </a:fillRef>
+              <a:effectRef idx="0">
+                <a:schemeClr val="accent6"/>
+              </a:effectRef>
+              <a:fontRef idx="minor">
+                <a:schemeClr val="dk1"/>
+              </a:fontRef>
+            </p:style>
+            <p:txBody>
+              <a:bodyPr rtlCol="0" anchor="ctr"/>
+              <a:lstStyle/>
+              <a:p>
+                <a:pPr algn="ctr"/>
+                <a:r>
+                  <a:rPr lang="en-US" dirty="0"/>
+                  <a:t>2</a:t>
+                </a:r>
+              </a:p>
+            </p:txBody>
+          </p:sp>
+          <p:sp>
+            <p:nvSpPr>
+              <p:cNvPr id="37" name="Rectangle 36">
+                <a:extLst>
+                  <a:ext uri="{FF2B5EF4-FFF2-40B4-BE49-F238E27FC236}">
+                    <a16:creationId xmlns:a16="http://schemas.microsoft.com/office/drawing/2014/main" id="{075DD1CD-B8A8-4D8E-B96F-04CC03D1EAAB}"/>
+                  </a:ext>
+                </a:extLst>
+              </p:cNvPr>
+              <p:cNvSpPr/>
+              <p:nvPr/>
+            </p:nvSpPr>
+            <p:spPr>
+              <a:xfrm>
+                <a:off x="2540322" y="1447800"/>
+                <a:ext cx="491695" cy="685800"/>
+              </a:xfrm>
+              <a:prstGeom prst="rect">
+                <a:avLst/>
+              </a:prstGeom>
+              <a:ln>
+                <a:solidFill>
+                  <a:srgbClr val="00B0F0"/>
+                </a:solidFill>
+              </a:ln>
+            </p:spPr>
+            <p:style>
+              <a:lnRef idx="2">
+                <a:schemeClr val="accent6"/>
+              </a:lnRef>
+              <a:fillRef idx="1">
+                <a:schemeClr val="lt1"/>
+              </a:fillRef>
+              <a:effectRef idx="0">
+                <a:schemeClr val="accent6"/>
+              </a:effectRef>
+              <a:fontRef idx="minor">
+                <a:schemeClr val="dk1"/>
+              </a:fontRef>
+            </p:style>
+            <p:txBody>
+              <a:bodyPr rtlCol="0" anchor="ctr"/>
+              <a:lstStyle/>
+              <a:p>
+                <a:pPr algn="ctr"/>
+                <a:r>
+                  <a:rPr lang="en-US" dirty="0"/>
+                  <a:t>3</a:t>
+                </a:r>
+              </a:p>
+            </p:txBody>
+          </p:sp>
+          <p:sp>
+            <p:nvSpPr>
+              <p:cNvPr id="38" name="Rectangle 37">
+                <a:extLst>
+                  <a:ext uri="{FF2B5EF4-FFF2-40B4-BE49-F238E27FC236}">
+                    <a16:creationId xmlns:a16="http://schemas.microsoft.com/office/drawing/2014/main" id="{E72841C0-3D23-486E-BE8F-90F83884A4A3}"/>
+                  </a:ext>
+                </a:extLst>
+              </p:cNvPr>
+              <p:cNvSpPr/>
+              <p:nvPr/>
+            </p:nvSpPr>
+            <p:spPr>
+              <a:xfrm>
+                <a:off x="3032017" y="1447800"/>
+                <a:ext cx="491695" cy="685800"/>
+              </a:xfrm>
+              <a:prstGeom prst="rect">
+                <a:avLst/>
+              </a:prstGeom>
+              <a:ln>
+                <a:solidFill>
+                  <a:srgbClr val="00B0F0"/>
+                </a:solidFill>
+              </a:ln>
+            </p:spPr>
+            <p:style>
+              <a:lnRef idx="2">
+                <a:schemeClr val="accent6"/>
+              </a:lnRef>
+              <a:fillRef idx="1">
+                <a:schemeClr val="lt1"/>
+              </a:fillRef>
+              <a:effectRef idx="0">
+                <a:schemeClr val="accent6"/>
+              </a:effectRef>
+              <a:fontRef idx="minor">
+                <a:schemeClr val="dk1"/>
+              </a:fontRef>
+            </p:style>
+            <p:txBody>
+              <a:bodyPr rtlCol="0" anchor="ctr"/>
+              <a:lstStyle/>
+              <a:p>
+                <a:pPr algn="ctr"/>
+                <a:r>
+                  <a:rPr lang="en-US" dirty="0"/>
+                  <a:t>4</a:t>
+                </a:r>
+              </a:p>
+            </p:txBody>
+          </p:sp>
+        </p:grpSp>
+        <p:grpSp>
+          <p:nvGrpSpPr>
+            <p:cNvPr id="30" name="Group 29">
+              <a:extLst>
+                <a:ext uri="{FF2B5EF4-FFF2-40B4-BE49-F238E27FC236}">
+                  <a16:creationId xmlns:a16="http://schemas.microsoft.com/office/drawing/2014/main" id="{2BFEA722-1001-4D00-B171-AA7A4822397F}"/>
+                </a:ext>
+              </a:extLst>
+            </p:cNvPr>
+            <p:cNvGrpSpPr/>
+            <p:nvPr/>
+          </p:nvGrpSpPr>
+          <p:grpSpPr>
+            <a:xfrm>
+              <a:off x="1543647" y="2590800"/>
+              <a:ext cx="1984511" cy="256905"/>
+              <a:chOff x="1565705" y="1447800"/>
+              <a:chExt cx="1958007" cy="685800"/>
+            </a:xfrm>
+          </p:grpSpPr>
+          <p:sp>
+            <p:nvSpPr>
+              <p:cNvPr id="31" name="Rectangle 30">
+                <a:extLst>
+                  <a:ext uri="{FF2B5EF4-FFF2-40B4-BE49-F238E27FC236}">
+                    <a16:creationId xmlns:a16="http://schemas.microsoft.com/office/drawing/2014/main" id="{C5562E6F-A95A-4CF7-B029-A00660075187}"/>
+                  </a:ext>
+                </a:extLst>
+              </p:cNvPr>
+              <p:cNvSpPr/>
+              <p:nvPr/>
+            </p:nvSpPr>
+            <p:spPr>
+              <a:xfrm>
+                <a:off x="1565705" y="1447800"/>
+                <a:ext cx="491695" cy="685800"/>
+              </a:xfrm>
+              <a:prstGeom prst="rect">
+                <a:avLst/>
+              </a:prstGeom>
+              <a:ln>
+                <a:solidFill>
+                  <a:srgbClr val="00B0F0"/>
+                </a:solidFill>
+              </a:ln>
+            </p:spPr>
+            <p:style>
+              <a:lnRef idx="2">
+                <a:schemeClr val="accent6"/>
+              </a:lnRef>
+              <a:fillRef idx="1">
+                <a:schemeClr val="lt1"/>
+              </a:fillRef>
+              <a:effectRef idx="0">
+                <a:schemeClr val="accent6"/>
+              </a:effectRef>
+              <a:fontRef idx="minor">
+                <a:schemeClr val="dk1"/>
+              </a:fontRef>
+            </p:style>
+            <p:txBody>
+              <a:bodyPr rtlCol="0" anchor="ctr"/>
+              <a:lstStyle/>
+              <a:p>
+                <a:pPr algn="ctr"/>
+                <a:r>
+                  <a:rPr lang="en-US" dirty="0">
+                    <a:solidFill>
+                      <a:srgbClr val="FF0000"/>
+                    </a:solidFill>
+                  </a:rPr>
+                  <a:t>0</a:t>
+                </a:r>
+              </a:p>
+            </p:txBody>
+          </p:sp>
+          <p:sp>
+            <p:nvSpPr>
+              <p:cNvPr id="32" name="Rectangle 31">
+                <a:extLst>
+                  <a:ext uri="{FF2B5EF4-FFF2-40B4-BE49-F238E27FC236}">
+                    <a16:creationId xmlns:a16="http://schemas.microsoft.com/office/drawing/2014/main" id="{A8642C47-289D-49CB-AE54-FDB15D45B0A6}"/>
+                  </a:ext>
+                </a:extLst>
+              </p:cNvPr>
+              <p:cNvSpPr/>
+              <p:nvPr/>
+            </p:nvSpPr>
+            <p:spPr>
+              <a:xfrm>
+                <a:off x="2057400" y="1447800"/>
+                <a:ext cx="491695" cy="685800"/>
+              </a:xfrm>
+              <a:prstGeom prst="rect">
+                <a:avLst/>
+              </a:prstGeom>
+              <a:ln>
+                <a:solidFill>
+                  <a:srgbClr val="00B0F0"/>
+                </a:solidFill>
+              </a:ln>
+            </p:spPr>
+            <p:style>
+              <a:lnRef idx="2">
+                <a:schemeClr val="accent6"/>
+              </a:lnRef>
+              <a:fillRef idx="1">
+                <a:schemeClr val="lt1"/>
+              </a:fillRef>
+              <a:effectRef idx="0">
+                <a:schemeClr val="accent6"/>
+              </a:effectRef>
+              <a:fontRef idx="minor">
+                <a:schemeClr val="dk1"/>
+              </a:fontRef>
+            </p:style>
+            <p:txBody>
+              <a:bodyPr rtlCol="0" anchor="ctr"/>
+              <a:lstStyle/>
+              <a:p>
+                <a:pPr algn="ctr"/>
+                <a:r>
+                  <a:rPr lang="en-US" dirty="0"/>
+                  <a:t>2</a:t>
+                </a:r>
+              </a:p>
+            </p:txBody>
+          </p:sp>
+          <p:sp>
+            <p:nvSpPr>
+              <p:cNvPr id="33" name="Rectangle 32">
+                <a:extLst>
+                  <a:ext uri="{FF2B5EF4-FFF2-40B4-BE49-F238E27FC236}">
+                    <a16:creationId xmlns:a16="http://schemas.microsoft.com/office/drawing/2014/main" id="{EC9EE642-8442-43DC-B1D9-CBAA845BFB61}"/>
+                  </a:ext>
+                </a:extLst>
+              </p:cNvPr>
+              <p:cNvSpPr/>
+              <p:nvPr/>
+            </p:nvSpPr>
+            <p:spPr>
+              <a:xfrm>
+                <a:off x="2540322" y="1447800"/>
+                <a:ext cx="491695" cy="685800"/>
+              </a:xfrm>
+              <a:prstGeom prst="rect">
+                <a:avLst/>
+              </a:prstGeom>
+              <a:ln>
+                <a:solidFill>
+                  <a:srgbClr val="00B0F0"/>
+                </a:solidFill>
+              </a:ln>
+            </p:spPr>
+            <p:style>
+              <a:lnRef idx="2">
+                <a:schemeClr val="accent6"/>
+              </a:lnRef>
+              <a:fillRef idx="1">
+                <a:schemeClr val="lt1"/>
+              </a:fillRef>
+              <a:effectRef idx="0">
+                <a:schemeClr val="accent6"/>
+              </a:effectRef>
+              <a:fontRef idx="minor">
+                <a:schemeClr val="dk1"/>
+              </a:fontRef>
+            </p:style>
+            <p:txBody>
+              <a:bodyPr rtlCol="0" anchor="ctr"/>
+              <a:lstStyle/>
+              <a:p>
+                <a:pPr algn="ctr"/>
+                <a:r>
+                  <a:rPr lang="en-US" dirty="0"/>
+                  <a:t>1</a:t>
+                </a:r>
+              </a:p>
+            </p:txBody>
+          </p:sp>
+          <p:sp>
+            <p:nvSpPr>
+              <p:cNvPr id="34" name="Rectangle 33">
+                <a:extLst>
+                  <a:ext uri="{FF2B5EF4-FFF2-40B4-BE49-F238E27FC236}">
+                    <a16:creationId xmlns:a16="http://schemas.microsoft.com/office/drawing/2014/main" id="{901DA056-DA2C-4DC1-B5AB-82F57692183D}"/>
+                  </a:ext>
+                </a:extLst>
+              </p:cNvPr>
+              <p:cNvSpPr/>
+              <p:nvPr/>
+            </p:nvSpPr>
+            <p:spPr>
+              <a:xfrm>
+                <a:off x="3032017" y="1447800"/>
+                <a:ext cx="491695" cy="685800"/>
+              </a:xfrm>
+              <a:prstGeom prst="rect">
+                <a:avLst/>
+              </a:prstGeom>
+              <a:ln>
+                <a:solidFill>
+                  <a:srgbClr val="00B0F0"/>
+                </a:solidFill>
+              </a:ln>
+            </p:spPr>
+            <p:style>
+              <a:lnRef idx="2">
+                <a:schemeClr val="accent6"/>
+              </a:lnRef>
+              <a:fillRef idx="1">
+                <a:schemeClr val="lt1"/>
+              </a:fillRef>
+              <a:effectRef idx="0">
+                <a:schemeClr val="accent6"/>
+              </a:effectRef>
+              <a:fontRef idx="minor">
+                <a:schemeClr val="dk1"/>
+              </a:fontRef>
+            </p:style>
+            <p:txBody>
+              <a:bodyPr rtlCol="0" anchor="ctr"/>
+              <a:lstStyle/>
+              <a:p>
+                <a:pPr algn="ctr"/>
+                <a:r>
+                  <a:rPr lang="en-US" dirty="0"/>
+                  <a:t>1</a:t>
+                </a:r>
+              </a:p>
+            </p:txBody>
+          </p:sp>
+        </p:grpSp>
+      </p:grpSp>
+      <p:cxnSp>
+        <p:nvCxnSpPr>
+          <p:cNvPr id="40" name="Straight Connector 39">
+            <a:extLst>
+              <a:ext uri="{FF2B5EF4-FFF2-40B4-BE49-F238E27FC236}">
+                <a16:creationId xmlns:a16="http://schemas.microsoft.com/office/drawing/2014/main" id="{68120CD4-30A6-4311-B942-7A1511028361}"/>
+              </a:ext>
+            </a:extLst>
+          </p:cNvPr>
+          <p:cNvCxnSpPr>
+            <a:cxnSpLocks/>
+          </p:cNvCxnSpPr>
+          <p:nvPr/>
+        </p:nvCxnSpPr>
+        <p:spPr>
+          <a:xfrm>
+            <a:off x="1066800" y="2209800"/>
+            <a:ext cx="5867400" cy="0"/>
+          </a:xfrm>
+          <a:prstGeom prst="line">
+            <a:avLst/>
+          </a:prstGeom>
+          <a:ln>
+            <a:solidFill>
+              <a:srgbClr val="FF0000"/>
+            </a:solidFill>
+          </a:ln>
+        </p:spPr>
+        <p:style>
+          <a:lnRef idx="1">
+            <a:schemeClr val="accent1"/>
+          </a:lnRef>
+          <a:fillRef idx="0">
+            <a:schemeClr val="accent1"/>
+          </a:fillRef>
+          <a:effectRef idx="0">
+            <a:schemeClr val="accent1"/>
+          </a:effectRef>
+          <a:fontRef idx="minor">
+            <a:schemeClr val="tx1"/>
+          </a:fontRef>
+        </p:style>
+      </p:cxnSp>
+      <p:sp>
+        <p:nvSpPr>
+          <p:cNvPr id="42" name="TextBox 41">
+            <a:extLst>
+              <a:ext uri="{FF2B5EF4-FFF2-40B4-BE49-F238E27FC236}">
+                <a16:creationId xmlns:a16="http://schemas.microsoft.com/office/drawing/2014/main" id="{A734684C-D241-44A1-9B6A-3B74E0CD3BCE}"/>
+              </a:ext>
+            </a:extLst>
+          </p:cNvPr>
+          <p:cNvSpPr txBox="1"/>
+          <p:nvPr/>
+        </p:nvSpPr>
+        <p:spPr>
+          <a:xfrm>
+            <a:off x="6975260" y="1886634"/>
+            <a:ext cx="1476375" cy="646331"/>
+          </a:xfrm>
+          <a:prstGeom prst="rect">
+            <a:avLst/>
+          </a:prstGeom>
+          <a:noFill/>
+        </p:spPr>
+        <p:txBody>
+          <a:bodyPr wrap="square" rtlCol="0">
+            <a:spAutoFit/>
+          </a:bodyPr>
+          <a:lstStyle/>
+          <a:p>
+            <a:r>
+              <a:rPr lang="en-US" dirty="0"/>
+              <a:t>Calculate Frequency</a:t>
             </a:r>
           </a:p>
         </p:txBody>
@@ -6528,7 +9419,7 @@
     </p:spTree>
     <p:extLst>
       <p:ext uri="{BB962C8B-B14F-4D97-AF65-F5344CB8AC3E}">
-        <p14:creationId xmlns:p14="http://schemas.microsoft.com/office/powerpoint/2010/main" val="3282053115"/>
+        <p14:creationId xmlns:p14="http://schemas.microsoft.com/office/powerpoint/2010/main" val="3813445581"/>
       </p:ext>
     </p:extLst>
   </p:cSld>
@@ -6563,7 +9454,7 @@
           <p:cNvPr id="2" name="Content Placeholder 1">
             <a:extLst>
               <a:ext uri="{FF2B5EF4-FFF2-40B4-BE49-F238E27FC236}">
-                <a16:creationId xmlns:a16="http://schemas.microsoft.com/office/drawing/2014/main" id="{27EEB852-703B-409A-BB0D-3827B2A7D5D4}"/>
+                <a16:creationId xmlns:a16="http://schemas.microsoft.com/office/drawing/2014/main" id="{6437A5DD-4407-42CE-984A-868B7278FE8E}"/>
               </a:ext>
             </a:extLst>
           </p:cNvPr>
@@ -6580,13 +9471,43 @@
           <a:lstStyle/>
           <a:p>
             <a:r>
+              <a:rPr lang="en-US" dirty="0"/>
+              <a:t>Send V and Send Coef. </a:t>
+            </a:r>
+            <a:r>
               <a:rPr lang="en-US" dirty="0">
-                <a:solidFill>
-                  <a:srgbClr val="FF0000"/>
-                </a:solidFill>
+                <a:sym typeface="Wingdings" panose="05000000000000000000" pitchFamily="2" charset="2"/>
               </a:rPr>
-              <a:t>XXX to be updated with the result.</a:t>
-            </a:r>
+              <a:t> </a:t>
+            </a:r>
+            <a:r>
+              <a:rPr lang="en-US" dirty="0"/>
+              <a:t>output file containing the top </a:t>
+            </a:r>
+            <a:r>
+              <a:rPr lang="en-US" i="1" dirty="0"/>
+              <a:t>k </a:t>
+            </a:r>
+            <a:r>
+              <a:rPr lang="en-US" dirty="0"/>
+              <a:t>coefficient of the wavelet tree</a:t>
+            </a:r>
+          </a:p>
+          <a:p>
+            <a:endParaRPr lang="en-US" dirty="0"/>
+          </a:p>
+          <a:p>
+            <a:r>
+              <a:rPr lang="en-US" dirty="0"/>
+              <a:t>SSE Calculation </a:t>
+            </a:r>
+            <a:r>
+              <a:rPr lang="en-US" dirty="0">
+                <a:sym typeface="Wingdings" panose="05000000000000000000" pitchFamily="2" charset="2"/>
+              </a:rPr>
+              <a:t> take file, reconstruct the data, calculate</a:t>
+            </a:r>
+            <a:endParaRPr lang="en-US" dirty="0"/>
           </a:p>
         </p:txBody>
       </p:sp>
@@ -6595,7 +9516,7 @@
           <p:cNvPr id="3" name="Title 2">
             <a:extLst>
               <a:ext uri="{FF2B5EF4-FFF2-40B4-BE49-F238E27FC236}">
-                <a16:creationId xmlns:a16="http://schemas.microsoft.com/office/drawing/2014/main" id="{A6F50B25-1038-4725-962C-8AB4D69CB650}"/>
+                <a16:creationId xmlns:a16="http://schemas.microsoft.com/office/drawing/2014/main" id="{180426FB-D09A-4B9B-BEBE-FAC32FD77EC0}"/>
               </a:ext>
             </a:extLst>
           </p:cNvPr>
@@ -6613,7 +9534,7 @@
           <a:p>
             <a:r>
               <a:rPr lang="en-US" dirty="0"/>
-              <a:t>Analysis</a:t>
+              <a:t>SSE Calculation</a:t>
             </a:r>
           </a:p>
         </p:txBody>
@@ -6621,7 +9542,7 @@
     </p:spTree>
     <p:extLst>
       <p:ext uri="{BB962C8B-B14F-4D97-AF65-F5344CB8AC3E}">
-        <p14:creationId xmlns:p14="http://schemas.microsoft.com/office/powerpoint/2010/main" val="2027973830"/>
+        <p14:creationId xmlns:p14="http://schemas.microsoft.com/office/powerpoint/2010/main" val="2643558671"/>
       </p:ext>
     </p:extLst>
   </p:cSld>
@@ -6653,10 +9574,123 @@
       </p:grpSpPr>
       <p:sp>
         <p:nvSpPr>
+          <p:cNvPr id="2" name="Content Placeholder 1">
+            <a:extLst>
+              <a:ext uri="{FF2B5EF4-FFF2-40B4-BE49-F238E27FC236}">
+                <a16:creationId xmlns:a16="http://schemas.microsoft.com/office/drawing/2014/main" id="{2472619E-B960-412F-A716-A6A010495787}"/>
+              </a:ext>
+            </a:extLst>
+          </p:cNvPr>
+          <p:cNvSpPr>
+            <a:spLocks noGrp="1"/>
+          </p:cNvSpPr>
+          <p:nvPr>
+            <p:ph idx="1"/>
+          </p:nvPr>
+        </p:nvSpPr>
+        <p:spPr/>
+        <p:txBody>
+          <a:bodyPr/>
+          <a:lstStyle/>
+          <a:p>
+            <a:r>
+              <a:rPr lang="en-US" dirty="0"/>
+              <a:t>Send V </a:t>
+            </a:r>
+            <a:r>
+              <a:rPr lang="en-US" dirty="0">
+                <a:sym typeface="Wingdings" panose="05000000000000000000" pitchFamily="2" charset="2"/>
+              </a:rPr>
+              <a:t></a:t>
+            </a:r>
+            <a:r>
+              <a:rPr lang="en-US" dirty="0"/>
+              <a:t> worked as intended (partial dataset 94 million of domain and 107 million records)</a:t>
+            </a:r>
+          </a:p>
+          <a:p>
+            <a:endParaRPr lang="en-US" dirty="0"/>
+          </a:p>
+          <a:p>
+            <a:r>
+              <a:rPr lang="en-US" dirty="0"/>
+              <a:t>Send V </a:t>
+            </a:r>
+            <a:r>
+              <a:rPr lang="en-US" dirty="0">
+                <a:sym typeface="Wingdings" panose="05000000000000000000" pitchFamily="2" charset="2"/>
+              </a:rPr>
+              <a:t></a:t>
+            </a:r>
+            <a:r>
+              <a:rPr lang="en-US" dirty="0"/>
+              <a:t> found </a:t>
+            </a:r>
+            <a:r>
+              <a:rPr lang="en-US" dirty="0" err="1"/>
+              <a:t>OutOfMemory</a:t>
+            </a:r>
+            <a:r>
+              <a:rPr lang="en-US" dirty="0"/>
+              <a:t> error using more data</a:t>
+            </a:r>
+          </a:p>
+          <a:p>
+            <a:endParaRPr lang="en-US" dirty="0"/>
+          </a:p>
+          <a:p>
+            <a:r>
+              <a:rPr lang="en-US" dirty="0"/>
+              <a:t>Send V’s overall running time </a:t>
+            </a:r>
+            <a:r>
+              <a:rPr lang="en-US" dirty="0">
+                <a:sym typeface="Wingdings" panose="05000000000000000000" pitchFamily="2" charset="2"/>
+              </a:rPr>
+              <a:t></a:t>
+            </a:r>
+            <a:r>
+              <a:rPr lang="en-US" dirty="0"/>
+              <a:t> around 1.5 hours</a:t>
+            </a:r>
+            <a:r>
+              <a:rPr lang="en-US" dirty="0">
+                <a:sym typeface="Wingdings" panose="05000000000000000000" pitchFamily="2" charset="2"/>
+              </a:rPr>
+              <a:t> (other algorithm should be less than this time).</a:t>
+            </a:r>
+            <a:endParaRPr lang="en-US" dirty="0"/>
+          </a:p>
+          <a:p>
+            <a:endParaRPr lang="en-US" dirty="0"/>
+          </a:p>
+          <a:p>
+            <a:r>
+              <a:rPr lang="en-US" dirty="0"/>
+              <a:t>Send Coef. </a:t>
+            </a:r>
+            <a:r>
+              <a:rPr lang="en-US" dirty="0">
+                <a:sym typeface="Wingdings" panose="05000000000000000000" pitchFamily="2" charset="2"/>
+              </a:rPr>
+              <a:t></a:t>
+            </a:r>
+            <a:r>
+              <a:rPr lang="en-US" dirty="0"/>
+              <a:t> taking too much time, stopped the execution (the paper also didn’t present the result of Send Coef.)</a:t>
+            </a:r>
+          </a:p>
+          <a:p>
+            <a:endParaRPr lang="en-US" dirty="0"/>
+          </a:p>
+        </p:txBody>
+      </p:sp>
+      <p:sp>
+        <p:nvSpPr>
           <p:cNvPr id="3" name="Title 2">
             <a:extLst>
               <a:ext uri="{FF2B5EF4-FFF2-40B4-BE49-F238E27FC236}">
-                <a16:creationId xmlns:a16="http://schemas.microsoft.com/office/drawing/2014/main" id="{6AFD4EB5-1CA4-46BD-B0E4-55547CF48D95}"/>
+                <a16:creationId xmlns:a16="http://schemas.microsoft.com/office/drawing/2014/main" id="{285CC04F-73EA-43E2-B4F7-246899507E70}"/>
               </a:ext>
             </a:extLst>
           </p:cNvPr>
@@ -6672,45 +9706,9 @@
           <a:bodyPr/>
           <a:lstStyle/>
           <a:p>
-            <a:endParaRPr lang="en-US"/>
-          </a:p>
-        </p:txBody>
-      </p:sp>
-      <p:sp>
-        <p:nvSpPr>
-          <p:cNvPr id="4" name="TextBox 3">
-            <a:extLst>
-              <a:ext uri="{FF2B5EF4-FFF2-40B4-BE49-F238E27FC236}">
-                <a16:creationId xmlns:a16="http://schemas.microsoft.com/office/drawing/2014/main" id="{56004B33-B37F-4D26-A309-3B87B9E08802}"/>
-              </a:ext>
-            </a:extLst>
-          </p:cNvPr>
-          <p:cNvSpPr txBox="1"/>
-          <p:nvPr/>
-        </p:nvSpPr>
-        <p:spPr>
-          <a:xfrm>
-            <a:off x="3048000" y="2819400"/>
-            <a:ext cx="2876108" cy="707886"/>
-          </a:xfrm>
-          <a:prstGeom prst="rect">
-            <a:avLst/>
-          </a:prstGeom>
-          <a:noFill/>
-        </p:spPr>
-        <p:txBody>
-          <a:bodyPr wrap="none" rtlCol="0">
-            <a:spAutoFit/>
-          </a:bodyPr>
-          <a:lstStyle/>
-          <a:p>
-            <a:r>
-              <a:rPr lang="en-US" sz="4000" dirty="0">
-                <a:latin typeface="Verdana" panose="020B0604030504040204" pitchFamily="34" charset="0"/>
-                <a:ea typeface="Verdana" panose="020B0604030504040204" pitchFamily="34" charset="0"/>
-                <a:cs typeface="Verdana" panose="020B0604030504040204" pitchFamily="34" charset="0"/>
-              </a:rPr>
-              <a:t>Difficulties</a:t>
+            <a:r>
+              <a:rPr lang="en-US" dirty="0"/>
+              <a:t>Results</a:t>
             </a:r>
           </a:p>
         </p:txBody>
@@ -6718,7 +9716,7 @@
     </p:spTree>
     <p:extLst>
       <p:ext uri="{BB962C8B-B14F-4D97-AF65-F5344CB8AC3E}">
-        <p14:creationId xmlns:p14="http://schemas.microsoft.com/office/powerpoint/2010/main" val="663862973"/>
+        <p14:creationId xmlns:p14="http://schemas.microsoft.com/office/powerpoint/2010/main" val="3282053115"/>
       </p:ext>
     </p:extLst>
   </p:cSld>
@@ -6753,7 +9751,7 @@
           <p:cNvPr id="2" name="Content Placeholder 1">
             <a:extLst>
               <a:ext uri="{FF2B5EF4-FFF2-40B4-BE49-F238E27FC236}">
-                <a16:creationId xmlns:a16="http://schemas.microsoft.com/office/drawing/2014/main" id="{A0950D25-1A6C-4FE4-9620-267C1946F68F}"/>
+                <a16:creationId xmlns:a16="http://schemas.microsoft.com/office/drawing/2014/main" id="{23A74912-E442-4CB5-B902-F0FBEB4FF0C2}"/>
               </a:ext>
             </a:extLst>
           </p:cNvPr>
@@ -6771,67 +9769,51 @@
           <a:p>
             <a:r>
               <a:rPr lang="en-US" dirty="0"/>
-              <a:t>Reading the paper and understanding the algorithm from it was hard.</a:t>
-            </a:r>
-          </a:p>
-          <a:p>
-            <a:pPr lvl="1"/>
-            <a:r>
-              <a:rPr lang="en-US" dirty="0"/>
-              <a:t>Many mathematical notation.</a:t>
-            </a:r>
-          </a:p>
-          <a:p>
-            <a:pPr lvl="1"/>
-            <a:r>
-              <a:rPr lang="en-US" dirty="0"/>
-              <a:t>Sometimes the explanation is not very clear.</a:t>
-            </a:r>
-          </a:p>
-          <a:p>
-            <a:pPr lvl="1"/>
-            <a:r>
-              <a:rPr lang="en-US" dirty="0"/>
-              <a:t>Cannot directly implement the algorithm in </a:t>
+              <a:t>H-</a:t>
             </a:r>
             <a:r>
               <a:rPr lang="en-US" dirty="0" err="1"/>
-              <a:t>Flink</a:t>
-            </a:r>
-            <a:r>
-              <a:rPr lang="en-US" dirty="0"/>
-              <a:t>.</a:t>
-            </a:r>
-          </a:p>
-          <a:p>
-            <a:endParaRPr lang="en-US" dirty="0"/>
-          </a:p>
-          <a:p>
-            <a:r>
-              <a:rPr lang="en-US" dirty="0"/>
-              <a:t>Plan to deal with the problem:</a:t>
-            </a:r>
-          </a:p>
-          <a:p>
-            <a:pPr lvl="1"/>
-            <a:r>
-              <a:rPr lang="en-US" dirty="0"/>
-              <a:t>Search for another source to help </a:t>
+              <a:t>WTopK</a:t>
+            </a:r>
+            <a:r>
+              <a:rPr lang="en-US" dirty="0"/>
+              <a:t> </a:t>
             </a:r>
             <a:r>
               <a:rPr lang="en-US" dirty="0">
                 <a:sym typeface="Wingdings" panose="05000000000000000000" pitchFamily="2" charset="2"/>
               </a:rPr>
-              <a:t> we have obtained a slides from the same author that explains the implementation.</a:t>
-            </a:r>
-          </a:p>
-          <a:p>
-            <a:pPr lvl="1"/>
+              <a:t> need to understand how </a:t>
+            </a:r>
+            <a:r>
+              <a:rPr lang="en-US" dirty="0" err="1">
+                <a:sym typeface="Wingdings" panose="05000000000000000000" pitchFamily="2" charset="2"/>
+              </a:rPr>
+              <a:t>Flink</a:t>
+            </a:r>
             <a:r>
               <a:rPr lang="en-US" dirty="0">
                 <a:sym typeface="Wingdings" panose="05000000000000000000" pitchFamily="2" charset="2"/>
               </a:rPr>
-              <a:t>Search for the implementation source code  we have obtained the research implementation source code in MR.</a:t>
+              <a:t> State works</a:t>
+            </a:r>
+          </a:p>
+          <a:p>
+            <a:pPr lvl="1"/>
+            <a:r>
+              <a:rPr lang="en-US" dirty="0">
+                <a:sym typeface="Wingdings" panose="05000000000000000000" pitchFamily="2" charset="2"/>
+              </a:rPr>
+              <a:t>Algorithm utilize three steps of computation</a:t>
+            </a:r>
+          </a:p>
+          <a:p>
+            <a:pPr lvl="1"/>
+            <a:r>
+              <a:rPr lang="en-US" dirty="0">
+                <a:sym typeface="Wingdings" panose="05000000000000000000" pitchFamily="2" charset="2"/>
+              </a:rPr>
+              <a:t>Result of first phase  send to the worker of second phase</a:t>
             </a:r>
             <a:endParaRPr lang="en-US" dirty="0"/>
           </a:p>
@@ -6839,6 +9821,52 @@
             <a:endParaRPr lang="en-US" dirty="0"/>
           </a:p>
           <a:p>
+            <a:r>
+              <a:rPr lang="en-US" dirty="0"/>
+              <a:t>Basic-S </a:t>
+            </a:r>
+            <a:r>
+              <a:rPr lang="en-US" dirty="0">
+                <a:sym typeface="Wingdings" panose="05000000000000000000" pitchFamily="2" charset="2"/>
+              </a:rPr>
+              <a:t> a slight modification of Improved-S</a:t>
+            </a:r>
+            <a:endParaRPr lang="en-US" dirty="0"/>
+          </a:p>
+          <a:p>
+            <a:endParaRPr lang="en-US" dirty="0"/>
+          </a:p>
+          <a:p>
+            <a:r>
+              <a:rPr lang="en-US" dirty="0"/>
+              <a:t>Improved-S </a:t>
+            </a:r>
+            <a:r>
+              <a:rPr lang="en-US" dirty="0">
+                <a:sym typeface="Wingdings" panose="05000000000000000000" pitchFamily="2" charset="2"/>
+              </a:rPr>
+              <a:t> perform sampling during the exact solution computation</a:t>
+            </a:r>
+            <a:endParaRPr lang="en-US" dirty="0"/>
+          </a:p>
+          <a:p>
+            <a:endParaRPr lang="en-US" dirty="0"/>
+          </a:p>
+          <a:p>
+            <a:r>
+              <a:rPr lang="en-US" dirty="0" err="1"/>
+              <a:t>TwoLevel</a:t>
+            </a:r>
+            <a:r>
+              <a:rPr lang="en-US" dirty="0"/>
+              <a:t>-S </a:t>
+            </a:r>
+            <a:r>
+              <a:rPr lang="en-US" dirty="0">
+                <a:sym typeface="Wingdings" panose="05000000000000000000" pitchFamily="2" charset="2"/>
+              </a:rPr>
+              <a:t> currently still understanding the algorithm</a:t>
+            </a:r>
             <a:endParaRPr lang="en-US" dirty="0"/>
           </a:p>
         </p:txBody>
@@ -6848,7 +9876,7 @@
           <p:cNvPr id="3" name="Title 2">
             <a:extLst>
               <a:ext uri="{FF2B5EF4-FFF2-40B4-BE49-F238E27FC236}">
-                <a16:creationId xmlns:a16="http://schemas.microsoft.com/office/drawing/2014/main" id="{B6100E23-F143-472C-BAE2-D2C19A377466}"/>
+                <a16:creationId xmlns:a16="http://schemas.microsoft.com/office/drawing/2014/main" id="{6635852C-6DC4-45A1-B25E-5A183E5FD3E5}"/>
               </a:ext>
             </a:extLst>
           </p:cNvPr>
@@ -6866,7 +9894,7 @@
           <a:p>
             <a:r>
               <a:rPr lang="en-US" dirty="0"/>
-              <a:t>Implementing the algorithm</a:t>
+              <a:t>Progress in Other Solution</a:t>
             </a:r>
           </a:p>
         </p:txBody>
@@ -6874,7 +9902,7 @@
     </p:spTree>
     <p:extLst>
       <p:ext uri="{BB962C8B-B14F-4D97-AF65-F5344CB8AC3E}">
-        <p14:creationId xmlns:p14="http://schemas.microsoft.com/office/powerpoint/2010/main" val="3636921440"/>
+        <p14:creationId xmlns:p14="http://schemas.microsoft.com/office/powerpoint/2010/main" val="642512044"/>
       </p:ext>
     </p:extLst>
   </p:cSld>
@@ -6906,99 +9934,10 @@
       </p:grpSpPr>
       <p:sp>
         <p:nvSpPr>
-          <p:cNvPr id="2" name="Content Placeholder 1">
+          <p:cNvPr id="3" name="Title 2">
             <a:extLst>
               <a:ext uri="{FF2B5EF4-FFF2-40B4-BE49-F238E27FC236}">
-                <a16:creationId xmlns:a16="http://schemas.microsoft.com/office/drawing/2014/main" id="{7C7C643F-2D5E-4A39-AD01-FF40A82A15C3}"/>
-              </a:ext>
-            </a:extLst>
-          </p:cNvPr>
-          <p:cNvSpPr>
-            <a:spLocks noGrp="1"/>
-          </p:cNvSpPr>
-          <p:nvPr>
-            <p:ph idx="1"/>
-          </p:nvPr>
-        </p:nvSpPr>
-        <p:spPr/>
-        <p:txBody>
-          <a:bodyPr/>
-          <a:lstStyle/>
-          <a:p>
-            <a:r>
-              <a:rPr lang="en-US" dirty="0"/>
-              <a:t>First time using </a:t>
-            </a:r>
-            <a:r>
-              <a:rPr lang="en-US" dirty="0" err="1"/>
-              <a:t>Flink</a:t>
-            </a:r>
-            <a:r>
-              <a:rPr lang="en-US" dirty="0"/>
-              <a:t> and cluster to run the experiment.</a:t>
-            </a:r>
-          </a:p>
-          <a:p>
-            <a:r>
-              <a:rPr lang="en-US" dirty="0"/>
-              <a:t>Don’t really know from which data the metrics is obtained (</a:t>
-            </a:r>
-            <a:r>
-              <a:rPr lang="en-US" dirty="0" err="1"/>
-              <a:t>Flink</a:t>
-            </a:r>
-            <a:r>
-              <a:rPr lang="en-US" dirty="0"/>
-              <a:t> log / GUI interface / etc.)</a:t>
-            </a:r>
-          </a:p>
-          <a:p>
-            <a:endParaRPr lang="en-US" dirty="0"/>
-          </a:p>
-          <a:p>
-            <a:r>
-              <a:rPr lang="en-US" dirty="0"/>
-              <a:t>Plan to deal with the problem:</a:t>
-            </a:r>
-          </a:p>
-          <a:p>
-            <a:pPr lvl="1"/>
-            <a:r>
-              <a:rPr lang="en-US" dirty="0"/>
-              <a:t>Reading through the </a:t>
-            </a:r>
-            <a:r>
-              <a:rPr lang="en-US" dirty="0" err="1"/>
-              <a:t>Flink</a:t>
-            </a:r>
-            <a:r>
-              <a:rPr lang="en-US" dirty="0"/>
-              <a:t> documentation.</a:t>
-            </a:r>
-          </a:p>
-          <a:p>
-            <a:pPr lvl="1"/>
-            <a:r>
-              <a:rPr lang="en-US" dirty="0"/>
-              <a:t>Asking a more experienced </a:t>
-            </a:r>
-            <a:r>
-              <a:rPr lang="en-US" dirty="0" err="1"/>
-              <a:t>Flink</a:t>
-            </a:r>
-            <a:r>
-              <a:rPr lang="en-US" dirty="0"/>
-              <a:t> user.</a:t>
-            </a:r>
-          </a:p>
-        </p:txBody>
-      </p:sp>
-      <p:sp>
-        <p:nvSpPr>
-          <p:cNvPr id="3" name="Title 2">
-            <a:extLst>
-              <a:ext uri="{FF2B5EF4-FFF2-40B4-BE49-F238E27FC236}">
-                <a16:creationId xmlns:a16="http://schemas.microsoft.com/office/drawing/2014/main" id="{C95A9B60-317D-4BFA-AB9D-A8FAD951C397}"/>
+                <a16:creationId xmlns:a16="http://schemas.microsoft.com/office/drawing/2014/main" id="{6AFD4EB5-1CA4-46BD-B0E4-55547CF48D95}"/>
               </a:ext>
             </a:extLst>
           </p:cNvPr>
@@ -7014,22 +9953,53 @@
           <a:bodyPr/>
           <a:lstStyle/>
           <a:p>
-            <a:r>
-              <a:rPr lang="en-US" dirty="0"/>
-              <a:t>Getting the metrics from </a:t>
-            </a:r>
-            <a:r>
-              <a:rPr lang="en-US" dirty="0" err="1"/>
-              <a:t>Flink</a:t>
-            </a:r>
-            <a:endParaRPr lang="en-US" dirty="0"/>
+            <a:endParaRPr lang="en-US"/>
+          </a:p>
+        </p:txBody>
+      </p:sp>
+      <p:sp>
+        <p:nvSpPr>
+          <p:cNvPr id="4" name="TextBox 3">
+            <a:extLst>
+              <a:ext uri="{FF2B5EF4-FFF2-40B4-BE49-F238E27FC236}">
+                <a16:creationId xmlns:a16="http://schemas.microsoft.com/office/drawing/2014/main" id="{56004B33-B37F-4D26-A309-3B87B9E08802}"/>
+              </a:ext>
+            </a:extLst>
+          </p:cNvPr>
+          <p:cNvSpPr txBox="1"/>
+          <p:nvPr/>
+        </p:nvSpPr>
+        <p:spPr>
+          <a:xfrm>
+            <a:off x="3048000" y="2819400"/>
+            <a:ext cx="2876108" cy="707886"/>
+          </a:xfrm>
+          <a:prstGeom prst="rect">
+            <a:avLst/>
+          </a:prstGeom>
+          <a:noFill/>
+        </p:spPr>
+        <p:txBody>
+          <a:bodyPr wrap="none" rtlCol="0">
+            <a:spAutoFit/>
+          </a:bodyPr>
+          <a:lstStyle/>
+          <a:p>
+            <a:r>
+              <a:rPr lang="en-US" sz="4000" dirty="0">
+                <a:latin typeface="Verdana" panose="020B0604030504040204" pitchFamily="34" charset="0"/>
+                <a:ea typeface="Verdana" panose="020B0604030504040204" pitchFamily="34" charset="0"/>
+                <a:cs typeface="Verdana" panose="020B0604030504040204" pitchFamily="34" charset="0"/>
+              </a:rPr>
+              <a:t>Difficulties</a:t>
+            </a:r>
           </a:p>
         </p:txBody>
       </p:sp>
     </p:spTree>
     <p:extLst>
       <p:ext uri="{BB962C8B-B14F-4D97-AF65-F5344CB8AC3E}">
-        <p14:creationId xmlns:p14="http://schemas.microsoft.com/office/powerpoint/2010/main" val="3509194077"/>
+        <p14:creationId xmlns:p14="http://schemas.microsoft.com/office/powerpoint/2010/main" val="663862973"/>
       </p:ext>
     </p:extLst>
   </p:cSld>
@@ -7061,10 +10031,88 @@
       </p:grpSpPr>
       <p:sp>
         <p:nvSpPr>
+          <p:cNvPr id="2" name="Content Placeholder 1">
+            <a:extLst>
+              <a:ext uri="{FF2B5EF4-FFF2-40B4-BE49-F238E27FC236}">
+                <a16:creationId xmlns:a16="http://schemas.microsoft.com/office/drawing/2014/main" id="{06FB0059-A666-4D6A-8EB8-CD2961DB8F94}"/>
+              </a:ext>
+            </a:extLst>
+          </p:cNvPr>
+          <p:cNvSpPr>
+            <a:spLocks noGrp="1"/>
+          </p:cNvSpPr>
+          <p:nvPr>
+            <p:ph idx="1"/>
+          </p:nvPr>
+        </p:nvSpPr>
+        <p:spPr/>
+        <p:txBody>
+          <a:bodyPr/>
+          <a:lstStyle/>
+          <a:p>
+            <a:r>
+              <a:rPr lang="en-US" dirty="0" err="1"/>
+              <a:t>GroupReduce</a:t>
+            </a:r>
+            <a:r>
+              <a:rPr lang="en-US" dirty="0"/>
+              <a:t> is using a </a:t>
+            </a:r>
+            <a:r>
+              <a:rPr lang="en-US" dirty="0" err="1"/>
+              <a:t>HashMap</a:t>
+            </a:r>
+            <a:r>
+              <a:rPr lang="en-US" dirty="0"/>
+              <a:t> to store &lt;id, frequency&gt; </a:t>
+            </a:r>
+            <a:r>
+              <a:rPr lang="en-US" dirty="0">
+                <a:sym typeface="Wingdings" panose="05000000000000000000" pitchFamily="2" charset="2"/>
+              </a:rPr>
+              <a:t> domain is too big for the memory (solved by changing </a:t>
+            </a:r>
+            <a:r>
+              <a:rPr lang="en-US" dirty="0" err="1">
+                <a:sym typeface="Wingdings" panose="05000000000000000000" pitchFamily="2" charset="2"/>
+              </a:rPr>
+              <a:t>Flink</a:t>
+            </a:r>
+            <a:r>
+              <a:rPr lang="en-US" dirty="0">
+                <a:sym typeface="Wingdings" panose="05000000000000000000" pitchFamily="2" charset="2"/>
+              </a:rPr>
+              <a:t> configuration)</a:t>
+            </a:r>
+          </a:p>
+          <a:p>
+            <a:r>
+              <a:rPr lang="en-US" dirty="0">
+                <a:sym typeface="Wingdings" panose="05000000000000000000" pitchFamily="2" charset="2"/>
+              </a:rPr>
+              <a:t>Increasing Heap Size  </a:t>
+            </a:r>
+            <a:r>
+              <a:rPr lang="en-US" dirty="0" err="1">
+                <a:sym typeface="Wingdings" panose="05000000000000000000" pitchFamily="2" charset="2"/>
+              </a:rPr>
+              <a:t>akka</a:t>
+            </a:r>
+            <a:r>
+              <a:rPr lang="en-US" dirty="0">
+                <a:sym typeface="Wingdings" panose="05000000000000000000" pitchFamily="2" charset="2"/>
+              </a:rPr>
+              <a:t> timeout error due to Garbage Collection taking too much time</a:t>
+            </a:r>
+          </a:p>
+        </p:txBody>
+      </p:sp>
+      <p:sp>
+        <p:nvSpPr>
           <p:cNvPr id="3" name="Title 2">
             <a:extLst>
               <a:ext uri="{FF2B5EF4-FFF2-40B4-BE49-F238E27FC236}">
-                <a16:creationId xmlns:a16="http://schemas.microsoft.com/office/drawing/2014/main" id="{6AFD4EB5-1CA4-46BD-B0E4-55547CF48D95}"/>
+                <a16:creationId xmlns:a16="http://schemas.microsoft.com/office/drawing/2014/main" id="{F2EB3297-52E0-4052-9368-1B6683A077E1}"/>
               </a:ext>
             </a:extLst>
           </p:cNvPr>
@@ -7080,16 +10128,238 @@
           <a:bodyPr/>
           <a:lstStyle/>
           <a:p>
-            <a:endParaRPr lang="en-US"/>
+            <a:r>
+              <a:rPr lang="en-US" dirty="0" err="1"/>
+              <a:t>OutOfMemory</a:t>
+            </a:r>
+            <a:r>
+              <a:rPr lang="en-US" dirty="0"/>
+              <a:t> and </a:t>
+            </a:r>
+            <a:r>
+              <a:rPr lang="en-US" dirty="0" err="1"/>
+              <a:t>akka</a:t>
+            </a:r>
+            <a:r>
+              <a:rPr lang="en-US" dirty="0"/>
+              <a:t> Timeout Error</a:t>
+            </a:r>
           </a:p>
         </p:txBody>
       </p:sp>
+      <p:grpSp>
+        <p:nvGrpSpPr>
+          <p:cNvPr id="7" name="Group 6">
+            <a:extLst>
+              <a:ext uri="{FF2B5EF4-FFF2-40B4-BE49-F238E27FC236}">
+                <a16:creationId xmlns:a16="http://schemas.microsoft.com/office/drawing/2014/main" id="{919BFBDE-4B57-44A6-AA22-74A160620110}"/>
+              </a:ext>
+            </a:extLst>
+          </p:cNvPr>
+          <p:cNvGrpSpPr/>
+          <p:nvPr/>
+        </p:nvGrpSpPr>
+        <p:grpSpPr>
+          <a:xfrm>
+            <a:off x="916650" y="3036239"/>
+            <a:ext cx="6858000" cy="3048000"/>
+            <a:chOff x="990600" y="2251315"/>
+            <a:chExt cx="6858000" cy="3048000"/>
+          </a:xfrm>
+        </p:grpSpPr>
+        <p:grpSp>
+          <p:nvGrpSpPr>
+            <p:cNvPr id="9" name="Group 8">
+              <a:extLst>
+                <a:ext uri="{FF2B5EF4-FFF2-40B4-BE49-F238E27FC236}">
+                  <a16:creationId xmlns:a16="http://schemas.microsoft.com/office/drawing/2014/main" id="{E0149047-6677-45B2-A459-48455D965E69}"/>
+                </a:ext>
+              </a:extLst>
+            </p:cNvPr>
+            <p:cNvGrpSpPr/>
+            <p:nvPr/>
+          </p:nvGrpSpPr>
+          <p:grpSpPr>
+            <a:xfrm>
+              <a:off x="990600" y="2251315"/>
+              <a:ext cx="6858000" cy="3048000"/>
+              <a:chOff x="990600" y="2590800"/>
+              <a:chExt cx="6858000" cy="3048000"/>
+            </a:xfrm>
+          </p:grpSpPr>
+          <p:pic>
+            <p:nvPicPr>
+              <p:cNvPr id="4" name="Picture 3">
+                <a:extLst>
+                  <a:ext uri="{FF2B5EF4-FFF2-40B4-BE49-F238E27FC236}">
+                    <a16:creationId xmlns:a16="http://schemas.microsoft.com/office/drawing/2014/main" id="{D79D9F2C-68CB-4412-92AB-592FB6255CA4}"/>
+                  </a:ext>
+                </a:extLst>
+              </p:cNvPr>
+              <p:cNvPicPr>
+                <a:picLocks noChangeAspect="1"/>
+              </p:cNvPicPr>
+              <p:nvPr/>
+            </p:nvPicPr>
+            <p:blipFill>
+              <a:blip r:embed="rId2"/>
+              <a:stretch>
+                <a:fillRect/>
+              </a:stretch>
+            </p:blipFill>
+            <p:spPr>
+              <a:xfrm>
+                <a:off x="1214415" y="2590800"/>
+                <a:ext cx="6381750" cy="2438400"/>
+              </a:xfrm>
+              <a:prstGeom prst="rect">
+                <a:avLst/>
+              </a:prstGeom>
+            </p:spPr>
+          </p:pic>
+          <p:sp>
+            <p:nvSpPr>
+              <p:cNvPr id="5" name="Rectangle 4">
+                <a:extLst>
+                  <a:ext uri="{FF2B5EF4-FFF2-40B4-BE49-F238E27FC236}">
+                    <a16:creationId xmlns:a16="http://schemas.microsoft.com/office/drawing/2014/main" id="{DC22F6A9-5B22-415D-8309-766D5F78B7F1}"/>
+                  </a:ext>
+                </a:extLst>
+              </p:cNvPr>
+              <p:cNvSpPr/>
+              <p:nvPr/>
+            </p:nvSpPr>
+            <p:spPr>
+              <a:xfrm>
+                <a:off x="990600" y="4495800"/>
+                <a:ext cx="6858000" cy="1143000"/>
+              </a:xfrm>
+              <a:prstGeom prst="rect">
+                <a:avLst/>
+              </a:prstGeom>
+              <a:noFill/>
+              <a:ln>
+                <a:solidFill>
+                  <a:srgbClr val="FF0000"/>
+                </a:solidFill>
+              </a:ln>
+            </p:spPr>
+            <p:style>
+              <a:lnRef idx="2">
+                <a:schemeClr val="accent6"/>
+              </a:lnRef>
+              <a:fillRef idx="1">
+                <a:schemeClr val="lt1"/>
+              </a:fillRef>
+              <a:effectRef idx="0">
+                <a:schemeClr val="accent6"/>
+              </a:effectRef>
+              <a:fontRef idx="minor">
+                <a:schemeClr val="dk1"/>
+              </a:fontRef>
+            </p:style>
+            <p:txBody>
+              <a:bodyPr rtlCol="0" anchor="ctr"/>
+              <a:lstStyle/>
+              <a:p>
+                <a:pPr algn="ctr"/>
+                <a:endParaRPr lang="en-US" dirty="0">
+                  <a:solidFill>
+                    <a:schemeClr val="tx1"/>
+                  </a:solidFill>
+                </a:endParaRPr>
+              </a:p>
+            </p:txBody>
+          </p:sp>
+          <p:sp>
+            <p:nvSpPr>
+              <p:cNvPr id="6" name="TextBox 5">
+                <a:extLst>
+                  <a:ext uri="{FF2B5EF4-FFF2-40B4-BE49-F238E27FC236}">
+                    <a16:creationId xmlns:a16="http://schemas.microsoft.com/office/drawing/2014/main" id="{57B8FE31-C680-4336-84E2-F4334C39BDC4}"/>
+                  </a:ext>
+                </a:extLst>
+              </p:cNvPr>
+              <p:cNvSpPr txBox="1"/>
+              <p:nvPr/>
+            </p:nvSpPr>
+            <p:spPr>
+              <a:xfrm>
+                <a:off x="3581400" y="5204103"/>
+                <a:ext cx="1383712" cy="369332"/>
+              </a:xfrm>
+              <a:prstGeom prst="rect">
+                <a:avLst/>
+              </a:prstGeom>
+              <a:noFill/>
+            </p:spPr>
+            <p:txBody>
+              <a:bodyPr wrap="none" rtlCol="0">
+                <a:spAutoFit/>
+              </a:bodyPr>
+              <a:lstStyle/>
+              <a:p>
+                <a:r>
+                  <a:rPr lang="en-US" dirty="0">
+                    <a:latin typeface="Verdana" panose="020B0604030504040204" pitchFamily="34" charset="0"/>
+                    <a:ea typeface="Verdana" panose="020B0604030504040204" pitchFamily="34" charset="0"/>
+                    <a:cs typeface="Verdana" panose="020B0604030504040204" pitchFamily="34" charset="0"/>
+                  </a:rPr>
+                  <a:t>Frequency</a:t>
+                </a:r>
+              </a:p>
+            </p:txBody>
+          </p:sp>
+        </p:grpSp>
+        <p:cxnSp>
+          <p:nvCxnSpPr>
+            <p:cNvPr id="8" name="Straight Arrow Connector 7">
+              <a:extLst>
+                <a:ext uri="{FF2B5EF4-FFF2-40B4-BE49-F238E27FC236}">
+                  <a16:creationId xmlns:a16="http://schemas.microsoft.com/office/drawing/2014/main" id="{7CE14DED-FE3B-4293-BBB5-4306DC311ADA}"/>
+                </a:ext>
+              </a:extLst>
+            </p:cNvPr>
+            <p:cNvCxnSpPr/>
+            <p:nvPr/>
+          </p:nvCxnSpPr>
+          <p:spPr>
+            <a:xfrm>
+              <a:off x="4267200" y="4645524"/>
+              <a:ext cx="0" cy="219094"/>
+            </a:xfrm>
+            <a:prstGeom prst="straightConnector1">
+              <a:avLst/>
+            </a:prstGeom>
+            <a:ln>
+              <a:solidFill>
+                <a:srgbClr val="FF0000"/>
+              </a:solidFill>
+              <a:tailEnd type="triangle"/>
+            </a:ln>
+          </p:spPr>
+          <p:style>
+            <a:lnRef idx="1">
+              <a:schemeClr val="accent1"/>
+            </a:lnRef>
+            <a:fillRef idx="0">
+              <a:schemeClr val="accent1"/>
+            </a:fillRef>
+            <a:effectRef idx="0">
+              <a:schemeClr val="accent1"/>
+            </a:effectRef>
+            <a:fontRef idx="minor">
+              <a:schemeClr val="tx1"/>
+            </a:fontRef>
+          </p:style>
+        </p:cxnSp>
+      </p:grpSp>
       <p:sp>
         <p:nvSpPr>
-          <p:cNvPr id="4" name="TextBox 3">
+          <p:cNvPr id="10" name="TextBox 9">
             <a:extLst>
               <a:ext uri="{FF2B5EF4-FFF2-40B4-BE49-F238E27FC236}">
-                <a16:creationId xmlns:a16="http://schemas.microsoft.com/office/drawing/2014/main" id="{56004B33-B37F-4D26-A309-3B87B9E08802}"/>
+                <a16:creationId xmlns:a16="http://schemas.microsoft.com/office/drawing/2014/main" id="{2DE492B6-45BF-4458-9460-25E237F29227}"/>
               </a:ext>
             </a:extLst>
           </p:cNvPr>
@@ -7098,8 +10368,8 @@
         </p:nvSpPr>
         <p:spPr>
           <a:xfrm>
-            <a:off x="3124200" y="2819400"/>
-            <a:ext cx="2643672" cy="707886"/>
+            <a:off x="916650" y="6227133"/>
+            <a:ext cx="1649811" cy="261610"/>
           </a:xfrm>
           <a:prstGeom prst="rect">
             <a:avLst/>
@@ -7113,12 +10383,12 @@
           <a:lstStyle/>
           <a:p>
             <a:r>
-              <a:rPr lang="en-US" sz="4000" dirty="0">
+              <a:rPr lang="en-US" sz="1100" dirty="0">
                 <a:latin typeface="Verdana" panose="020B0604030504040204" pitchFamily="34" charset="0"/>
                 <a:ea typeface="Verdana" panose="020B0604030504040204" pitchFamily="34" charset="0"/>
                 <a:cs typeface="Verdana" panose="020B0604030504040204" pitchFamily="34" charset="0"/>
               </a:rPr>
-              <a:t>Next Plan</a:t>
+              <a:t>Image Source: [1,2]</a:t>
             </a:r>
           </a:p>
         </p:txBody>
@@ -7126,7 +10396,7 @@
     </p:spTree>
     <p:extLst>
       <p:ext uri="{BB962C8B-B14F-4D97-AF65-F5344CB8AC3E}">
-        <p14:creationId xmlns:p14="http://schemas.microsoft.com/office/powerpoint/2010/main" val="3793492948"/>
+        <p14:creationId xmlns:p14="http://schemas.microsoft.com/office/powerpoint/2010/main" val="227228199"/>
       </p:ext>
     </p:extLst>
   </p:cSld>
@@ -7156,44 +10426,214 @@
           <a:chExt cx="0" cy="0"/>
         </a:xfrm>
       </p:grpSpPr>
-      <p:pic>
-        <p:nvPicPr>
-          <p:cNvPr id="5" name="Content Placeholder 4">
+      <p:sp>
+        <p:nvSpPr>
+          <p:cNvPr id="2" name="Content Placeholder 1">
             <a:extLst>
               <a:ext uri="{FF2B5EF4-FFF2-40B4-BE49-F238E27FC236}">
-                <a16:creationId xmlns:a16="http://schemas.microsoft.com/office/drawing/2014/main" id="{48DFE44A-A547-4163-89B3-FBCEA725C530}"/>
+                <a16:creationId xmlns:a16="http://schemas.microsoft.com/office/drawing/2014/main" id="{CB7B38D6-4101-453D-AD75-E998893E0FE9}"/>
               </a:ext>
             </a:extLst>
           </p:cNvPr>
-          <p:cNvPicPr>
-            <a:picLocks noGrp="1" noChangeAspect="1"/>
-          </p:cNvPicPr>
+          <p:cNvSpPr>
+            <a:spLocks noGrp="1"/>
+          </p:cNvSpPr>
           <p:nvPr>
             <p:ph idx="1"/>
           </p:nvPr>
-        </p:nvPicPr>
-        <p:blipFill>
-          <a:blip r:embed="rId2"/>
-          <a:stretch>
-            <a:fillRect/>
-          </a:stretch>
-        </p:blipFill>
-        <p:spPr>
-          <a:xfrm>
-            <a:off x="35312" y="1752600"/>
-            <a:ext cx="9043654" cy="3252788"/>
-          </a:xfrm>
-          <a:prstGeom prst="rect">
-            <a:avLst/>
-          </a:prstGeom>
-        </p:spPr>
-      </p:pic>
+        </p:nvSpPr>
+        <p:spPr/>
+        <p:txBody>
+          <a:bodyPr/>
+          <a:lstStyle/>
+          <a:p>
+            <a:r>
+              <a:rPr lang="en-US" dirty="0" err="1"/>
+              <a:t>TaskManager</a:t>
+            </a:r>
+            <a:r>
+              <a:rPr lang="en-US" dirty="0"/>
+              <a:t> heap size = 49G </a:t>
+            </a:r>
+            <a:r>
+              <a:rPr lang="en-US" dirty="0">
+                <a:sym typeface="Wingdings" panose="05000000000000000000" pitchFamily="2" charset="2"/>
+              </a:rPr>
+              <a:t></a:t>
+            </a:r>
+            <a:r>
+              <a:rPr lang="en-US" dirty="0"/>
+              <a:t> </a:t>
+            </a:r>
+            <a:r>
+              <a:rPr lang="en-US" dirty="0" err="1"/>
+              <a:t>OutOfMemory</a:t>
+            </a:r>
+            <a:r>
+              <a:rPr lang="en-US" dirty="0"/>
+              <a:t> exception</a:t>
+            </a:r>
+          </a:p>
+          <a:p>
+            <a:endParaRPr lang="en-US" dirty="0"/>
+          </a:p>
+          <a:p>
+            <a:r>
+              <a:rPr lang="en-US" dirty="0"/>
+              <a:t>Change </a:t>
+            </a:r>
+            <a:r>
+              <a:rPr lang="en-US" dirty="0" err="1"/>
+              <a:t>taskmanager</a:t>
+            </a:r>
+            <a:r>
+              <a:rPr lang="en-US" dirty="0"/>
+              <a:t> heap size from 49G to 59G </a:t>
+            </a:r>
+            <a:r>
+              <a:rPr lang="en-US" dirty="0">
+                <a:sym typeface="Wingdings" panose="05000000000000000000" pitchFamily="2" charset="2"/>
+              </a:rPr>
+              <a:t></a:t>
+            </a:r>
+            <a:r>
+              <a:rPr lang="en-US" dirty="0"/>
+              <a:t> </a:t>
+            </a:r>
+            <a:r>
+              <a:rPr lang="en-US" dirty="0" err="1"/>
+              <a:t>TaskManager</a:t>
+            </a:r>
+            <a:r>
+              <a:rPr lang="en-US" dirty="0"/>
+              <a:t> was killed/lost</a:t>
+            </a:r>
+          </a:p>
+          <a:p>
+            <a:endParaRPr lang="en-US" dirty="0"/>
+          </a:p>
+          <a:p>
+            <a:r>
+              <a:rPr lang="en-US" dirty="0" err="1"/>
+              <a:t>TaskManager</a:t>
+            </a:r>
+            <a:r>
+              <a:rPr lang="en-US" dirty="0"/>
+              <a:t> heap size 59G, increase </a:t>
+            </a:r>
+            <a:r>
+              <a:rPr lang="en-US" dirty="0" err="1"/>
+              <a:t>akka</a:t>
+            </a:r>
+            <a:r>
+              <a:rPr lang="en-US" dirty="0"/>
+              <a:t> time out from 600s to 6000s, </a:t>
+            </a:r>
+            <a:r>
+              <a:rPr lang="en-US" dirty="0" err="1"/>
+              <a:t>akka.lookup.timeout</a:t>
+            </a:r>
+            <a:r>
+              <a:rPr lang="en-US" dirty="0"/>
+              <a:t> from 100s to 1000s </a:t>
+            </a:r>
+            <a:r>
+              <a:rPr lang="en-US" dirty="0">
+                <a:sym typeface="Wingdings" panose="05000000000000000000" pitchFamily="2" charset="2"/>
+              </a:rPr>
+              <a:t></a:t>
+            </a:r>
+            <a:r>
+              <a:rPr lang="en-US" dirty="0"/>
+              <a:t> get back to </a:t>
+            </a:r>
+            <a:r>
+              <a:rPr lang="en-US" dirty="0" err="1"/>
+              <a:t>OutOfMemory</a:t>
+            </a:r>
+            <a:r>
+              <a:rPr lang="en-US" dirty="0"/>
+              <a:t> error</a:t>
+            </a:r>
+          </a:p>
+          <a:p>
+            <a:endParaRPr lang="en-US" dirty="0"/>
+          </a:p>
+          <a:p>
+            <a:r>
+              <a:rPr lang="en-US" dirty="0"/>
+              <a:t>Decrease </a:t>
+            </a:r>
+            <a:r>
+              <a:rPr lang="en-US" dirty="0" err="1"/>
+              <a:t>TaskManager</a:t>
+            </a:r>
+            <a:r>
+              <a:rPr lang="en-US" dirty="0"/>
+              <a:t> memory size to 40G </a:t>
+            </a:r>
+            <a:r>
+              <a:rPr lang="en-US" dirty="0">
+                <a:sym typeface="Wingdings" panose="05000000000000000000" pitchFamily="2" charset="2"/>
+              </a:rPr>
+              <a:t></a:t>
+            </a:r>
+            <a:r>
+              <a:rPr lang="en-US" dirty="0"/>
+              <a:t> </a:t>
+            </a:r>
+            <a:r>
+              <a:rPr lang="en-US" dirty="0" err="1"/>
+              <a:t>TaskManager</a:t>
+            </a:r>
+            <a:r>
+              <a:rPr lang="en-US" dirty="0"/>
+              <a:t> was killed/lost error again</a:t>
+            </a:r>
+          </a:p>
+          <a:p>
+            <a:endParaRPr lang="en-US" dirty="0"/>
+          </a:p>
+          <a:p>
+            <a:r>
+              <a:rPr lang="en-US" dirty="0"/>
+              <a:t>Decrease </a:t>
+            </a:r>
+            <a:r>
+              <a:rPr lang="en-US" dirty="0" err="1"/>
+              <a:t>TaskManager</a:t>
+            </a:r>
+            <a:r>
+              <a:rPr lang="en-US" dirty="0"/>
+              <a:t> Memory size to 35G </a:t>
+            </a:r>
+            <a:r>
+              <a:rPr lang="en-US" dirty="0">
+                <a:sym typeface="Wingdings" panose="05000000000000000000" pitchFamily="2" charset="2"/>
+              </a:rPr>
+              <a:t></a:t>
+            </a:r>
+            <a:r>
+              <a:rPr lang="en-US" dirty="0"/>
+              <a:t> </a:t>
+            </a:r>
+            <a:r>
+              <a:rPr lang="en-US" dirty="0" err="1"/>
+              <a:t>TaskManager</a:t>
+            </a:r>
+            <a:r>
+              <a:rPr lang="en-US" dirty="0"/>
+              <a:t> was killed/lost error</a:t>
+            </a:r>
+          </a:p>
+        </p:txBody>
+      </p:sp>
       <p:sp>
         <p:nvSpPr>
           <p:cNvPr id="3" name="Title 2">
             <a:extLst>
               <a:ext uri="{FF2B5EF4-FFF2-40B4-BE49-F238E27FC236}">
-                <a16:creationId xmlns:a16="http://schemas.microsoft.com/office/drawing/2014/main" id="{43F34B70-68B3-49E0-9F64-8F523EEDC03A}"/>
+                <a16:creationId xmlns:a16="http://schemas.microsoft.com/office/drawing/2014/main" id="{DF8D6332-F616-49DC-A8C6-77A24CE27ACB}"/>
               </a:ext>
             </a:extLst>
           </p:cNvPr>
@@ -7210,8 +10650,12 @@
           <a:lstStyle/>
           <a:p>
             <a:r>
-              <a:rPr lang="en-US" dirty="0"/>
-              <a:t>Timeline</a:t>
+              <a:rPr lang="en-US" dirty="0" err="1"/>
+              <a:t>OutOfMemory</a:t>
+            </a:r>
+            <a:r>
+              <a:rPr lang="en-US" dirty="0"/>
+              <a:t> and AKKA Timeout Error (2)</a:t>
             </a:r>
           </a:p>
         </p:txBody>
@@ -7219,7 +10663,7 @@
     </p:spTree>
     <p:extLst>
       <p:ext uri="{BB962C8B-B14F-4D97-AF65-F5344CB8AC3E}">
-        <p14:creationId xmlns:p14="http://schemas.microsoft.com/office/powerpoint/2010/main" val="4198547330"/>
+        <p14:creationId xmlns:p14="http://schemas.microsoft.com/office/powerpoint/2010/main" val="2374618468"/>
       </p:ext>
     </p:extLst>
   </p:cSld>
@@ -7370,6 +10814,504 @@
           <p:cNvPr id="2" name="Content Placeholder 1">
             <a:extLst>
               <a:ext uri="{FF2B5EF4-FFF2-40B4-BE49-F238E27FC236}">
+                <a16:creationId xmlns:a16="http://schemas.microsoft.com/office/drawing/2014/main" id="{A0950D25-1A6C-4FE4-9620-267C1946F68F}"/>
+              </a:ext>
+            </a:extLst>
+          </p:cNvPr>
+          <p:cNvSpPr>
+            <a:spLocks noGrp="1"/>
+          </p:cNvSpPr>
+          <p:nvPr>
+            <p:ph idx="1"/>
+          </p:nvPr>
+        </p:nvSpPr>
+        <p:spPr/>
+        <p:txBody>
+          <a:bodyPr/>
+          <a:lstStyle/>
+          <a:p>
+            <a:r>
+              <a:rPr lang="en-US" dirty="0"/>
+              <a:t>Reading the paper and understanding the algorithm from it was hard.</a:t>
+            </a:r>
+          </a:p>
+          <a:p>
+            <a:pPr lvl="1"/>
+            <a:r>
+              <a:rPr lang="en-US" dirty="0"/>
+              <a:t>Many mathematical notation</a:t>
+            </a:r>
+          </a:p>
+          <a:p>
+            <a:pPr lvl="1"/>
+            <a:r>
+              <a:rPr lang="en-US" dirty="0"/>
+              <a:t>Sometimes the explanation is not very clear</a:t>
+            </a:r>
+          </a:p>
+          <a:p>
+            <a:pPr lvl="1"/>
+            <a:r>
+              <a:rPr lang="en-US" dirty="0"/>
+              <a:t>Cannot directly implement the algorithm in </a:t>
+            </a:r>
+            <a:r>
+              <a:rPr lang="en-US" dirty="0" err="1"/>
+              <a:t>Flink</a:t>
+            </a:r>
+            <a:endParaRPr lang="en-US" dirty="0"/>
+          </a:p>
+          <a:p>
+            <a:endParaRPr lang="en-US" dirty="0"/>
+          </a:p>
+          <a:p>
+            <a:r>
+              <a:rPr lang="en-US" dirty="0"/>
+              <a:t>Plan to deal with the problem:</a:t>
+            </a:r>
+          </a:p>
+          <a:p>
+            <a:pPr lvl="1"/>
+            <a:r>
+              <a:rPr lang="en-US" dirty="0"/>
+              <a:t>Search for another source to help </a:t>
+            </a:r>
+            <a:r>
+              <a:rPr lang="en-US" dirty="0">
+                <a:sym typeface="Wingdings" panose="05000000000000000000" pitchFamily="2" charset="2"/>
+              </a:rPr>
+              <a:t> we have obtained a slides from the same author that explains the implementation</a:t>
+            </a:r>
+          </a:p>
+          <a:p>
+            <a:pPr lvl="1"/>
+            <a:r>
+              <a:rPr lang="en-US" dirty="0">
+                <a:sym typeface="Wingdings" panose="05000000000000000000" pitchFamily="2" charset="2"/>
+              </a:rPr>
+              <a:t>Search for the implementation source code  we have obtained the research implementation source code in MR</a:t>
+            </a:r>
+            <a:endParaRPr lang="en-US" dirty="0"/>
+          </a:p>
+          <a:p>
+            <a:endParaRPr lang="en-US" dirty="0"/>
+          </a:p>
+          <a:p>
+            <a:endParaRPr lang="en-US" dirty="0"/>
+          </a:p>
+        </p:txBody>
+      </p:sp>
+      <p:sp>
+        <p:nvSpPr>
+          <p:cNvPr id="3" name="Title 2">
+            <a:extLst>
+              <a:ext uri="{FF2B5EF4-FFF2-40B4-BE49-F238E27FC236}">
+                <a16:creationId xmlns:a16="http://schemas.microsoft.com/office/drawing/2014/main" id="{B6100E23-F143-472C-BAE2-D2C19A377466}"/>
+              </a:ext>
+            </a:extLst>
+          </p:cNvPr>
+          <p:cNvSpPr>
+            <a:spLocks noGrp="1"/>
+          </p:cNvSpPr>
+          <p:nvPr>
+            <p:ph type="title"/>
+          </p:nvPr>
+        </p:nvSpPr>
+        <p:spPr/>
+        <p:txBody>
+          <a:bodyPr/>
+          <a:lstStyle/>
+          <a:p>
+            <a:r>
+              <a:rPr lang="en-US" dirty="0"/>
+              <a:t>Implementing the algorithm</a:t>
+            </a:r>
+          </a:p>
+        </p:txBody>
+      </p:sp>
+    </p:spTree>
+    <p:extLst>
+      <p:ext uri="{BB962C8B-B14F-4D97-AF65-F5344CB8AC3E}">
+        <p14:creationId xmlns:p14="http://schemas.microsoft.com/office/powerpoint/2010/main" val="3636921440"/>
+      </p:ext>
+    </p:extLst>
+  </p:cSld>
+  <p:clrMapOvr>
+    <a:masterClrMapping/>
+  </p:clrMapOvr>
+  <p:transition>
+    <p:fade thruBlk="1"/>
+  </p:transition>
+</p:sld>
+</file>
+
+<file path=ppt/slides/slide21.xml><?xml version="1.0" encoding="utf-8"?>
+<p:sld xmlns:a="http://schemas.openxmlformats.org/drawingml/2006/main" xmlns:r="http://schemas.openxmlformats.org/officeDocument/2006/relationships" xmlns:p="http://schemas.openxmlformats.org/presentationml/2006/main">
+  <p:cSld>
+    <p:spTree>
+      <p:nvGrpSpPr>
+        <p:cNvPr id="1" name=""/>
+        <p:cNvGrpSpPr/>
+        <p:nvPr/>
+      </p:nvGrpSpPr>
+      <p:grpSpPr>
+        <a:xfrm>
+          <a:off x="0" y="0"/>
+          <a:ext cx="0" cy="0"/>
+          <a:chOff x="0" y="0"/>
+          <a:chExt cx="0" cy="0"/>
+        </a:xfrm>
+      </p:grpSpPr>
+      <p:sp>
+        <p:nvSpPr>
+          <p:cNvPr id="2" name="Content Placeholder 1">
+            <a:extLst>
+              <a:ext uri="{FF2B5EF4-FFF2-40B4-BE49-F238E27FC236}">
+                <a16:creationId xmlns:a16="http://schemas.microsoft.com/office/drawing/2014/main" id="{7C7C643F-2D5E-4A39-AD01-FF40A82A15C3}"/>
+              </a:ext>
+            </a:extLst>
+          </p:cNvPr>
+          <p:cNvSpPr>
+            <a:spLocks noGrp="1"/>
+          </p:cNvSpPr>
+          <p:nvPr>
+            <p:ph idx="1"/>
+          </p:nvPr>
+        </p:nvSpPr>
+        <p:spPr/>
+        <p:txBody>
+          <a:bodyPr/>
+          <a:lstStyle/>
+          <a:p>
+            <a:r>
+              <a:rPr lang="en-US" dirty="0"/>
+              <a:t>First time using </a:t>
+            </a:r>
+            <a:r>
+              <a:rPr lang="en-US" dirty="0" err="1"/>
+              <a:t>Flink</a:t>
+            </a:r>
+            <a:r>
+              <a:rPr lang="en-US" dirty="0"/>
+              <a:t> and cluster to run the experiment</a:t>
+            </a:r>
+          </a:p>
+          <a:p>
+            <a:r>
+              <a:rPr lang="en-US" dirty="0"/>
+              <a:t>Don’t really know from which data the metrics is obtained (</a:t>
+            </a:r>
+            <a:r>
+              <a:rPr lang="en-US" dirty="0" err="1"/>
+              <a:t>Flink</a:t>
+            </a:r>
+            <a:r>
+              <a:rPr lang="en-US" dirty="0"/>
+              <a:t> log / GUI interface / etc.)</a:t>
+            </a:r>
+          </a:p>
+          <a:p>
+            <a:endParaRPr lang="en-US" dirty="0"/>
+          </a:p>
+          <a:p>
+            <a:r>
+              <a:rPr lang="en-US" dirty="0"/>
+              <a:t>Plan to deal with the problem:</a:t>
+            </a:r>
+          </a:p>
+          <a:p>
+            <a:pPr lvl="1"/>
+            <a:r>
+              <a:rPr lang="en-US" dirty="0"/>
+              <a:t>Reading through the </a:t>
+            </a:r>
+            <a:r>
+              <a:rPr lang="en-US" dirty="0" err="1"/>
+              <a:t>Flink</a:t>
+            </a:r>
+            <a:r>
+              <a:rPr lang="en-US" dirty="0"/>
+              <a:t> documentation</a:t>
+            </a:r>
+          </a:p>
+          <a:p>
+            <a:pPr lvl="1"/>
+            <a:r>
+              <a:rPr lang="en-US" dirty="0"/>
+              <a:t>Asking a more experienced </a:t>
+            </a:r>
+            <a:r>
+              <a:rPr lang="en-US" dirty="0" err="1"/>
+              <a:t>Flink</a:t>
+            </a:r>
+            <a:r>
+              <a:rPr lang="en-US" dirty="0"/>
+              <a:t> user</a:t>
+            </a:r>
+          </a:p>
+        </p:txBody>
+      </p:sp>
+      <p:sp>
+        <p:nvSpPr>
+          <p:cNvPr id="3" name="Title 2">
+            <a:extLst>
+              <a:ext uri="{FF2B5EF4-FFF2-40B4-BE49-F238E27FC236}">
+                <a16:creationId xmlns:a16="http://schemas.microsoft.com/office/drawing/2014/main" id="{C95A9B60-317D-4BFA-AB9D-A8FAD951C397}"/>
+              </a:ext>
+            </a:extLst>
+          </p:cNvPr>
+          <p:cNvSpPr>
+            <a:spLocks noGrp="1"/>
+          </p:cNvSpPr>
+          <p:nvPr>
+            <p:ph type="title"/>
+          </p:nvPr>
+        </p:nvSpPr>
+        <p:spPr/>
+        <p:txBody>
+          <a:bodyPr/>
+          <a:lstStyle/>
+          <a:p>
+            <a:r>
+              <a:rPr lang="en-US" dirty="0"/>
+              <a:t>Getting the Metrics from </a:t>
+            </a:r>
+            <a:r>
+              <a:rPr lang="en-US" dirty="0" err="1"/>
+              <a:t>Flink</a:t>
+            </a:r>
+            <a:endParaRPr lang="en-US" dirty="0"/>
+          </a:p>
+        </p:txBody>
+      </p:sp>
+    </p:spTree>
+    <p:extLst>
+      <p:ext uri="{BB962C8B-B14F-4D97-AF65-F5344CB8AC3E}">
+        <p14:creationId xmlns:p14="http://schemas.microsoft.com/office/powerpoint/2010/main" val="3509194077"/>
+      </p:ext>
+    </p:extLst>
+  </p:cSld>
+  <p:clrMapOvr>
+    <a:masterClrMapping/>
+  </p:clrMapOvr>
+  <p:transition>
+    <p:fade thruBlk="1"/>
+  </p:transition>
+</p:sld>
+</file>
+
+<file path=ppt/slides/slide22.xml><?xml version="1.0" encoding="utf-8"?>
+<p:sld xmlns:a="http://schemas.openxmlformats.org/drawingml/2006/main" xmlns:r="http://schemas.openxmlformats.org/officeDocument/2006/relationships" xmlns:p="http://schemas.openxmlformats.org/presentationml/2006/main">
+  <p:cSld>
+    <p:spTree>
+      <p:nvGrpSpPr>
+        <p:cNvPr id="1" name=""/>
+        <p:cNvGrpSpPr/>
+        <p:nvPr/>
+      </p:nvGrpSpPr>
+      <p:grpSpPr>
+        <a:xfrm>
+          <a:off x="0" y="0"/>
+          <a:ext cx="0" cy="0"/>
+          <a:chOff x="0" y="0"/>
+          <a:chExt cx="0" cy="0"/>
+        </a:xfrm>
+      </p:grpSpPr>
+      <p:sp>
+        <p:nvSpPr>
+          <p:cNvPr id="3" name="Title 2">
+            <a:extLst>
+              <a:ext uri="{FF2B5EF4-FFF2-40B4-BE49-F238E27FC236}">
+                <a16:creationId xmlns:a16="http://schemas.microsoft.com/office/drawing/2014/main" id="{6AFD4EB5-1CA4-46BD-B0E4-55547CF48D95}"/>
+              </a:ext>
+            </a:extLst>
+          </p:cNvPr>
+          <p:cNvSpPr>
+            <a:spLocks noGrp="1"/>
+          </p:cNvSpPr>
+          <p:nvPr>
+            <p:ph type="title"/>
+          </p:nvPr>
+        </p:nvSpPr>
+        <p:spPr/>
+        <p:txBody>
+          <a:bodyPr/>
+          <a:lstStyle/>
+          <a:p>
+            <a:endParaRPr lang="en-US"/>
+          </a:p>
+        </p:txBody>
+      </p:sp>
+      <p:sp>
+        <p:nvSpPr>
+          <p:cNvPr id="4" name="TextBox 3">
+            <a:extLst>
+              <a:ext uri="{FF2B5EF4-FFF2-40B4-BE49-F238E27FC236}">
+                <a16:creationId xmlns:a16="http://schemas.microsoft.com/office/drawing/2014/main" id="{56004B33-B37F-4D26-A309-3B87B9E08802}"/>
+              </a:ext>
+            </a:extLst>
+          </p:cNvPr>
+          <p:cNvSpPr txBox="1"/>
+          <p:nvPr/>
+        </p:nvSpPr>
+        <p:spPr>
+          <a:xfrm>
+            <a:off x="3124200" y="2819400"/>
+            <a:ext cx="2643672" cy="707886"/>
+          </a:xfrm>
+          <a:prstGeom prst="rect">
+            <a:avLst/>
+          </a:prstGeom>
+          <a:noFill/>
+        </p:spPr>
+        <p:txBody>
+          <a:bodyPr wrap="none" rtlCol="0">
+            <a:spAutoFit/>
+          </a:bodyPr>
+          <a:lstStyle/>
+          <a:p>
+            <a:r>
+              <a:rPr lang="en-US" sz="4000" dirty="0">
+                <a:latin typeface="Verdana" panose="020B0604030504040204" pitchFamily="34" charset="0"/>
+                <a:ea typeface="Verdana" panose="020B0604030504040204" pitchFamily="34" charset="0"/>
+                <a:cs typeface="Verdana" panose="020B0604030504040204" pitchFamily="34" charset="0"/>
+              </a:rPr>
+              <a:t>Next Plan</a:t>
+            </a:r>
+          </a:p>
+        </p:txBody>
+      </p:sp>
+    </p:spTree>
+    <p:extLst>
+      <p:ext uri="{BB962C8B-B14F-4D97-AF65-F5344CB8AC3E}">
+        <p14:creationId xmlns:p14="http://schemas.microsoft.com/office/powerpoint/2010/main" val="3793492948"/>
+      </p:ext>
+    </p:extLst>
+  </p:cSld>
+  <p:clrMapOvr>
+    <a:masterClrMapping/>
+  </p:clrMapOvr>
+  <p:transition>
+    <p:fade thruBlk="1"/>
+  </p:transition>
+</p:sld>
+</file>
+
+<file path=ppt/slides/slide23.xml><?xml version="1.0" encoding="utf-8"?>
+<p:sld xmlns:a="http://schemas.openxmlformats.org/drawingml/2006/main" xmlns:r="http://schemas.openxmlformats.org/officeDocument/2006/relationships" xmlns:p="http://schemas.openxmlformats.org/presentationml/2006/main">
+  <p:cSld>
+    <p:spTree>
+      <p:nvGrpSpPr>
+        <p:cNvPr id="1" name=""/>
+        <p:cNvGrpSpPr/>
+        <p:nvPr/>
+      </p:nvGrpSpPr>
+      <p:grpSpPr>
+        <a:xfrm>
+          <a:off x="0" y="0"/>
+          <a:ext cx="0" cy="0"/>
+          <a:chOff x="0" y="0"/>
+          <a:chExt cx="0" cy="0"/>
+        </a:xfrm>
+      </p:grpSpPr>
+      <p:pic>
+        <p:nvPicPr>
+          <p:cNvPr id="5" name="Content Placeholder 4">
+            <a:extLst>
+              <a:ext uri="{FF2B5EF4-FFF2-40B4-BE49-F238E27FC236}">
+                <a16:creationId xmlns:a16="http://schemas.microsoft.com/office/drawing/2014/main" id="{48DFE44A-A547-4163-89B3-FBCEA725C530}"/>
+              </a:ext>
+            </a:extLst>
+          </p:cNvPr>
+          <p:cNvPicPr>
+            <a:picLocks noGrp="1" noChangeAspect="1"/>
+          </p:cNvPicPr>
+          <p:nvPr>
+            <p:ph idx="1"/>
+          </p:nvPr>
+        </p:nvPicPr>
+        <p:blipFill>
+          <a:blip r:embed="rId2"/>
+          <a:stretch>
+            <a:fillRect/>
+          </a:stretch>
+        </p:blipFill>
+        <p:spPr>
+          <a:xfrm>
+            <a:off x="35312" y="1752600"/>
+            <a:ext cx="9043654" cy="3252788"/>
+          </a:xfrm>
+          <a:prstGeom prst="rect">
+            <a:avLst/>
+          </a:prstGeom>
+        </p:spPr>
+      </p:pic>
+      <p:sp>
+        <p:nvSpPr>
+          <p:cNvPr id="3" name="Title 2">
+            <a:extLst>
+              <a:ext uri="{FF2B5EF4-FFF2-40B4-BE49-F238E27FC236}">
+                <a16:creationId xmlns:a16="http://schemas.microsoft.com/office/drawing/2014/main" id="{43F34B70-68B3-49E0-9F64-8F523EEDC03A}"/>
+              </a:ext>
+            </a:extLst>
+          </p:cNvPr>
+          <p:cNvSpPr>
+            <a:spLocks noGrp="1"/>
+          </p:cNvSpPr>
+          <p:nvPr>
+            <p:ph type="title"/>
+          </p:nvPr>
+        </p:nvSpPr>
+        <p:spPr/>
+        <p:txBody>
+          <a:bodyPr/>
+          <a:lstStyle/>
+          <a:p>
+            <a:r>
+              <a:rPr lang="en-US" dirty="0"/>
+              <a:t>Timeline</a:t>
+            </a:r>
+          </a:p>
+        </p:txBody>
+      </p:sp>
+    </p:spTree>
+    <p:extLst>
+      <p:ext uri="{BB962C8B-B14F-4D97-AF65-F5344CB8AC3E}">
+        <p14:creationId xmlns:p14="http://schemas.microsoft.com/office/powerpoint/2010/main" val="4198547330"/>
+      </p:ext>
+    </p:extLst>
+  </p:cSld>
+  <p:clrMapOvr>
+    <a:masterClrMapping/>
+  </p:clrMapOvr>
+  <p:transition>
+    <p:fade thruBlk="1"/>
+  </p:transition>
+</p:sld>
+</file>
+
+<file path=ppt/slides/slide24.xml><?xml version="1.0" encoding="utf-8"?>
+<p:sld xmlns:a="http://schemas.openxmlformats.org/drawingml/2006/main" xmlns:r="http://schemas.openxmlformats.org/officeDocument/2006/relationships" xmlns:p="http://schemas.openxmlformats.org/presentationml/2006/main">
+  <p:cSld>
+    <p:spTree>
+      <p:nvGrpSpPr>
+        <p:cNvPr id="1" name=""/>
+        <p:cNvGrpSpPr/>
+        <p:nvPr/>
+      </p:nvGrpSpPr>
+      <p:grpSpPr>
+        <a:xfrm>
+          <a:off x="0" y="0"/>
+          <a:ext cx="0" cy="0"/>
+          <a:chOff x="0" y="0"/>
+          <a:chExt cx="0" cy="0"/>
+        </a:xfrm>
+      </p:grpSpPr>
+      <p:sp>
+        <p:nvSpPr>
+          <p:cNvPr id="2" name="Content Placeholder 1">
+            <a:extLst>
+              <a:ext uri="{FF2B5EF4-FFF2-40B4-BE49-F238E27FC236}">
                 <a16:creationId xmlns:a16="http://schemas.microsoft.com/office/drawing/2014/main" id="{0D748561-D7F2-4DA8-82DD-EDD05A411B1A}"/>
               </a:ext>
             </a:extLst>
@@ -7680,36 +11622,19 @@
           <a:p>
             <a:r>
               <a:rPr lang="en-US" dirty="0"/>
-              <a:t>A widely accepted and utilized summarization tools.</a:t>
-            </a:r>
-          </a:p>
-          <a:p>
-            <a:r>
-              <a:rPr lang="en-US" dirty="0"/>
-              <a:t>For an attribute x, domain of the attribute is finite and </a:t>
+              <a:t>Summarization tools</a:t>
+            </a:r>
+          </a:p>
+          <a:p>
+            <a:r>
+              <a:rPr lang="en-US" dirty="0"/>
+              <a:t>Any compact (lossy) representation of </a:t>
             </a:r>
             <a:r>
               <a:rPr lang="en-US" b="1" dirty="0"/>
               <a:t>v</a:t>
             </a:r>
-            <a:r>
-              <a:rPr lang="en-US" dirty="0"/>
-              <a:t>(x) is the frequency vector of x.</a:t>
-            </a:r>
-          </a:p>
-          <a:p>
-            <a:r>
-              <a:rPr lang="en-US" dirty="0"/>
-              <a:t>A histogram is any compact (lossy) representation of </a:t>
-            </a:r>
-            <a:r>
-              <a:rPr lang="en-US" b="1" dirty="0"/>
-              <a:t>v</a:t>
-            </a:r>
-            <a:r>
-              <a:rPr lang="en-US" dirty="0"/>
-              <a:t>.</a:t>
-            </a:r>
+            <a:endParaRPr lang="en-US" dirty="0"/>
           </a:p>
           <a:p>
             <a:pPr lvl="1"/>
@@ -7804,7 +11729,7 @@
         </p:nvGrpSpPr>
         <p:grpSpPr>
           <a:xfrm>
-            <a:off x="838121" y="2312255"/>
+            <a:off x="990600" y="1756415"/>
             <a:ext cx="6247541" cy="3702358"/>
             <a:chOff x="121653" y="1752600"/>
             <a:chExt cx="7007809" cy="4152900"/>
@@ -7825,7 +11750,7 @@
             <p:nvPr/>
           </p:nvPicPr>
           <p:blipFill>
-            <a:blip r:embed="rId2"/>
+            <a:blip r:embed="rId3"/>
             <a:stretch>
               <a:fillRect/>
             </a:stretch>
@@ -8058,32 +11983,24 @@
           <a:lstStyle/>
           <a:p>
             <a:r>
+              <a:rPr lang="en-US" sz="1800" dirty="0" err="1"/>
+              <a:t>Haar</a:t>
+            </a:r>
+            <a:r>
               <a:rPr lang="en-US" sz="1800" dirty="0"/>
-              <a:t>A common choice for a histogram is </a:t>
-            </a:r>
-            <a:r>
-              <a:rPr lang="en-US" sz="1800" i="1" dirty="0" err="1"/>
-              <a:t>Haar</a:t>
-            </a:r>
-            <a:r>
-              <a:rPr lang="en-US" sz="1800" i="1" dirty="0"/>
               <a:t> wavelet histogram</a:t>
             </a:r>
+          </a:p>
+          <a:p>
             <a:r>
               <a:rPr lang="en-US" sz="1800" dirty="0"/>
-              <a:t>.</a:t>
+              <a:t>Recursive approach</a:t>
             </a:r>
           </a:p>
           <a:p>
             <a:r>
               <a:rPr lang="en-US" sz="1800" dirty="0"/>
-              <a:t>Obtain the wavelet coefficients recursively.</a:t>
-            </a:r>
-          </a:p>
-          <a:p>
-            <a:r>
-              <a:rPr lang="en-US" sz="1800" dirty="0"/>
-              <a:t>We can select the top </a:t>
+              <a:t>Top </a:t>
             </a:r>
             <a:r>
               <a:rPr lang="en-US" sz="1800" i="1" dirty="0"/>
@@ -8097,7 +12014,7 @@
               <a:rPr lang="en-US" sz="1800" dirty="0">
                 <a:sym typeface="Wingdings" panose="05000000000000000000" pitchFamily="2" charset="2"/>
               </a:rPr>
-              <a:t> can be used to reconstruct the data.</a:t>
+              <a:t> reconstruct the data</a:t>
             </a:r>
             <a:endParaRPr lang="en-US" sz="1800" i="1" dirty="0"/>
           </a:p>
@@ -8185,7 +12102,7 @@
           <p:nvPr/>
         </p:nvPicPr>
         <p:blipFill>
-          <a:blip r:embed="rId2"/>
+          <a:blip r:embed="rId3"/>
           <a:stretch>
             <a:fillRect/>
           </a:stretch>
@@ -8215,7 +12132,7 @@
           <p:nvPr/>
         </p:nvPicPr>
         <p:blipFill>
-          <a:blip r:embed="rId3"/>
+          <a:blip r:embed="rId4"/>
           <a:stretch>
             <a:fillRect/>
           </a:stretch>
@@ -8245,7 +12162,7 @@
           <p:nvPr/>
         </p:nvPicPr>
         <p:blipFill>
-          <a:blip r:embed="rId4"/>
+          <a:blip r:embed="rId5"/>
           <a:stretch>
             <a:fillRect/>
           </a:stretch>
@@ -8316,14 +12233,37 @@
           <a:p>
             <a:r>
               <a:rPr lang="en-US" dirty="0"/>
-              <a:t>An algorithm to build histogram on large dataset using MapReduce was proposed.</a:t>
-            </a:r>
-          </a:p>
-          <a:p>
-            <a:r>
-              <a:rPr lang="en-US" dirty="0"/>
-              <a:t>The research measured the efficiency of the proposed algorithm in terms of running time (IO and computation) and network communication.</a:t>
-            </a:r>
+              <a:t>Histogram on MapReduce [1,2]</a:t>
+            </a:r>
+          </a:p>
+          <a:p>
+            <a:pPr marL="0" indent="0">
+              <a:buNone/>
+            </a:pPr>
+            <a:endParaRPr lang="en-US" dirty="0"/>
+          </a:p>
+          <a:p>
+            <a:r>
+              <a:rPr lang="en-US" dirty="0"/>
+              <a:t>Evaluation:</a:t>
+            </a:r>
+          </a:p>
+          <a:p>
+            <a:pPr lvl="1"/>
+            <a:r>
+              <a:rPr lang="en-US" dirty="0"/>
+              <a:t>Running time (IO and computation) </a:t>
+            </a:r>
+          </a:p>
+          <a:p>
+            <a:pPr lvl="1"/>
+            <a:r>
+              <a:rPr lang="en-US" dirty="0"/>
+              <a:t>Network communication</a:t>
+            </a:r>
+          </a:p>
+          <a:p>
+            <a:endParaRPr lang="en-US" dirty="0"/>
           </a:p>
           <a:p>
             <a:r>
@@ -8335,14 +12275,14 @@
             <a:pPr lvl="1"/>
             <a:r>
               <a:rPr lang="en-US" dirty="0"/>
-              <a:t>Two exact solutions</a:t>
+              <a:t>Exact solutions</a:t>
             </a:r>
           </a:p>
           <a:p>
             <a:pPr lvl="1"/>
             <a:r>
               <a:rPr lang="en-US" dirty="0"/>
-              <a:t>Two approximate solutions</a:t>
+              <a:t>Approximate solutions</a:t>
             </a:r>
           </a:p>
         </p:txBody>
@@ -8370,7 +12310,7 @@
           <a:p>
             <a:r>
               <a:rPr lang="en-US" dirty="0"/>
-              <a:t>Histogram on Large Dataset [1,2]</a:t>
+              <a:t>Histogram on Large Dataset</a:t>
             </a:r>
           </a:p>
         </p:txBody>
@@ -8431,7 +12371,7 @@
           <a:p>
             <a:r>
               <a:rPr lang="en-US" dirty="0"/>
-              <a:t>Main Goal: implement the proposed algorithm in </a:t>
+              <a:t>Main Goal: implementation in </a:t>
             </a:r>
             <a:r>
               <a:rPr lang="en-US" dirty="0" err="1"/>
@@ -8439,7 +12379,7 @@
             </a:r>
             <a:r>
               <a:rPr lang="en-US" dirty="0"/>
-              <a:t> and reproduce the experiment suggested in the research.</a:t>
+              <a:t> and reproduce the experiment.</a:t>
             </a:r>
           </a:p>
           <a:p>
@@ -8493,7 +12433,14 @@
             <a:pPr lvl="1"/>
             <a:r>
               <a:rPr lang="en-US" dirty="0"/>
-              <a:t>Approximate solution.</a:t>
+              <a:t>Approximate solution</a:t>
+            </a:r>
+          </a:p>
+          <a:p>
+            <a:pPr lvl="2"/>
+            <a:r>
+              <a:rPr lang="en-US" dirty="0"/>
+              <a:t>Basic-S</a:t>
             </a:r>
           </a:p>
           <a:p>
@@ -8532,7 +12479,7 @@
             </a:r>
             <a:r>
               <a:rPr lang="en-US" dirty="0"/>
-              <a:t> dataset. [3]</a:t>
+              <a:t> dataset [3]</a:t>
             </a:r>
           </a:p>
           <a:p>
@@ -8551,7 +12498,7 @@
             </a:r>
             <a:r>
               <a:rPr lang="en-US" dirty="0"/>
-              <a:t> distribution.</a:t>
+              <a:t> distribution</a:t>
             </a:r>
           </a:p>
         </p:txBody>
@@ -8737,7 +12684,7 @@
           <a:p>
             <a:r>
               <a:rPr lang="en-US" dirty="0"/>
-              <a:t>Main focus: implement the exact solution and perform initial experiment.</a:t>
+              <a:t>Main focus: Exact solution and initial experiment.</a:t>
             </a:r>
           </a:p>
           <a:p>
@@ -8760,7 +12707,7 @@
             <a:pPr lvl="1"/>
             <a:r>
               <a:rPr lang="en-US" dirty="0"/>
-              <a:t>Send V and Send Coef. algorithm implementation</a:t>
+              <a:t>Send V and Send Coef. implementation</a:t>
             </a:r>
           </a:p>
           <a:p>
@@ -8790,35 +12737,48 @@
             <a:pPr lvl="1"/>
             <a:r>
               <a:rPr lang="en-US" dirty="0"/>
-              <a:t>The exact solution is the easiest of the algorithm to implement.</a:t>
+              <a:t>Exact solution </a:t>
+            </a:r>
+            <a:r>
+              <a:rPr lang="en-US" dirty="0">
+                <a:sym typeface="Wingdings" panose="05000000000000000000" pitchFamily="2" charset="2"/>
+              </a:rPr>
+              <a:t> </a:t>
+            </a:r>
+            <a:r>
+              <a:rPr lang="en-US" dirty="0"/>
+              <a:t>easiest</a:t>
             </a:r>
           </a:p>
           <a:p>
             <a:pPr lvl="1"/>
             <a:r>
               <a:rPr lang="en-US" dirty="0"/>
-              <a:t>Preprocessing the dataset requires a lot of time (1.35 billion records).</a:t>
+              <a:t>Dataset preprocessing </a:t>
+            </a:r>
+            <a:r>
+              <a:rPr lang="en-US" dirty="0">
+                <a:sym typeface="Wingdings" panose="05000000000000000000" pitchFamily="2" charset="2"/>
+              </a:rPr>
+              <a:t> </a:t>
+            </a:r>
+            <a:r>
+              <a:rPr lang="en-US" dirty="0"/>
+              <a:t>lot of time (1.35 billion records)</a:t>
             </a:r>
           </a:p>
           <a:p>
             <a:pPr lvl="1"/>
             <a:r>
               <a:rPr lang="en-US" dirty="0"/>
-              <a:t>Need time to adapt using the cluster.</a:t>
+              <a:t>Need time to set up the experiment (evaluation metrics, configuration, etc.)</a:t>
             </a:r>
           </a:p>
           <a:p>
             <a:pPr lvl="1"/>
             <a:r>
               <a:rPr lang="en-US" dirty="0"/>
-              <a:t>Need time to set up the experiment (evaluation metrics, configuration, etc.).</a:t>
-            </a:r>
-          </a:p>
-          <a:p>
-            <a:pPr lvl="1"/>
-            <a:r>
-              <a:rPr lang="en-US" dirty="0"/>
-              <a:t>Avoid repeating the experiment (for example because the metrics is missing).</a:t>
+              <a:t>Avoid repeating the experiment (e.g. one of the metrics is missing)</a:t>
             </a:r>
           </a:p>
         </p:txBody>
@@ -8846,7 +12806,7 @@
           <a:p>
             <a:r>
               <a:rPr lang="en-US" dirty="0"/>
-              <a:t>Progress as of 23 January 2018</a:t>
+              <a:t>Progress as of 21 January 2018</a:t>
             </a:r>
           </a:p>
         </p:txBody>

--- a/BDAPRO Midterm Presentation - Wavelet Histogram.pptx
+++ b/BDAPRO Midterm Presentation - Wavelet Histogram.pptx
@@ -5,10 +5,10 @@
     <p:sldMasterId id="2147483648" r:id="rId1"/>
   </p:sldMasterIdLst>
   <p:notesMasterIdLst>
-    <p:notesMasterId r:id="rId26"/>
+    <p:notesMasterId r:id="rId27"/>
   </p:notesMasterIdLst>
   <p:handoutMasterIdLst>
-    <p:handoutMasterId r:id="rId27"/>
+    <p:handoutMasterId r:id="rId28"/>
   </p:handoutMasterIdLst>
   <p:sldIdLst>
     <p:sldId id="256" r:id="rId2"/>
@@ -18,23 +18,24 @@
     <p:sldId id="299" r:id="rId6"/>
     <p:sldId id="300" r:id="rId7"/>
     <p:sldId id="294" r:id="rId8"/>
-    <p:sldId id="303" r:id="rId9"/>
-    <p:sldId id="306" r:id="rId10"/>
-    <p:sldId id="302" r:id="rId11"/>
-    <p:sldId id="314" r:id="rId12"/>
-    <p:sldId id="304" r:id="rId13"/>
-    <p:sldId id="315" r:id="rId14"/>
-    <p:sldId id="311" r:id="rId15"/>
-    <p:sldId id="305" r:id="rId16"/>
-    <p:sldId id="316" r:id="rId17"/>
-    <p:sldId id="307" r:id="rId18"/>
-    <p:sldId id="312" r:id="rId19"/>
-    <p:sldId id="317" r:id="rId20"/>
-    <p:sldId id="296" r:id="rId21"/>
-    <p:sldId id="308" r:id="rId22"/>
-    <p:sldId id="309" r:id="rId23"/>
-    <p:sldId id="297" r:id="rId24"/>
-    <p:sldId id="291" r:id="rId25"/>
+    <p:sldId id="318" r:id="rId9"/>
+    <p:sldId id="303" r:id="rId10"/>
+    <p:sldId id="306" r:id="rId11"/>
+    <p:sldId id="302" r:id="rId12"/>
+    <p:sldId id="314" r:id="rId13"/>
+    <p:sldId id="304" r:id="rId14"/>
+    <p:sldId id="315" r:id="rId15"/>
+    <p:sldId id="311" r:id="rId16"/>
+    <p:sldId id="305" r:id="rId17"/>
+    <p:sldId id="316" r:id="rId18"/>
+    <p:sldId id="307" r:id="rId19"/>
+    <p:sldId id="312" r:id="rId20"/>
+    <p:sldId id="317" r:id="rId21"/>
+    <p:sldId id="296" r:id="rId22"/>
+    <p:sldId id="308" r:id="rId23"/>
+    <p:sldId id="309" r:id="rId24"/>
+    <p:sldId id="297" r:id="rId25"/>
+    <p:sldId id="291" r:id="rId26"/>
   </p:sldIdLst>
   <p:sldSz cx="9144000" cy="6858000" type="screen4x3"/>
   <p:notesSz cx="6858000" cy="9144000"/>
@@ -5792,6 +5793,189 @@
       </p:grpSpPr>
       <p:sp>
         <p:nvSpPr>
+          <p:cNvPr id="2" name="Content Placeholder 1">
+            <a:extLst>
+              <a:ext uri="{FF2B5EF4-FFF2-40B4-BE49-F238E27FC236}">
+                <a16:creationId xmlns:a16="http://schemas.microsoft.com/office/drawing/2014/main" id="{140FE3C6-DCE6-4F77-A3B9-A6E1661C413E}"/>
+              </a:ext>
+            </a:extLst>
+          </p:cNvPr>
+          <p:cNvSpPr>
+            <a:spLocks noGrp="1"/>
+          </p:cNvSpPr>
+          <p:nvPr>
+            <p:ph idx="1"/>
+          </p:nvPr>
+        </p:nvSpPr>
+        <p:spPr/>
+        <p:txBody>
+          <a:bodyPr/>
+          <a:lstStyle/>
+          <a:p>
+            <a:r>
+              <a:rPr lang="en-US" dirty="0"/>
+              <a:t>Main focus: Exact solution and initial experiment.</a:t>
+            </a:r>
+          </a:p>
+          <a:p>
+            <a:endParaRPr lang="en-US" dirty="0"/>
+          </a:p>
+          <a:p>
+            <a:r>
+              <a:rPr lang="en-US" dirty="0"/>
+              <a:t>Implemented task:</a:t>
+            </a:r>
+          </a:p>
+          <a:p>
+            <a:pPr lvl="1"/>
+            <a:r>
+              <a:rPr lang="en-US" dirty="0"/>
+              <a:t>Dataset preprocessing</a:t>
+            </a:r>
+          </a:p>
+          <a:p>
+            <a:pPr lvl="1"/>
+            <a:r>
+              <a:rPr lang="en-US" dirty="0"/>
+              <a:t>Send V and Send Coef. implementation</a:t>
+            </a:r>
+          </a:p>
+          <a:p>
+            <a:pPr lvl="1"/>
+            <a:r>
+              <a:rPr lang="en-US" dirty="0"/>
+              <a:t>SSE calculation from the algorithm result</a:t>
+            </a:r>
+          </a:p>
+          <a:p>
+            <a:pPr lvl="1"/>
+            <a:r>
+              <a:rPr lang="en-US" dirty="0"/>
+              <a:t>Initial experiment on cluster</a:t>
+            </a:r>
+          </a:p>
+          <a:p>
+            <a:endParaRPr lang="en-US" dirty="0"/>
+          </a:p>
+          <a:p>
+            <a:r>
+              <a:rPr lang="en-US" dirty="0"/>
+              <a:t>Reasons:</a:t>
+            </a:r>
+          </a:p>
+          <a:p>
+            <a:pPr lvl="1"/>
+            <a:r>
+              <a:rPr lang="en-US" dirty="0"/>
+              <a:t>Exact solution </a:t>
+            </a:r>
+            <a:r>
+              <a:rPr lang="en-US" dirty="0">
+                <a:sym typeface="Wingdings" panose="05000000000000000000" pitchFamily="2" charset="2"/>
+              </a:rPr>
+              <a:t> </a:t>
+            </a:r>
+            <a:r>
+              <a:rPr lang="en-US" dirty="0"/>
+              <a:t>easiest</a:t>
+            </a:r>
+          </a:p>
+          <a:p>
+            <a:pPr lvl="1"/>
+            <a:r>
+              <a:rPr lang="en-US" dirty="0"/>
+              <a:t>Dataset preprocessing </a:t>
+            </a:r>
+            <a:r>
+              <a:rPr lang="en-US" dirty="0">
+                <a:sym typeface="Wingdings" panose="05000000000000000000" pitchFamily="2" charset="2"/>
+              </a:rPr>
+              <a:t> </a:t>
+            </a:r>
+            <a:r>
+              <a:rPr lang="en-US" dirty="0"/>
+              <a:t>lot of time (1.35 billion records)</a:t>
+            </a:r>
+          </a:p>
+          <a:p>
+            <a:pPr lvl="1"/>
+            <a:r>
+              <a:rPr lang="en-US" dirty="0"/>
+              <a:t>Need time to set up the experiment (evaluation metrics, configuration, etc.)</a:t>
+            </a:r>
+          </a:p>
+          <a:p>
+            <a:pPr lvl="1"/>
+            <a:r>
+              <a:rPr lang="en-US" dirty="0"/>
+              <a:t>Avoid repeating the experiment (e.g. one of the metrics is missing)</a:t>
+            </a:r>
+          </a:p>
+        </p:txBody>
+      </p:sp>
+      <p:sp>
+        <p:nvSpPr>
+          <p:cNvPr id="3" name="Title 2">
+            <a:extLst>
+              <a:ext uri="{FF2B5EF4-FFF2-40B4-BE49-F238E27FC236}">
+                <a16:creationId xmlns:a16="http://schemas.microsoft.com/office/drawing/2014/main" id="{116BA47B-DCAA-40CB-9AA8-3795C16A1440}"/>
+              </a:ext>
+            </a:extLst>
+          </p:cNvPr>
+          <p:cNvSpPr>
+            <a:spLocks noGrp="1"/>
+          </p:cNvSpPr>
+          <p:nvPr>
+            <p:ph type="title"/>
+          </p:nvPr>
+        </p:nvSpPr>
+        <p:spPr/>
+        <p:txBody>
+          <a:bodyPr/>
+          <a:lstStyle/>
+          <a:p>
+            <a:r>
+              <a:rPr lang="en-US" dirty="0"/>
+              <a:t>Progress as of 21 January 2018</a:t>
+            </a:r>
+          </a:p>
+        </p:txBody>
+      </p:sp>
+    </p:spTree>
+    <p:extLst>
+      <p:ext uri="{BB962C8B-B14F-4D97-AF65-F5344CB8AC3E}">
+        <p14:creationId xmlns:p14="http://schemas.microsoft.com/office/powerpoint/2010/main" val="46568619"/>
+      </p:ext>
+    </p:extLst>
+  </p:cSld>
+  <p:clrMapOvr>
+    <a:masterClrMapping/>
+  </p:clrMapOvr>
+  <p:transition>
+    <p:fade thruBlk="1"/>
+  </p:transition>
+</p:sld>
+</file>
+
+<file path=ppt/slides/slide11.xml><?xml version="1.0" encoding="utf-8"?>
+<p:sld xmlns:a="http://schemas.openxmlformats.org/drawingml/2006/main" xmlns:r="http://schemas.openxmlformats.org/officeDocument/2006/relationships" xmlns:p="http://schemas.openxmlformats.org/presentationml/2006/main">
+  <p:cSld>
+    <p:spTree>
+      <p:nvGrpSpPr>
+        <p:cNvPr id="1" name=""/>
+        <p:cNvGrpSpPr/>
+        <p:nvPr/>
+      </p:nvGrpSpPr>
+      <p:grpSpPr>
+        <a:xfrm>
+          <a:off x="0" y="0"/>
+          <a:ext cx="0" cy="0"/>
+          <a:chOff x="0" y="0"/>
+          <a:chExt cx="0" cy="0"/>
+        </a:xfrm>
+      </p:grpSpPr>
+      <p:sp>
+        <p:nvSpPr>
           <p:cNvPr id="3" name="Title 2">
             <a:extLst>
               <a:ext uri="{FF2B5EF4-FFF2-40B4-BE49-F238E27FC236}">
@@ -6641,7 +6825,7 @@
 </p:sld>
 </file>
 
-<file path=ppt/slides/slide11.xml><?xml version="1.0" encoding="utf-8"?>
+<file path=ppt/slides/slide12.xml><?xml version="1.0" encoding="utf-8"?>
 <p:sld xmlns:a="http://schemas.openxmlformats.org/drawingml/2006/main" xmlns:r="http://schemas.openxmlformats.org/officeDocument/2006/relationships" xmlns:p="http://schemas.openxmlformats.org/presentationml/2006/main">
   <p:cSld>
     <p:spTree>
@@ -7535,7 +7719,7 @@
 </p:sld>
 </file>
 
-<file path=ppt/slides/slide12.xml><?xml version="1.0" encoding="utf-8"?>
+<file path=ppt/slides/slide13.xml><?xml version="1.0" encoding="utf-8"?>
 <p:sld xmlns:a="http://schemas.openxmlformats.org/drawingml/2006/main" xmlns:r="http://schemas.openxmlformats.org/officeDocument/2006/relationships" xmlns:p="http://schemas.openxmlformats.org/presentationml/2006/main">
   <p:cSld>
     <p:spTree>
@@ -7713,7 +7897,7 @@
 </p:sld>
 </file>
 
-<file path=ppt/slides/slide13.xml><?xml version="1.0" encoding="utf-8"?>
+<file path=ppt/slides/slide14.xml><?xml version="1.0" encoding="utf-8"?>
 <p:sld xmlns:a="http://schemas.openxmlformats.org/drawingml/2006/main" xmlns:r="http://schemas.openxmlformats.org/officeDocument/2006/relationships" xmlns:p="http://schemas.openxmlformats.org/presentationml/2006/main">
   <p:cSld>
     <p:spTree>
@@ -9432,129 +9616,6 @@
 </p:sld>
 </file>
 
-<file path=ppt/slides/slide14.xml><?xml version="1.0" encoding="utf-8"?>
-<p:sld xmlns:a="http://schemas.openxmlformats.org/drawingml/2006/main" xmlns:r="http://schemas.openxmlformats.org/officeDocument/2006/relationships" xmlns:p="http://schemas.openxmlformats.org/presentationml/2006/main">
-  <p:cSld>
-    <p:spTree>
-      <p:nvGrpSpPr>
-        <p:cNvPr id="1" name=""/>
-        <p:cNvGrpSpPr/>
-        <p:nvPr/>
-      </p:nvGrpSpPr>
-      <p:grpSpPr>
-        <a:xfrm>
-          <a:off x="0" y="0"/>
-          <a:ext cx="0" cy="0"/>
-          <a:chOff x="0" y="0"/>
-          <a:chExt cx="0" cy="0"/>
-        </a:xfrm>
-      </p:grpSpPr>
-      <p:sp>
-        <p:nvSpPr>
-          <p:cNvPr id="2" name="Content Placeholder 1">
-            <a:extLst>
-              <a:ext uri="{FF2B5EF4-FFF2-40B4-BE49-F238E27FC236}">
-                <a16:creationId xmlns:a16="http://schemas.microsoft.com/office/drawing/2014/main" id="{6437A5DD-4407-42CE-984A-868B7278FE8E}"/>
-              </a:ext>
-            </a:extLst>
-          </p:cNvPr>
-          <p:cNvSpPr>
-            <a:spLocks noGrp="1"/>
-          </p:cNvSpPr>
-          <p:nvPr>
-            <p:ph idx="1"/>
-          </p:nvPr>
-        </p:nvSpPr>
-        <p:spPr/>
-        <p:txBody>
-          <a:bodyPr/>
-          <a:lstStyle/>
-          <a:p>
-            <a:r>
-              <a:rPr lang="en-US" dirty="0"/>
-              <a:t>Send V and Send Coef. </a:t>
-            </a:r>
-            <a:r>
-              <a:rPr lang="en-US" dirty="0">
-                <a:sym typeface="Wingdings" panose="05000000000000000000" pitchFamily="2" charset="2"/>
-              </a:rPr>
-              <a:t> </a:t>
-            </a:r>
-            <a:r>
-              <a:rPr lang="en-US" dirty="0"/>
-              <a:t>output file containing the top </a:t>
-            </a:r>
-            <a:r>
-              <a:rPr lang="en-US" i="1" dirty="0"/>
-              <a:t>k </a:t>
-            </a:r>
-            <a:r>
-              <a:rPr lang="en-US" dirty="0"/>
-              <a:t>coefficient of the wavelet tree</a:t>
-            </a:r>
-          </a:p>
-          <a:p>
-            <a:endParaRPr lang="en-US" dirty="0"/>
-          </a:p>
-          <a:p>
-            <a:r>
-              <a:rPr lang="en-US" dirty="0"/>
-              <a:t>SSE Calculation </a:t>
-            </a:r>
-            <a:r>
-              <a:rPr lang="en-US" dirty="0">
-                <a:sym typeface="Wingdings" panose="05000000000000000000" pitchFamily="2" charset="2"/>
-              </a:rPr>
-              <a:t> take file, reconstruct the data, calculate</a:t>
-            </a:r>
-            <a:endParaRPr lang="en-US" dirty="0"/>
-          </a:p>
-        </p:txBody>
-      </p:sp>
-      <p:sp>
-        <p:nvSpPr>
-          <p:cNvPr id="3" name="Title 2">
-            <a:extLst>
-              <a:ext uri="{FF2B5EF4-FFF2-40B4-BE49-F238E27FC236}">
-                <a16:creationId xmlns:a16="http://schemas.microsoft.com/office/drawing/2014/main" id="{180426FB-D09A-4B9B-BEBE-FAC32FD77EC0}"/>
-              </a:ext>
-            </a:extLst>
-          </p:cNvPr>
-          <p:cNvSpPr>
-            <a:spLocks noGrp="1"/>
-          </p:cNvSpPr>
-          <p:nvPr>
-            <p:ph type="title"/>
-          </p:nvPr>
-        </p:nvSpPr>
-        <p:spPr/>
-        <p:txBody>
-          <a:bodyPr/>
-          <a:lstStyle/>
-          <a:p>
-            <a:r>
-              <a:rPr lang="en-US" dirty="0"/>
-              <a:t>SSE Calculation</a:t>
-            </a:r>
-          </a:p>
-        </p:txBody>
-      </p:sp>
-    </p:spTree>
-    <p:extLst>
-      <p:ext uri="{BB962C8B-B14F-4D97-AF65-F5344CB8AC3E}">
-        <p14:creationId xmlns:p14="http://schemas.microsoft.com/office/powerpoint/2010/main" val="2643558671"/>
-      </p:ext>
-    </p:extLst>
-  </p:cSld>
-  <p:clrMapOvr>
-    <a:masterClrMapping/>
-  </p:clrMapOvr>
-  <p:transition>
-    <p:fade thruBlk="1"/>
-  </p:transition>
-</p:sld>
-</file>
-
 <file path=ppt/slides/slide15.xml><?xml version="1.0" encoding="utf-8"?>
 <p:sld xmlns:a="http://schemas.openxmlformats.org/drawingml/2006/main" xmlns:r="http://schemas.openxmlformats.org/officeDocument/2006/relationships" xmlns:p="http://schemas.openxmlformats.org/presentationml/2006/main">
   <p:cSld>
@@ -9577,7 +9638,7 @@
           <p:cNvPr id="2" name="Content Placeholder 1">
             <a:extLst>
               <a:ext uri="{FF2B5EF4-FFF2-40B4-BE49-F238E27FC236}">
-                <a16:creationId xmlns:a16="http://schemas.microsoft.com/office/drawing/2014/main" id="{2472619E-B960-412F-A716-A6A010495787}"/>
+                <a16:creationId xmlns:a16="http://schemas.microsoft.com/office/drawing/2014/main" id="{6437A5DD-4407-42CE-984A-868B7278FE8E}"/>
               </a:ext>
             </a:extLst>
           </p:cNvPr>
@@ -9595,17 +9656,25 @@
           <a:p>
             <a:r>
               <a:rPr lang="en-US" dirty="0"/>
-              <a:t>Send V </a:t>
+              <a:t>Send V and Send Coef. </a:t>
             </a:r>
             <a:r>
               <a:rPr lang="en-US" dirty="0">
                 <a:sym typeface="Wingdings" panose="05000000000000000000" pitchFamily="2" charset="2"/>
               </a:rPr>
-              <a:t></a:t>
-            </a:r>
-            <a:r>
-              <a:rPr lang="en-US" dirty="0"/>
-              <a:t> worked as intended (partial dataset 94 million of domain and 107 million records)</a:t>
+              <a:t> </a:t>
+            </a:r>
+            <a:r>
+              <a:rPr lang="en-US" dirty="0"/>
+              <a:t>output file containing the top </a:t>
+            </a:r>
+            <a:r>
+              <a:rPr lang="en-US" i="1" dirty="0"/>
+              <a:t>k </a:t>
+            </a:r>
+            <a:r>
+              <a:rPr lang="en-US" dirty="0"/>
+              <a:t>coefficient of the wavelet tree</a:t>
             </a:r>
           </a:p>
           <a:p>
@@ -9614,73 +9683,14 @@
           <a:p>
             <a:r>
               <a:rPr lang="en-US" dirty="0"/>
-              <a:t>Send V </a:t>
+              <a:t>SSE Calculation </a:t>
             </a:r>
             <a:r>
               <a:rPr lang="en-US" dirty="0">
                 <a:sym typeface="Wingdings" panose="05000000000000000000" pitchFamily="2" charset="2"/>
               </a:rPr>
-              <a:t></a:t>
-            </a:r>
-            <a:r>
-              <a:rPr lang="en-US" dirty="0"/>
-              <a:t> found </a:t>
-            </a:r>
-            <a:r>
-              <a:rPr lang="en-US" dirty="0" err="1"/>
-              <a:t>OutOfMemory</a:t>
-            </a:r>
-            <a:r>
-              <a:rPr lang="en-US" dirty="0"/>
-              <a:t> error using more data</a:t>
-            </a:r>
-          </a:p>
-          <a:p>
-            <a:endParaRPr lang="en-US" dirty="0"/>
-          </a:p>
-          <a:p>
-            <a:r>
-              <a:rPr lang="en-US" dirty="0"/>
-              <a:t>Send V’s overall running time </a:t>
-            </a:r>
-            <a:r>
-              <a:rPr lang="en-US" dirty="0">
-                <a:sym typeface="Wingdings" panose="05000000000000000000" pitchFamily="2" charset="2"/>
-              </a:rPr>
-              <a:t></a:t>
-            </a:r>
-            <a:r>
-              <a:rPr lang="en-US" dirty="0"/>
-              <a:t> around 1.5 hours</a:t>
-            </a:r>
-            <a:r>
-              <a:rPr lang="en-US" dirty="0">
-                <a:sym typeface="Wingdings" panose="05000000000000000000" pitchFamily="2" charset="2"/>
-              </a:rPr>
-              <a:t> (other algorithm should be less than this time).</a:t>
-            </a:r>
-            <a:endParaRPr lang="en-US" dirty="0"/>
-          </a:p>
-          <a:p>
-            <a:endParaRPr lang="en-US" dirty="0"/>
-          </a:p>
-          <a:p>
-            <a:r>
-              <a:rPr lang="en-US" dirty="0"/>
-              <a:t>Send Coef. </a:t>
-            </a:r>
-            <a:r>
-              <a:rPr lang="en-US" dirty="0">
-                <a:sym typeface="Wingdings" panose="05000000000000000000" pitchFamily="2" charset="2"/>
-              </a:rPr>
-              <a:t></a:t>
-            </a:r>
-            <a:r>
-              <a:rPr lang="en-US" dirty="0"/>
-              <a:t> taking too much time, stopped the execution (the paper also didn’t present the result of Send Coef.)</a:t>
-            </a:r>
-          </a:p>
-          <a:p>
+              <a:t> take file, reconstruct the data, calculate</a:t>
+            </a:r>
             <a:endParaRPr lang="en-US" dirty="0"/>
           </a:p>
         </p:txBody>
@@ -9690,7 +9700,7 @@
           <p:cNvPr id="3" name="Title 2">
             <a:extLst>
               <a:ext uri="{FF2B5EF4-FFF2-40B4-BE49-F238E27FC236}">
-                <a16:creationId xmlns:a16="http://schemas.microsoft.com/office/drawing/2014/main" id="{285CC04F-73EA-43E2-B4F7-246899507E70}"/>
+                <a16:creationId xmlns:a16="http://schemas.microsoft.com/office/drawing/2014/main" id="{180426FB-D09A-4B9B-BEBE-FAC32FD77EC0}"/>
               </a:ext>
             </a:extLst>
           </p:cNvPr>
@@ -9708,7 +9718,7 @@
           <a:p>
             <a:r>
               <a:rPr lang="en-US" dirty="0"/>
-              <a:t>Results</a:t>
+              <a:t>SSE Calculation</a:t>
             </a:r>
           </a:p>
         </p:txBody>
@@ -9716,7 +9726,7 @@
     </p:spTree>
     <p:extLst>
       <p:ext uri="{BB962C8B-B14F-4D97-AF65-F5344CB8AC3E}">
-        <p14:creationId xmlns:p14="http://schemas.microsoft.com/office/powerpoint/2010/main" val="3282053115"/>
+        <p14:creationId xmlns:p14="http://schemas.microsoft.com/office/powerpoint/2010/main" val="2643558671"/>
       </p:ext>
     </p:extLst>
   </p:cSld>
@@ -9751,7 +9761,7 @@
           <p:cNvPr id="2" name="Content Placeholder 1">
             <a:extLst>
               <a:ext uri="{FF2B5EF4-FFF2-40B4-BE49-F238E27FC236}">
-                <a16:creationId xmlns:a16="http://schemas.microsoft.com/office/drawing/2014/main" id="{23A74912-E442-4CB5-B902-F0FBEB4FF0C2}"/>
+                <a16:creationId xmlns:a16="http://schemas.microsoft.com/office/drawing/2014/main" id="{2472619E-B960-412F-A716-A6A010495787}"/>
               </a:ext>
             </a:extLst>
           </p:cNvPr>
@@ -9769,51 +9779,69 @@
           <a:p>
             <a:r>
               <a:rPr lang="en-US" dirty="0"/>
-              <a:t>H-</a:t>
-            </a:r>
-            <a:r>
-              <a:rPr lang="en-US" dirty="0" err="1"/>
-              <a:t>WTopK</a:t>
-            </a:r>
-            <a:r>
-              <a:rPr lang="en-US" dirty="0"/>
-              <a:t> </a:t>
+              <a:t>Send V </a:t>
             </a:r>
             <a:r>
               <a:rPr lang="en-US" dirty="0">
                 <a:sym typeface="Wingdings" panose="05000000000000000000" pitchFamily="2" charset="2"/>
               </a:rPr>
-              <a:t> need to understand how </a:t>
-            </a:r>
-            <a:r>
-              <a:rPr lang="en-US" dirty="0" err="1">
-                <a:sym typeface="Wingdings" panose="05000000000000000000" pitchFamily="2" charset="2"/>
-              </a:rPr>
-              <a:t>Flink</a:t>
+              <a:t></a:t>
+            </a:r>
+            <a:r>
+              <a:rPr lang="en-US" dirty="0"/>
+              <a:t> worked as intended (partial dataset 94 million of domain and 107 million records)</a:t>
+            </a:r>
+          </a:p>
+          <a:p>
+            <a:endParaRPr lang="en-US" dirty="0"/>
+          </a:p>
+          <a:p>
+            <a:r>
+              <a:rPr lang="en-US" dirty="0"/>
+              <a:t>Send V </a:t>
             </a:r>
             <a:r>
               <a:rPr lang="en-US" dirty="0">
                 <a:sym typeface="Wingdings" panose="05000000000000000000" pitchFamily="2" charset="2"/>
               </a:rPr>
-              <a:t> State works</a:t>
-            </a:r>
-          </a:p>
-          <a:p>
-            <a:pPr lvl="1"/>
+              <a:t></a:t>
+            </a:r>
+            <a:r>
+              <a:rPr lang="en-US" dirty="0"/>
+              <a:t> found </a:t>
+            </a:r>
+            <a:r>
+              <a:rPr lang="en-US" dirty="0" err="1"/>
+              <a:t>OutOfMemory</a:t>
+            </a:r>
+            <a:r>
+              <a:rPr lang="en-US" dirty="0"/>
+              <a:t> error using more data</a:t>
+            </a:r>
+          </a:p>
+          <a:p>
+            <a:endParaRPr lang="en-US" dirty="0"/>
+          </a:p>
+          <a:p>
+            <a:r>
+              <a:rPr lang="en-US" dirty="0"/>
+              <a:t>Send V’s overall running time </a:t>
+            </a:r>
             <a:r>
               <a:rPr lang="en-US" dirty="0">
                 <a:sym typeface="Wingdings" panose="05000000000000000000" pitchFamily="2" charset="2"/>
               </a:rPr>
-              <a:t>Algorithm utilize three steps of computation</a:t>
-            </a:r>
-          </a:p>
-          <a:p>
-            <a:pPr lvl="1"/>
+              <a:t></a:t>
+            </a:r>
+            <a:r>
+              <a:rPr lang="en-US" dirty="0"/>
+              <a:t> around 1.5 hours</a:t>
+            </a:r>
             <a:r>
               <a:rPr lang="en-US" dirty="0">
                 <a:sym typeface="Wingdings" panose="05000000000000000000" pitchFamily="2" charset="2"/>
               </a:rPr>
-              <a:t>Result of first phase  send to the worker of second phase</a:t>
+              <a:t> (other algorithm should be less than this time).</a:t>
             </a:r>
             <a:endParaRPr lang="en-US" dirty="0"/>
           </a:p>
@@ -9823,50 +9851,20 @@
           <a:p>
             <a:r>
               <a:rPr lang="en-US" dirty="0"/>
-              <a:t>Basic-S </a:t>
+              <a:t>Send Coef. </a:t>
             </a:r>
             <a:r>
               <a:rPr lang="en-US" dirty="0">
                 <a:sym typeface="Wingdings" panose="05000000000000000000" pitchFamily="2" charset="2"/>
               </a:rPr>
-              <a:t> a slight modification of Improved-S</a:t>
-            </a:r>
-            <a:endParaRPr lang="en-US" dirty="0"/>
-          </a:p>
-          <a:p>
-            <a:endParaRPr lang="en-US" dirty="0"/>
-          </a:p>
-          <a:p>
-            <a:r>
-              <a:rPr lang="en-US" dirty="0"/>
-              <a:t>Improved-S </a:t>
-            </a:r>
-            <a:r>
-              <a:rPr lang="en-US" dirty="0">
-                <a:sym typeface="Wingdings" panose="05000000000000000000" pitchFamily="2" charset="2"/>
-              </a:rPr>
-              <a:t> perform sampling during the exact solution computation</a:t>
-            </a:r>
-            <a:endParaRPr lang="en-US" dirty="0"/>
-          </a:p>
-          <a:p>
-            <a:endParaRPr lang="en-US" dirty="0"/>
-          </a:p>
-          <a:p>
-            <a:r>
-              <a:rPr lang="en-US" dirty="0" err="1"/>
-              <a:t>TwoLevel</a:t>
-            </a:r>
-            <a:r>
-              <a:rPr lang="en-US" dirty="0"/>
-              <a:t>-S </a:t>
-            </a:r>
-            <a:r>
-              <a:rPr lang="en-US" dirty="0">
-                <a:sym typeface="Wingdings" panose="05000000000000000000" pitchFamily="2" charset="2"/>
-              </a:rPr>
-              <a:t> currently still understanding the algorithm</a:t>
-            </a:r>
+              <a:t></a:t>
+            </a:r>
+            <a:r>
+              <a:rPr lang="en-US" dirty="0"/>
+              <a:t> taking too much time, stopped the execution (the paper also didn’t present the result of Send Coef.)</a:t>
+            </a:r>
+          </a:p>
+          <a:p>
             <a:endParaRPr lang="en-US" dirty="0"/>
           </a:p>
         </p:txBody>
@@ -9876,7 +9874,7 @@
           <p:cNvPr id="3" name="Title 2">
             <a:extLst>
               <a:ext uri="{FF2B5EF4-FFF2-40B4-BE49-F238E27FC236}">
-                <a16:creationId xmlns:a16="http://schemas.microsoft.com/office/drawing/2014/main" id="{6635852C-6DC4-45A1-B25E-5A183E5FD3E5}"/>
+                <a16:creationId xmlns:a16="http://schemas.microsoft.com/office/drawing/2014/main" id="{285CC04F-73EA-43E2-B4F7-246899507E70}"/>
               </a:ext>
             </a:extLst>
           </p:cNvPr>
@@ -9894,7 +9892,7 @@
           <a:p>
             <a:r>
               <a:rPr lang="en-US" dirty="0"/>
-              <a:t>Progress in Other Solution</a:t>
+              <a:t>Results</a:t>
             </a:r>
           </a:p>
         </p:txBody>
@@ -9902,7 +9900,7 @@
     </p:spTree>
     <p:extLst>
       <p:ext uri="{BB962C8B-B14F-4D97-AF65-F5344CB8AC3E}">
-        <p14:creationId xmlns:p14="http://schemas.microsoft.com/office/powerpoint/2010/main" val="642512044"/>
+        <p14:creationId xmlns:p14="http://schemas.microsoft.com/office/powerpoint/2010/main" val="3282053115"/>
       </p:ext>
     </p:extLst>
   </p:cSld>
@@ -9934,6 +9932,192 @@
       </p:grpSpPr>
       <p:sp>
         <p:nvSpPr>
+          <p:cNvPr id="2" name="Content Placeholder 1">
+            <a:extLst>
+              <a:ext uri="{FF2B5EF4-FFF2-40B4-BE49-F238E27FC236}">
+                <a16:creationId xmlns:a16="http://schemas.microsoft.com/office/drawing/2014/main" id="{23A74912-E442-4CB5-B902-F0FBEB4FF0C2}"/>
+              </a:ext>
+            </a:extLst>
+          </p:cNvPr>
+          <p:cNvSpPr>
+            <a:spLocks noGrp="1"/>
+          </p:cNvSpPr>
+          <p:nvPr>
+            <p:ph idx="1"/>
+          </p:nvPr>
+        </p:nvSpPr>
+        <p:spPr/>
+        <p:txBody>
+          <a:bodyPr/>
+          <a:lstStyle/>
+          <a:p>
+            <a:r>
+              <a:rPr lang="en-US" dirty="0"/>
+              <a:t>H-</a:t>
+            </a:r>
+            <a:r>
+              <a:rPr lang="en-US" dirty="0" err="1"/>
+              <a:t>WTopK</a:t>
+            </a:r>
+            <a:r>
+              <a:rPr lang="en-US" dirty="0"/>
+              <a:t> </a:t>
+            </a:r>
+            <a:r>
+              <a:rPr lang="en-US" dirty="0">
+                <a:sym typeface="Wingdings" panose="05000000000000000000" pitchFamily="2" charset="2"/>
+              </a:rPr>
+              <a:t> need to understand how </a:t>
+            </a:r>
+            <a:r>
+              <a:rPr lang="en-US" dirty="0" err="1">
+                <a:sym typeface="Wingdings" panose="05000000000000000000" pitchFamily="2" charset="2"/>
+              </a:rPr>
+              <a:t>Flink</a:t>
+            </a:r>
+            <a:r>
+              <a:rPr lang="en-US" dirty="0">
+                <a:sym typeface="Wingdings" panose="05000000000000000000" pitchFamily="2" charset="2"/>
+              </a:rPr>
+              <a:t> State works</a:t>
+            </a:r>
+          </a:p>
+          <a:p>
+            <a:pPr lvl="1"/>
+            <a:r>
+              <a:rPr lang="en-US" dirty="0">
+                <a:sym typeface="Wingdings" panose="05000000000000000000" pitchFamily="2" charset="2"/>
+              </a:rPr>
+              <a:t>Algorithm utilize three steps of computation</a:t>
+            </a:r>
+          </a:p>
+          <a:p>
+            <a:pPr lvl="1"/>
+            <a:r>
+              <a:rPr lang="en-US" dirty="0">
+                <a:sym typeface="Wingdings" panose="05000000000000000000" pitchFamily="2" charset="2"/>
+              </a:rPr>
+              <a:t>Result of first phase  send to the worker of second phase</a:t>
+            </a:r>
+            <a:endParaRPr lang="en-US" dirty="0"/>
+          </a:p>
+          <a:p>
+            <a:endParaRPr lang="en-US" dirty="0"/>
+          </a:p>
+          <a:p>
+            <a:r>
+              <a:rPr lang="en-US" dirty="0"/>
+              <a:t>Basic-S </a:t>
+            </a:r>
+            <a:r>
+              <a:rPr lang="en-US" dirty="0">
+                <a:sym typeface="Wingdings" panose="05000000000000000000" pitchFamily="2" charset="2"/>
+              </a:rPr>
+              <a:t> a slight modification of Improved-S</a:t>
+            </a:r>
+            <a:endParaRPr lang="en-US" dirty="0"/>
+          </a:p>
+          <a:p>
+            <a:endParaRPr lang="en-US" dirty="0"/>
+          </a:p>
+          <a:p>
+            <a:r>
+              <a:rPr lang="en-US" dirty="0"/>
+              <a:t>Improved-S </a:t>
+            </a:r>
+            <a:r>
+              <a:rPr lang="en-US" dirty="0">
+                <a:sym typeface="Wingdings" panose="05000000000000000000" pitchFamily="2" charset="2"/>
+              </a:rPr>
+              <a:t> perform sampling during the exact solution computation</a:t>
+            </a:r>
+            <a:endParaRPr lang="en-US" dirty="0"/>
+          </a:p>
+          <a:p>
+            <a:endParaRPr lang="en-US" dirty="0"/>
+          </a:p>
+          <a:p>
+            <a:r>
+              <a:rPr lang="en-US" dirty="0" err="1"/>
+              <a:t>TwoLevel</a:t>
+            </a:r>
+            <a:r>
+              <a:rPr lang="en-US" dirty="0"/>
+              <a:t>-S </a:t>
+            </a:r>
+            <a:r>
+              <a:rPr lang="en-US" dirty="0">
+                <a:sym typeface="Wingdings" panose="05000000000000000000" pitchFamily="2" charset="2"/>
+              </a:rPr>
+              <a:t> currently still understanding the algorithm</a:t>
+            </a:r>
+            <a:endParaRPr lang="en-US" dirty="0"/>
+          </a:p>
+        </p:txBody>
+      </p:sp>
+      <p:sp>
+        <p:nvSpPr>
+          <p:cNvPr id="3" name="Title 2">
+            <a:extLst>
+              <a:ext uri="{FF2B5EF4-FFF2-40B4-BE49-F238E27FC236}">
+                <a16:creationId xmlns:a16="http://schemas.microsoft.com/office/drawing/2014/main" id="{6635852C-6DC4-45A1-B25E-5A183E5FD3E5}"/>
+              </a:ext>
+            </a:extLst>
+          </p:cNvPr>
+          <p:cNvSpPr>
+            <a:spLocks noGrp="1"/>
+          </p:cNvSpPr>
+          <p:nvPr>
+            <p:ph type="title"/>
+          </p:nvPr>
+        </p:nvSpPr>
+        <p:spPr/>
+        <p:txBody>
+          <a:bodyPr/>
+          <a:lstStyle/>
+          <a:p>
+            <a:r>
+              <a:rPr lang="en-US" dirty="0"/>
+              <a:t>Progress in Other Solution</a:t>
+            </a:r>
+          </a:p>
+        </p:txBody>
+      </p:sp>
+    </p:spTree>
+    <p:extLst>
+      <p:ext uri="{BB962C8B-B14F-4D97-AF65-F5344CB8AC3E}">
+        <p14:creationId xmlns:p14="http://schemas.microsoft.com/office/powerpoint/2010/main" val="642512044"/>
+      </p:ext>
+    </p:extLst>
+  </p:cSld>
+  <p:clrMapOvr>
+    <a:masterClrMapping/>
+  </p:clrMapOvr>
+  <p:transition>
+    <p:fade thruBlk="1"/>
+  </p:transition>
+</p:sld>
+</file>
+
+<file path=ppt/slides/slide18.xml><?xml version="1.0" encoding="utf-8"?>
+<p:sld xmlns:a="http://schemas.openxmlformats.org/drawingml/2006/main" xmlns:r="http://schemas.openxmlformats.org/officeDocument/2006/relationships" xmlns:p="http://schemas.openxmlformats.org/presentationml/2006/main">
+  <p:cSld>
+    <p:spTree>
+      <p:nvGrpSpPr>
+        <p:cNvPr id="1" name=""/>
+        <p:cNvGrpSpPr/>
+        <p:nvPr/>
+      </p:nvGrpSpPr>
+      <p:grpSpPr>
+        <a:xfrm>
+          <a:off x="0" y="0"/>
+          <a:ext cx="0" cy="0"/>
+          <a:chOff x="0" y="0"/>
+          <a:chExt cx="0" cy="0"/>
+        </a:xfrm>
+      </p:grpSpPr>
+      <p:sp>
+        <p:nvSpPr>
           <p:cNvPr id="3" name="Title 2">
             <a:extLst>
               <a:ext uri="{FF2B5EF4-FFF2-40B4-BE49-F238E27FC236}">
@@ -10012,7 +10196,7 @@
 </p:sld>
 </file>
 
-<file path=ppt/slides/slide18.xml><?xml version="1.0" encoding="utf-8"?>
+<file path=ppt/slides/slide19.xml><?xml version="1.0" encoding="utf-8"?>
 <p:sld xmlns:a="http://schemas.openxmlformats.org/drawingml/2006/main" xmlns:r="http://schemas.openxmlformats.org/officeDocument/2006/relationships" xmlns:p="http://schemas.openxmlformats.org/presentationml/2006/main">
   <p:cSld>
     <p:spTree>
@@ -10409,273 +10593,6 @@
 </p:sld>
 </file>
 
-<file path=ppt/slides/slide19.xml><?xml version="1.0" encoding="utf-8"?>
-<p:sld xmlns:a="http://schemas.openxmlformats.org/drawingml/2006/main" xmlns:r="http://schemas.openxmlformats.org/officeDocument/2006/relationships" xmlns:p="http://schemas.openxmlformats.org/presentationml/2006/main">
-  <p:cSld>
-    <p:spTree>
-      <p:nvGrpSpPr>
-        <p:cNvPr id="1" name=""/>
-        <p:cNvGrpSpPr/>
-        <p:nvPr/>
-      </p:nvGrpSpPr>
-      <p:grpSpPr>
-        <a:xfrm>
-          <a:off x="0" y="0"/>
-          <a:ext cx="0" cy="0"/>
-          <a:chOff x="0" y="0"/>
-          <a:chExt cx="0" cy="0"/>
-        </a:xfrm>
-      </p:grpSpPr>
-      <p:sp>
-        <p:nvSpPr>
-          <p:cNvPr id="2" name="Content Placeholder 1">
-            <a:extLst>
-              <a:ext uri="{FF2B5EF4-FFF2-40B4-BE49-F238E27FC236}">
-                <a16:creationId xmlns:a16="http://schemas.microsoft.com/office/drawing/2014/main" id="{CB7B38D6-4101-453D-AD75-E998893E0FE9}"/>
-              </a:ext>
-            </a:extLst>
-          </p:cNvPr>
-          <p:cNvSpPr>
-            <a:spLocks noGrp="1"/>
-          </p:cNvSpPr>
-          <p:nvPr>
-            <p:ph idx="1"/>
-          </p:nvPr>
-        </p:nvSpPr>
-        <p:spPr/>
-        <p:txBody>
-          <a:bodyPr/>
-          <a:lstStyle/>
-          <a:p>
-            <a:r>
-              <a:rPr lang="en-US" dirty="0" err="1"/>
-              <a:t>TaskManager</a:t>
-            </a:r>
-            <a:r>
-              <a:rPr lang="en-US" dirty="0"/>
-              <a:t> heap size = 49G </a:t>
-            </a:r>
-            <a:r>
-              <a:rPr lang="en-US" dirty="0">
-                <a:sym typeface="Wingdings" panose="05000000000000000000" pitchFamily="2" charset="2"/>
-              </a:rPr>
-              <a:t></a:t>
-            </a:r>
-            <a:r>
-              <a:rPr lang="en-US" dirty="0"/>
-              <a:t> </a:t>
-            </a:r>
-            <a:r>
-              <a:rPr lang="en-US" dirty="0" err="1"/>
-              <a:t>OutOfMemory</a:t>
-            </a:r>
-            <a:r>
-              <a:rPr lang="en-US" dirty="0"/>
-              <a:t> exception</a:t>
-            </a:r>
-          </a:p>
-          <a:p>
-            <a:endParaRPr lang="en-US" dirty="0"/>
-          </a:p>
-          <a:p>
-            <a:r>
-              <a:rPr lang="en-US" dirty="0"/>
-              <a:t>Change </a:t>
-            </a:r>
-            <a:r>
-              <a:rPr lang="en-US" dirty="0" err="1"/>
-              <a:t>taskmanager</a:t>
-            </a:r>
-            <a:r>
-              <a:rPr lang="en-US" dirty="0"/>
-              <a:t> heap size from 49G to 59G </a:t>
-            </a:r>
-            <a:r>
-              <a:rPr lang="en-US" dirty="0">
-                <a:sym typeface="Wingdings" panose="05000000000000000000" pitchFamily="2" charset="2"/>
-              </a:rPr>
-              <a:t></a:t>
-            </a:r>
-            <a:r>
-              <a:rPr lang="en-US" dirty="0"/>
-              <a:t> </a:t>
-            </a:r>
-            <a:r>
-              <a:rPr lang="en-US" dirty="0" err="1"/>
-              <a:t>TaskManager</a:t>
-            </a:r>
-            <a:r>
-              <a:rPr lang="en-US" dirty="0"/>
-              <a:t> was killed/lost</a:t>
-            </a:r>
-          </a:p>
-          <a:p>
-            <a:endParaRPr lang="en-US" dirty="0"/>
-          </a:p>
-          <a:p>
-            <a:r>
-              <a:rPr lang="en-US" dirty="0" err="1"/>
-              <a:t>TaskManager</a:t>
-            </a:r>
-            <a:r>
-              <a:rPr lang="en-US" dirty="0"/>
-              <a:t> heap size 59G, increase </a:t>
-            </a:r>
-            <a:r>
-              <a:rPr lang="en-US" dirty="0" err="1"/>
-              <a:t>akka</a:t>
-            </a:r>
-            <a:r>
-              <a:rPr lang="en-US" dirty="0"/>
-              <a:t> time out from 600s to 6000s, </a:t>
-            </a:r>
-            <a:r>
-              <a:rPr lang="en-US" dirty="0" err="1"/>
-              <a:t>akka.lookup.timeout</a:t>
-            </a:r>
-            <a:r>
-              <a:rPr lang="en-US" dirty="0"/>
-              <a:t> from 100s to 1000s </a:t>
-            </a:r>
-            <a:r>
-              <a:rPr lang="en-US" dirty="0">
-                <a:sym typeface="Wingdings" panose="05000000000000000000" pitchFamily="2" charset="2"/>
-              </a:rPr>
-              <a:t></a:t>
-            </a:r>
-            <a:r>
-              <a:rPr lang="en-US" dirty="0"/>
-              <a:t> get back to </a:t>
-            </a:r>
-            <a:r>
-              <a:rPr lang="en-US" dirty="0" err="1"/>
-              <a:t>OutOfMemory</a:t>
-            </a:r>
-            <a:r>
-              <a:rPr lang="en-US" dirty="0"/>
-              <a:t> error</a:t>
-            </a:r>
-          </a:p>
-          <a:p>
-            <a:endParaRPr lang="en-US" dirty="0"/>
-          </a:p>
-          <a:p>
-            <a:r>
-              <a:rPr lang="en-US" dirty="0"/>
-              <a:t>Decrease </a:t>
-            </a:r>
-            <a:r>
-              <a:rPr lang="en-US" dirty="0" err="1"/>
-              <a:t>TaskManager</a:t>
-            </a:r>
-            <a:r>
-              <a:rPr lang="en-US" dirty="0"/>
-              <a:t> memory size to 40G </a:t>
-            </a:r>
-            <a:r>
-              <a:rPr lang="en-US" dirty="0">
-                <a:sym typeface="Wingdings" panose="05000000000000000000" pitchFamily="2" charset="2"/>
-              </a:rPr>
-              <a:t></a:t>
-            </a:r>
-            <a:r>
-              <a:rPr lang="en-US" dirty="0"/>
-              <a:t> </a:t>
-            </a:r>
-            <a:r>
-              <a:rPr lang="en-US" dirty="0" err="1"/>
-              <a:t>TaskManager</a:t>
-            </a:r>
-            <a:r>
-              <a:rPr lang="en-US" dirty="0"/>
-              <a:t> was killed/lost error again</a:t>
-            </a:r>
-          </a:p>
-          <a:p>
-            <a:endParaRPr lang="en-US" dirty="0"/>
-          </a:p>
-          <a:p>
-            <a:r>
-              <a:rPr lang="en-US" dirty="0"/>
-              <a:t>Decrease </a:t>
-            </a:r>
-            <a:r>
-              <a:rPr lang="en-US" dirty="0" err="1"/>
-              <a:t>TaskManager</a:t>
-            </a:r>
-            <a:r>
-              <a:rPr lang="en-US" dirty="0"/>
-              <a:t> Memory size to 35G </a:t>
-            </a:r>
-            <a:r>
-              <a:rPr lang="en-US" dirty="0">
-                <a:sym typeface="Wingdings" panose="05000000000000000000" pitchFamily="2" charset="2"/>
-              </a:rPr>
-              <a:t></a:t>
-            </a:r>
-            <a:r>
-              <a:rPr lang="en-US" dirty="0"/>
-              <a:t> </a:t>
-            </a:r>
-            <a:r>
-              <a:rPr lang="en-US" dirty="0" err="1"/>
-              <a:t>TaskManager</a:t>
-            </a:r>
-            <a:r>
-              <a:rPr lang="en-US" dirty="0"/>
-              <a:t> was killed/lost error</a:t>
-            </a:r>
-          </a:p>
-        </p:txBody>
-      </p:sp>
-      <p:sp>
-        <p:nvSpPr>
-          <p:cNvPr id="3" name="Title 2">
-            <a:extLst>
-              <a:ext uri="{FF2B5EF4-FFF2-40B4-BE49-F238E27FC236}">
-                <a16:creationId xmlns:a16="http://schemas.microsoft.com/office/drawing/2014/main" id="{DF8D6332-F616-49DC-A8C6-77A24CE27ACB}"/>
-              </a:ext>
-            </a:extLst>
-          </p:cNvPr>
-          <p:cNvSpPr>
-            <a:spLocks noGrp="1"/>
-          </p:cNvSpPr>
-          <p:nvPr>
-            <p:ph type="title"/>
-          </p:nvPr>
-        </p:nvSpPr>
-        <p:spPr/>
-        <p:txBody>
-          <a:bodyPr/>
-          <a:lstStyle/>
-          <a:p>
-            <a:r>
-              <a:rPr lang="en-US" dirty="0" err="1"/>
-              <a:t>OutOfMemory</a:t>
-            </a:r>
-            <a:r>
-              <a:rPr lang="en-US" dirty="0"/>
-              <a:t> and AKKA Timeout Error (2)</a:t>
-            </a:r>
-          </a:p>
-        </p:txBody>
-      </p:sp>
-    </p:spTree>
-    <p:extLst>
-      <p:ext uri="{BB962C8B-B14F-4D97-AF65-F5344CB8AC3E}">
-        <p14:creationId xmlns:p14="http://schemas.microsoft.com/office/powerpoint/2010/main" val="2374618468"/>
-      </p:ext>
-    </p:extLst>
-  </p:cSld>
-  <p:clrMapOvr>
-    <a:masterClrMapping/>
-  </p:clrMapOvr>
-  <p:transition>
-    <p:fade thruBlk="1"/>
-  </p:transition>
-</p:sld>
-</file>
-
 <file path=ppt/slides/slide2.xml><?xml version="1.0" encoding="utf-8"?>
 <p:sld xmlns:a="http://schemas.openxmlformats.org/drawingml/2006/main" xmlns:r="http://schemas.openxmlformats.org/officeDocument/2006/relationships" xmlns:p="http://schemas.openxmlformats.org/presentationml/2006/main">
   <p:cSld>
@@ -10814,7 +10731,7 @@
           <p:cNvPr id="2" name="Content Placeholder 1">
             <a:extLst>
               <a:ext uri="{FF2B5EF4-FFF2-40B4-BE49-F238E27FC236}">
-                <a16:creationId xmlns:a16="http://schemas.microsoft.com/office/drawing/2014/main" id="{A0950D25-1A6C-4FE4-9620-267C1946F68F}"/>
+                <a16:creationId xmlns:a16="http://schemas.microsoft.com/office/drawing/2014/main" id="{CB7B38D6-4101-453D-AD75-E998893E0FE9}"/>
               </a:ext>
             </a:extLst>
           </p:cNvPr>
@@ -10831,73 +10748,183 @@
           <a:lstStyle/>
           <a:p>
             <a:r>
-              <a:rPr lang="en-US" dirty="0"/>
-              <a:t>Reading the paper and understanding the algorithm from it was hard.</a:t>
-            </a:r>
-          </a:p>
-          <a:p>
-            <a:pPr lvl="1"/>
-            <a:r>
-              <a:rPr lang="en-US" dirty="0"/>
-              <a:t>Many mathematical notation</a:t>
-            </a:r>
-          </a:p>
-          <a:p>
-            <a:pPr lvl="1"/>
-            <a:r>
-              <a:rPr lang="en-US" dirty="0"/>
-              <a:t>Sometimes the explanation is not very clear</a:t>
-            </a:r>
-          </a:p>
-          <a:p>
-            <a:pPr lvl="1"/>
-            <a:r>
-              <a:rPr lang="en-US" dirty="0"/>
-              <a:t>Cannot directly implement the algorithm in </a:t>
-            </a:r>
-            <a:r>
               <a:rPr lang="en-US" dirty="0" err="1"/>
-              <a:t>Flink</a:t>
-            </a:r>
-            <a:endParaRPr lang="en-US" dirty="0"/>
-          </a:p>
-          <a:p>
-            <a:endParaRPr lang="en-US" dirty="0"/>
-          </a:p>
-          <a:p>
-            <a:r>
-              <a:rPr lang="en-US" dirty="0"/>
-              <a:t>Plan to deal with the problem:</a:t>
-            </a:r>
-          </a:p>
-          <a:p>
-            <a:pPr lvl="1"/>
-            <a:r>
-              <a:rPr lang="en-US" dirty="0"/>
-              <a:t>Search for another source to help </a:t>
+              <a:t>TaskManager</a:t>
+            </a:r>
+            <a:r>
+              <a:rPr lang="en-US" dirty="0"/>
+              <a:t> heap size = 49G </a:t>
             </a:r>
             <a:r>
               <a:rPr lang="en-US" dirty="0">
                 <a:sym typeface="Wingdings" panose="05000000000000000000" pitchFamily="2" charset="2"/>
               </a:rPr>
-              <a:t> we have obtained a slides from the same author that explains the implementation</a:t>
-            </a:r>
-          </a:p>
-          <a:p>
-            <a:pPr lvl="1"/>
+              <a:t></a:t>
+            </a:r>
+            <a:r>
+              <a:rPr lang="en-US" dirty="0"/>
+              <a:t> </a:t>
+            </a:r>
+            <a:r>
+              <a:rPr lang="en-US" dirty="0" err="1"/>
+              <a:t>OutOfMemory</a:t>
+            </a:r>
+            <a:r>
+              <a:rPr lang="en-US" dirty="0"/>
+              <a:t> exception</a:t>
+            </a:r>
+          </a:p>
+          <a:p>
+            <a:endParaRPr lang="en-US" dirty="0"/>
+          </a:p>
+          <a:p>
+            <a:r>
+              <a:rPr lang="en-US" dirty="0"/>
+              <a:t>Change </a:t>
+            </a:r>
+            <a:r>
+              <a:rPr lang="en-US" dirty="0" err="1"/>
+              <a:t>taskmanager</a:t>
+            </a:r>
+            <a:r>
+              <a:rPr lang="en-US" dirty="0"/>
+              <a:t> heap size from 49G to 59G </a:t>
+            </a:r>
             <a:r>
               <a:rPr lang="en-US" dirty="0">
                 <a:sym typeface="Wingdings" panose="05000000000000000000" pitchFamily="2" charset="2"/>
               </a:rPr>
-              <a:t>Search for the implementation source code  we have obtained the research implementation source code in MR</a:t>
-            </a:r>
+              <a:t></a:t>
+            </a:r>
+            <a:r>
+              <a:rPr lang="en-US" dirty="0"/>
+              <a:t> </a:t>
+            </a:r>
+            <a:r>
+              <a:rPr lang="en-US" dirty="0" err="1"/>
+              <a:t>TaskManager</a:t>
+            </a:r>
+            <a:r>
+              <a:rPr lang="en-US" dirty="0"/>
+              <a:t> was killed/lost</a:t>
+            </a:r>
+          </a:p>
+          <a:p>
             <a:endParaRPr lang="en-US" dirty="0"/>
           </a:p>
           <a:p>
+            <a:r>
+              <a:rPr lang="en-US" dirty="0" err="1"/>
+              <a:t>TaskManager</a:t>
+            </a:r>
+            <a:r>
+              <a:rPr lang="en-US" dirty="0"/>
+              <a:t> heap size 59G, increase </a:t>
+            </a:r>
+            <a:r>
+              <a:rPr lang="en-US" dirty="0" err="1"/>
+              <a:t>akka</a:t>
+            </a:r>
+            <a:r>
+              <a:rPr lang="en-US" dirty="0"/>
+              <a:t> time out from 600s to 6000s, </a:t>
+            </a:r>
+            <a:r>
+              <a:rPr lang="en-US" dirty="0" err="1"/>
+              <a:t>akka.lookup.timeout</a:t>
+            </a:r>
+            <a:r>
+              <a:rPr lang="en-US" dirty="0"/>
+              <a:t> from 100s to 1000s </a:t>
+            </a:r>
+            <a:r>
+              <a:rPr lang="en-US" dirty="0">
+                <a:sym typeface="Wingdings" panose="05000000000000000000" pitchFamily="2" charset="2"/>
+              </a:rPr>
+              <a:t></a:t>
+            </a:r>
+            <a:r>
+              <a:rPr lang="en-US" dirty="0"/>
+              <a:t> get back to </a:t>
+            </a:r>
+            <a:r>
+              <a:rPr lang="en-US" dirty="0" err="1"/>
+              <a:t>OutOfMemory</a:t>
+            </a:r>
+            <a:r>
+              <a:rPr lang="en-US" dirty="0"/>
+              <a:t> error</a:t>
+            </a:r>
+          </a:p>
+          <a:p>
             <a:endParaRPr lang="en-US" dirty="0"/>
           </a:p>
           <a:p>
+            <a:r>
+              <a:rPr lang="en-US" dirty="0"/>
+              <a:t>Decrease </a:t>
+            </a:r>
+            <a:r>
+              <a:rPr lang="en-US" dirty="0" err="1"/>
+              <a:t>TaskManager</a:t>
+            </a:r>
+            <a:r>
+              <a:rPr lang="en-US" dirty="0"/>
+              <a:t> memory size to 40G </a:t>
+            </a:r>
+            <a:r>
+              <a:rPr lang="en-US" dirty="0">
+                <a:sym typeface="Wingdings" panose="05000000000000000000" pitchFamily="2" charset="2"/>
+              </a:rPr>
+              <a:t></a:t>
+            </a:r>
+            <a:r>
+              <a:rPr lang="en-US" dirty="0"/>
+              <a:t> </a:t>
+            </a:r>
+            <a:r>
+              <a:rPr lang="en-US" dirty="0" err="1"/>
+              <a:t>TaskManager</a:t>
+            </a:r>
+            <a:r>
+              <a:rPr lang="en-US" dirty="0"/>
+              <a:t> was killed/lost error again</a:t>
+            </a:r>
+          </a:p>
+          <a:p>
             <a:endParaRPr lang="en-US" dirty="0"/>
+          </a:p>
+          <a:p>
+            <a:r>
+              <a:rPr lang="en-US" dirty="0"/>
+              <a:t>Decrease </a:t>
+            </a:r>
+            <a:r>
+              <a:rPr lang="en-US" dirty="0" err="1"/>
+              <a:t>TaskManager</a:t>
+            </a:r>
+            <a:r>
+              <a:rPr lang="en-US" dirty="0"/>
+              <a:t> Memory size to 35G </a:t>
+            </a:r>
+            <a:r>
+              <a:rPr lang="en-US" dirty="0">
+                <a:sym typeface="Wingdings" panose="05000000000000000000" pitchFamily="2" charset="2"/>
+              </a:rPr>
+              <a:t></a:t>
+            </a:r>
+            <a:r>
+              <a:rPr lang="en-US" dirty="0"/>
+              <a:t> </a:t>
+            </a:r>
+            <a:r>
+              <a:rPr lang="en-US" dirty="0" err="1"/>
+              <a:t>TaskManager</a:t>
+            </a:r>
+            <a:r>
+              <a:rPr lang="en-US" dirty="0"/>
+              <a:t> was killed/lost error</a:t>
+            </a:r>
           </a:p>
         </p:txBody>
       </p:sp>
@@ -10906,7 +10933,7 @@
           <p:cNvPr id="3" name="Title 2">
             <a:extLst>
               <a:ext uri="{FF2B5EF4-FFF2-40B4-BE49-F238E27FC236}">
-                <a16:creationId xmlns:a16="http://schemas.microsoft.com/office/drawing/2014/main" id="{B6100E23-F143-472C-BAE2-D2C19A377466}"/>
+                <a16:creationId xmlns:a16="http://schemas.microsoft.com/office/drawing/2014/main" id="{DF8D6332-F616-49DC-A8C6-77A24CE27ACB}"/>
               </a:ext>
             </a:extLst>
           </p:cNvPr>
@@ -10923,8 +10950,12 @@
           <a:lstStyle/>
           <a:p>
             <a:r>
-              <a:rPr lang="en-US" dirty="0"/>
-              <a:t>Implementing the algorithm</a:t>
+              <a:rPr lang="en-US" dirty="0" err="1"/>
+              <a:t>OutOfMemory</a:t>
+            </a:r>
+            <a:r>
+              <a:rPr lang="en-US" dirty="0"/>
+              <a:t> and AKKA Timeout Error (2)</a:t>
             </a:r>
           </a:p>
         </p:txBody>
@@ -10932,7 +10963,7 @@
     </p:spTree>
     <p:extLst>
       <p:ext uri="{BB962C8B-B14F-4D97-AF65-F5344CB8AC3E}">
-        <p14:creationId xmlns:p14="http://schemas.microsoft.com/office/powerpoint/2010/main" val="3636921440"/>
+        <p14:creationId xmlns:p14="http://schemas.microsoft.com/office/powerpoint/2010/main" val="2374618468"/>
       </p:ext>
     </p:extLst>
   </p:cSld>
@@ -10967,7 +10998,7 @@
           <p:cNvPr id="2" name="Content Placeholder 1">
             <a:extLst>
               <a:ext uri="{FF2B5EF4-FFF2-40B4-BE49-F238E27FC236}">
-                <a16:creationId xmlns:a16="http://schemas.microsoft.com/office/drawing/2014/main" id="{7C7C643F-2D5E-4A39-AD01-FF40A82A15C3}"/>
+                <a16:creationId xmlns:a16="http://schemas.microsoft.com/office/drawing/2014/main" id="{A0950D25-1A6C-4FE4-9620-267C1946F68F}"/>
               </a:ext>
             </a:extLst>
           </p:cNvPr>
@@ -10985,35 +11016,39 @@
           <a:p>
             <a:r>
               <a:rPr lang="en-US" dirty="0"/>
-              <a:t>First time using </a:t>
+              <a:t>Reading the paper and understanding the algorithm from it was hard.</a:t>
+            </a:r>
+          </a:p>
+          <a:p>
+            <a:pPr lvl="1"/>
+            <a:r>
+              <a:rPr lang="en-US" dirty="0"/>
+              <a:t>Many mathematical notation</a:t>
+            </a:r>
+          </a:p>
+          <a:p>
+            <a:pPr lvl="1"/>
+            <a:r>
+              <a:rPr lang="en-US" dirty="0"/>
+              <a:t>Sometimes the explanation is not very clear</a:t>
+            </a:r>
+          </a:p>
+          <a:p>
+            <a:pPr lvl="1"/>
+            <a:r>
+              <a:rPr lang="en-US" dirty="0"/>
+              <a:t>Cannot directly implement the algorithm in </a:t>
             </a:r>
             <a:r>
               <a:rPr lang="en-US" dirty="0" err="1"/>
               <a:t>Flink</a:t>
             </a:r>
-            <a:r>
-              <a:rPr lang="en-US" dirty="0"/>
-              <a:t> and cluster to run the experiment</a:t>
-            </a:r>
-          </a:p>
-          <a:p>
-            <a:r>
-              <a:rPr lang="en-US" dirty="0"/>
-              <a:t>Don’t really know from which data the metrics is obtained (</a:t>
-            </a:r>
-            <a:r>
-              <a:rPr lang="en-US" dirty="0" err="1"/>
-              <a:t>Flink</a:t>
-            </a:r>
-            <a:r>
-              <a:rPr lang="en-US" dirty="0"/>
-              <a:t> log / GUI interface / etc.)</a:t>
-            </a:r>
-          </a:p>
-          <a:p>
             <a:endParaRPr lang="en-US" dirty="0"/>
           </a:p>
           <a:p>
+            <a:endParaRPr lang="en-US" dirty="0"/>
+          </a:p>
+          <a:p>
             <a:r>
               <a:rPr lang="en-US" dirty="0"/>
               <a:t>Plan to deal with the problem:</a:t>
@@ -11023,31 +11058,30 @@
             <a:pPr lvl="1"/>
             <a:r>
               <a:rPr lang="en-US" dirty="0"/>
-              <a:t>Reading through the </a:t>
-            </a:r>
-            <a:r>
-              <a:rPr lang="en-US" dirty="0" err="1"/>
-              <a:t>Flink</a:t>
-            </a:r>
-            <a:r>
-              <a:rPr lang="en-US" dirty="0"/>
-              <a:t> documentation</a:t>
+              <a:t>Search for another source to help </a:t>
+            </a:r>
+            <a:r>
+              <a:rPr lang="en-US" dirty="0">
+                <a:sym typeface="Wingdings" panose="05000000000000000000" pitchFamily="2" charset="2"/>
+              </a:rPr>
+              <a:t> we have obtained a slides from the same author that explains the implementation</a:t>
             </a:r>
           </a:p>
           <a:p>
             <a:pPr lvl="1"/>
             <a:r>
-              <a:rPr lang="en-US" dirty="0"/>
-              <a:t>Asking a more experienced </a:t>
-            </a:r>
-            <a:r>
-              <a:rPr lang="en-US" dirty="0" err="1"/>
-              <a:t>Flink</a:t>
-            </a:r>
-            <a:r>
-              <a:rPr lang="en-US" dirty="0"/>
-              <a:t> user</a:t>
-            </a:r>
+              <a:rPr lang="en-US" dirty="0">
+                <a:sym typeface="Wingdings" panose="05000000000000000000" pitchFamily="2" charset="2"/>
+              </a:rPr>
+              <a:t>Search for the implementation source code  we have obtained the research implementation source code in MR</a:t>
+            </a:r>
+            <a:endParaRPr lang="en-US" dirty="0"/>
+          </a:p>
+          <a:p>
+            <a:endParaRPr lang="en-US" dirty="0"/>
+          </a:p>
+          <a:p>
+            <a:endParaRPr lang="en-US" dirty="0"/>
           </a:p>
         </p:txBody>
       </p:sp>
@@ -11056,7 +11090,7 @@
           <p:cNvPr id="3" name="Title 2">
             <a:extLst>
               <a:ext uri="{FF2B5EF4-FFF2-40B4-BE49-F238E27FC236}">
-                <a16:creationId xmlns:a16="http://schemas.microsoft.com/office/drawing/2014/main" id="{C95A9B60-317D-4BFA-AB9D-A8FAD951C397}"/>
+                <a16:creationId xmlns:a16="http://schemas.microsoft.com/office/drawing/2014/main" id="{B6100E23-F143-472C-BAE2-D2C19A377466}"/>
               </a:ext>
             </a:extLst>
           </p:cNvPr>
@@ -11074,20 +11108,15 @@
           <a:p>
             <a:r>
               <a:rPr lang="en-US" dirty="0"/>
-              <a:t>Getting the Metrics from </a:t>
-            </a:r>
-            <a:r>
-              <a:rPr lang="en-US" dirty="0" err="1"/>
-              <a:t>Flink</a:t>
-            </a:r>
-            <a:endParaRPr lang="en-US" dirty="0"/>
+              <a:t>Implementing the algorithm</a:t>
+            </a:r>
           </a:p>
         </p:txBody>
       </p:sp>
     </p:spTree>
     <p:extLst>
       <p:ext uri="{BB962C8B-B14F-4D97-AF65-F5344CB8AC3E}">
-        <p14:creationId xmlns:p14="http://schemas.microsoft.com/office/powerpoint/2010/main" val="3509194077"/>
+        <p14:creationId xmlns:p14="http://schemas.microsoft.com/office/powerpoint/2010/main" val="3636921440"/>
       </p:ext>
     </p:extLst>
   </p:cSld>
@@ -11119,10 +11148,99 @@
       </p:grpSpPr>
       <p:sp>
         <p:nvSpPr>
+          <p:cNvPr id="2" name="Content Placeholder 1">
+            <a:extLst>
+              <a:ext uri="{FF2B5EF4-FFF2-40B4-BE49-F238E27FC236}">
+                <a16:creationId xmlns:a16="http://schemas.microsoft.com/office/drawing/2014/main" id="{7C7C643F-2D5E-4A39-AD01-FF40A82A15C3}"/>
+              </a:ext>
+            </a:extLst>
+          </p:cNvPr>
+          <p:cNvSpPr>
+            <a:spLocks noGrp="1"/>
+          </p:cNvSpPr>
+          <p:nvPr>
+            <p:ph idx="1"/>
+          </p:nvPr>
+        </p:nvSpPr>
+        <p:spPr/>
+        <p:txBody>
+          <a:bodyPr/>
+          <a:lstStyle/>
+          <a:p>
+            <a:r>
+              <a:rPr lang="en-US" dirty="0"/>
+              <a:t>First time using </a:t>
+            </a:r>
+            <a:r>
+              <a:rPr lang="en-US" dirty="0" err="1"/>
+              <a:t>Flink</a:t>
+            </a:r>
+            <a:r>
+              <a:rPr lang="en-US" dirty="0"/>
+              <a:t> and cluster to run the experiment</a:t>
+            </a:r>
+          </a:p>
+          <a:p>
+            <a:r>
+              <a:rPr lang="en-US" dirty="0"/>
+              <a:t>Don’t really know from which data the metrics is obtained (</a:t>
+            </a:r>
+            <a:r>
+              <a:rPr lang="en-US" dirty="0" err="1"/>
+              <a:t>Flink</a:t>
+            </a:r>
+            <a:r>
+              <a:rPr lang="en-US" dirty="0"/>
+              <a:t> log / GUI interface / etc.)</a:t>
+            </a:r>
+          </a:p>
+          <a:p>
+            <a:endParaRPr lang="en-US" dirty="0"/>
+          </a:p>
+          <a:p>
+            <a:r>
+              <a:rPr lang="en-US" dirty="0"/>
+              <a:t>Plan to deal with the problem:</a:t>
+            </a:r>
+          </a:p>
+          <a:p>
+            <a:pPr lvl="1"/>
+            <a:r>
+              <a:rPr lang="en-US" dirty="0"/>
+              <a:t>Reading through the </a:t>
+            </a:r>
+            <a:r>
+              <a:rPr lang="en-US" dirty="0" err="1"/>
+              <a:t>Flink</a:t>
+            </a:r>
+            <a:r>
+              <a:rPr lang="en-US" dirty="0"/>
+              <a:t> documentation</a:t>
+            </a:r>
+          </a:p>
+          <a:p>
+            <a:pPr lvl="1"/>
+            <a:r>
+              <a:rPr lang="en-US" dirty="0"/>
+              <a:t>Asking a more experienced </a:t>
+            </a:r>
+            <a:r>
+              <a:rPr lang="en-US" dirty="0" err="1"/>
+              <a:t>Flink</a:t>
+            </a:r>
+            <a:r>
+              <a:rPr lang="en-US" dirty="0"/>
+              <a:t> user</a:t>
+            </a:r>
+          </a:p>
+        </p:txBody>
+      </p:sp>
+      <p:sp>
+        <p:nvSpPr>
           <p:cNvPr id="3" name="Title 2">
             <a:extLst>
               <a:ext uri="{FF2B5EF4-FFF2-40B4-BE49-F238E27FC236}">
-                <a16:creationId xmlns:a16="http://schemas.microsoft.com/office/drawing/2014/main" id="{6AFD4EB5-1CA4-46BD-B0E4-55547CF48D95}"/>
+                <a16:creationId xmlns:a16="http://schemas.microsoft.com/office/drawing/2014/main" id="{C95A9B60-317D-4BFA-AB9D-A8FAD951C397}"/>
               </a:ext>
             </a:extLst>
           </p:cNvPr>
@@ -11138,53 +11256,22 @@
           <a:bodyPr/>
           <a:lstStyle/>
           <a:p>
-            <a:endParaRPr lang="en-US"/>
-          </a:p>
-        </p:txBody>
-      </p:sp>
-      <p:sp>
-        <p:nvSpPr>
-          <p:cNvPr id="4" name="TextBox 3">
-            <a:extLst>
-              <a:ext uri="{FF2B5EF4-FFF2-40B4-BE49-F238E27FC236}">
-                <a16:creationId xmlns:a16="http://schemas.microsoft.com/office/drawing/2014/main" id="{56004B33-B37F-4D26-A309-3B87B9E08802}"/>
-              </a:ext>
-            </a:extLst>
-          </p:cNvPr>
-          <p:cNvSpPr txBox="1"/>
-          <p:nvPr/>
-        </p:nvSpPr>
-        <p:spPr>
-          <a:xfrm>
-            <a:off x="3124200" y="2819400"/>
-            <a:ext cx="2643672" cy="707886"/>
-          </a:xfrm>
-          <a:prstGeom prst="rect">
-            <a:avLst/>
-          </a:prstGeom>
-          <a:noFill/>
-        </p:spPr>
-        <p:txBody>
-          <a:bodyPr wrap="none" rtlCol="0">
-            <a:spAutoFit/>
-          </a:bodyPr>
-          <a:lstStyle/>
-          <a:p>
-            <a:r>
-              <a:rPr lang="en-US" sz="4000" dirty="0">
-                <a:latin typeface="Verdana" panose="020B0604030504040204" pitchFamily="34" charset="0"/>
-                <a:ea typeface="Verdana" panose="020B0604030504040204" pitchFamily="34" charset="0"/>
-                <a:cs typeface="Verdana" panose="020B0604030504040204" pitchFamily="34" charset="0"/>
-              </a:rPr>
-              <a:t>Next Plan</a:t>
-            </a:r>
+            <a:r>
+              <a:rPr lang="en-US" dirty="0"/>
+              <a:t>Getting the Metrics from </a:t>
+            </a:r>
+            <a:r>
+              <a:rPr lang="en-US" dirty="0" err="1"/>
+              <a:t>Flink</a:t>
+            </a:r>
+            <a:endParaRPr lang="en-US" dirty="0"/>
           </a:p>
         </p:txBody>
       </p:sp>
     </p:spTree>
     <p:extLst>
       <p:ext uri="{BB962C8B-B14F-4D97-AF65-F5344CB8AC3E}">
-        <p14:creationId xmlns:p14="http://schemas.microsoft.com/office/powerpoint/2010/main" val="3793492948"/>
+        <p14:creationId xmlns:p14="http://schemas.microsoft.com/office/powerpoint/2010/main" val="3509194077"/>
       </p:ext>
     </p:extLst>
   </p:cSld>
@@ -11214,6 +11301,103 @@
           <a:chExt cx="0" cy="0"/>
         </a:xfrm>
       </p:grpSpPr>
+      <p:sp>
+        <p:nvSpPr>
+          <p:cNvPr id="3" name="Title 2">
+            <a:extLst>
+              <a:ext uri="{FF2B5EF4-FFF2-40B4-BE49-F238E27FC236}">
+                <a16:creationId xmlns:a16="http://schemas.microsoft.com/office/drawing/2014/main" id="{6AFD4EB5-1CA4-46BD-B0E4-55547CF48D95}"/>
+              </a:ext>
+            </a:extLst>
+          </p:cNvPr>
+          <p:cNvSpPr>
+            <a:spLocks noGrp="1"/>
+          </p:cNvSpPr>
+          <p:nvPr>
+            <p:ph type="title"/>
+          </p:nvPr>
+        </p:nvSpPr>
+        <p:spPr/>
+        <p:txBody>
+          <a:bodyPr/>
+          <a:lstStyle/>
+          <a:p>
+            <a:endParaRPr lang="en-US"/>
+          </a:p>
+        </p:txBody>
+      </p:sp>
+      <p:sp>
+        <p:nvSpPr>
+          <p:cNvPr id="4" name="TextBox 3">
+            <a:extLst>
+              <a:ext uri="{FF2B5EF4-FFF2-40B4-BE49-F238E27FC236}">
+                <a16:creationId xmlns:a16="http://schemas.microsoft.com/office/drawing/2014/main" id="{56004B33-B37F-4D26-A309-3B87B9E08802}"/>
+              </a:ext>
+            </a:extLst>
+          </p:cNvPr>
+          <p:cNvSpPr txBox="1"/>
+          <p:nvPr/>
+        </p:nvSpPr>
+        <p:spPr>
+          <a:xfrm>
+            <a:off x="3124200" y="2819400"/>
+            <a:ext cx="2643672" cy="707886"/>
+          </a:xfrm>
+          <a:prstGeom prst="rect">
+            <a:avLst/>
+          </a:prstGeom>
+          <a:noFill/>
+        </p:spPr>
+        <p:txBody>
+          <a:bodyPr wrap="none" rtlCol="0">
+            <a:spAutoFit/>
+          </a:bodyPr>
+          <a:lstStyle/>
+          <a:p>
+            <a:r>
+              <a:rPr lang="en-US" sz="4000" dirty="0">
+                <a:latin typeface="Verdana" panose="020B0604030504040204" pitchFamily="34" charset="0"/>
+                <a:ea typeface="Verdana" panose="020B0604030504040204" pitchFamily="34" charset="0"/>
+                <a:cs typeface="Verdana" panose="020B0604030504040204" pitchFamily="34" charset="0"/>
+              </a:rPr>
+              <a:t>Next Plan</a:t>
+            </a:r>
+          </a:p>
+        </p:txBody>
+      </p:sp>
+    </p:spTree>
+    <p:extLst>
+      <p:ext uri="{BB962C8B-B14F-4D97-AF65-F5344CB8AC3E}">
+        <p14:creationId xmlns:p14="http://schemas.microsoft.com/office/powerpoint/2010/main" val="3793492948"/>
+      </p:ext>
+    </p:extLst>
+  </p:cSld>
+  <p:clrMapOvr>
+    <a:masterClrMapping/>
+  </p:clrMapOvr>
+  <p:transition>
+    <p:fade thruBlk="1"/>
+  </p:transition>
+</p:sld>
+</file>
+
+<file path=ppt/slides/slide24.xml><?xml version="1.0" encoding="utf-8"?>
+<p:sld xmlns:a="http://schemas.openxmlformats.org/drawingml/2006/main" xmlns:r="http://schemas.openxmlformats.org/officeDocument/2006/relationships" xmlns:p="http://schemas.openxmlformats.org/presentationml/2006/main">
+  <p:cSld>
+    <p:spTree>
+      <p:nvGrpSpPr>
+        <p:cNvPr id="1" name=""/>
+        <p:cNvGrpSpPr/>
+        <p:nvPr/>
+      </p:nvGrpSpPr>
+      <p:grpSpPr>
+        <a:xfrm>
+          <a:off x="0" y="0"/>
+          <a:ext cx="0" cy="0"/>
+          <a:chOff x="0" y="0"/>
+          <a:chExt cx="0" cy="0"/>
+        </a:xfrm>
+      </p:grpSpPr>
       <p:pic>
         <p:nvPicPr>
           <p:cNvPr id="5" name="Content Placeholder 4">
@@ -11290,7 +11474,7 @@
 </p:sld>
 </file>
 
-<file path=ppt/slides/slide24.xml><?xml version="1.0" encoding="utf-8"?>
+<file path=ppt/slides/slide25.xml><?xml version="1.0" encoding="utf-8"?>
 <p:sld xmlns:a="http://schemas.openxmlformats.org/drawingml/2006/main" xmlns:r="http://schemas.openxmlformats.org/officeDocument/2006/relationships" xmlns:p="http://schemas.openxmlformats.org/presentationml/2006/main">
   <p:cSld>
     <p:spTree>
@@ -12566,10 +12750,56 @@
       </p:grpSpPr>
       <p:sp>
         <p:nvSpPr>
+          <p:cNvPr id="2" name="Content Placeholder 1">
+            <a:extLst>
+              <a:ext uri="{FF2B5EF4-FFF2-40B4-BE49-F238E27FC236}">
+                <a16:creationId xmlns:a16="http://schemas.microsoft.com/office/drawing/2014/main" id="{A3943EA5-CEA9-42B4-907D-D1479DD44901}"/>
+              </a:ext>
+            </a:extLst>
+          </p:cNvPr>
+          <p:cNvSpPr>
+            <a:spLocks noGrp="1"/>
+          </p:cNvSpPr>
+          <p:nvPr>
+            <p:ph idx="1"/>
+          </p:nvPr>
+        </p:nvSpPr>
+        <p:spPr/>
+        <p:txBody>
+          <a:bodyPr/>
+          <a:lstStyle/>
+          <a:p>
+            <a:r>
+              <a:rPr lang="en-US" dirty="0"/>
+              <a:t>Computation Cost</a:t>
+            </a:r>
+          </a:p>
+          <a:p>
+            <a:endParaRPr lang="en-US" dirty="0"/>
+          </a:p>
+          <a:p>
+            <a:r>
+              <a:rPr lang="en-US" dirty="0"/>
+              <a:t>Time</a:t>
+            </a:r>
+          </a:p>
+          <a:p>
+            <a:endParaRPr lang="en-US" dirty="0"/>
+          </a:p>
+          <a:p>
+            <a:r>
+              <a:rPr lang="en-US" dirty="0"/>
+              <a:t>SSE</a:t>
+            </a:r>
+          </a:p>
+        </p:txBody>
+      </p:sp>
+      <p:sp>
+        <p:nvSpPr>
           <p:cNvPr id="3" name="Title 2">
             <a:extLst>
               <a:ext uri="{FF2B5EF4-FFF2-40B4-BE49-F238E27FC236}">
-                <a16:creationId xmlns:a16="http://schemas.microsoft.com/office/drawing/2014/main" id="{6AFD4EB5-1CA4-46BD-B0E4-55547CF48D95}"/>
+                <a16:creationId xmlns:a16="http://schemas.microsoft.com/office/drawing/2014/main" id="{75A29CF2-7E31-4E1F-81B6-18D2A24C9DE4}"/>
               </a:ext>
             </a:extLst>
           </p:cNvPr>
@@ -12585,45 +12815,9 @@
           <a:bodyPr/>
           <a:lstStyle/>
           <a:p>
-            <a:endParaRPr lang="en-US"/>
-          </a:p>
-        </p:txBody>
-      </p:sp>
-      <p:sp>
-        <p:nvSpPr>
-          <p:cNvPr id="4" name="TextBox 3">
-            <a:extLst>
-              <a:ext uri="{FF2B5EF4-FFF2-40B4-BE49-F238E27FC236}">
-                <a16:creationId xmlns:a16="http://schemas.microsoft.com/office/drawing/2014/main" id="{56004B33-B37F-4D26-A309-3B87B9E08802}"/>
-              </a:ext>
-            </a:extLst>
-          </p:cNvPr>
-          <p:cNvSpPr txBox="1"/>
-          <p:nvPr/>
-        </p:nvSpPr>
-        <p:spPr>
-          <a:xfrm>
-            <a:off x="3441026" y="2819400"/>
-            <a:ext cx="2404826" cy="707886"/>
-          </a:xfrm>
-          <a:prstGeom prst="rect">
-            <a:avLst/>
-          </a:prstGeom>
-          <a:noFill/>
-        </p:spPr>
-        <p:txBody>
-          <a:bodyPr wrap="none" rtlCol="0">
-            <a:spAutoFit/>
-          </a:bodyPr>
-          <a:lstStyle/>
-          <a:p>
-            <a:r>
-              <a:rPr lang="en-US" sz="4000" dirty="0">
-                <a:latin typeface="Verdana" panose="020B0604030504040204" pitchFamily="34" charset="0"/>
-                <a:ea typeface="Verdana" panose="020B0604030504040204" pitchFamily="34" charset="0"/>
-                <a:cs typeface="Verdana" panose="020B0604030504040204" pitchFamily="34" charset="0"/>
-              </a:rPr>
-              <a:t>Progress</a:t>
+            <a:r>
+              <a:rPr lang="en-US" dirty="0"/>
+              <a:t>Experiment Metrics</a:t>
             </a:r>
           </a:p>
         </p:txBody>
@@ -12631,7 +12825,7 @@
     </p:spTree>
     <p:extLst>
       <p:ext uri="{BB962C8B-B14F-4D97-AF65-F5344CB8AC3E}">
-        <p14:creationId xmlns:p14="http://schemas.microsoft.com/office/powerpoint/2010/main" val="210235104"/>
+        <p14:creationId xmlns:p14="http://schemas.microsoft.com/office/powerpoint/2010/main" val="2720393106"/>
       </p:ext>
     </p:extLst>
   </p:cSld>
@@ -12663,132 +12857,10 @@
       </p:grpSpPr>
       <p:sp>
         <p:nvSpPr>
-          <p:cNvPr id="2" name="Content Placeholder 1">
+          <p:cNvPr id="3" name="Title 2">
             <a:extLst>
               <a:ext uri="{FF2B5EF4-FFF2-40B4-BE49-F238E27FC236}">
-                <a16:creationId xmlns:a16="http://schemas.microsoft.com/office/drawing/2014/main" id="{140FE3C6-DCE6-4F77-A3B9-A6E1661C413E}"/>
-              </a:ext>
-            </a:extLst>
-          </p:cNvPr>
-          <p:cNvSpPr>
-            <a:spLocks noGrp="1"/>
-          </p:cNvSpPr>
-          <p:nvPr>
-            <p:ph idx="1"/>
-          </p:nvPr>
-        </p:nvSpPr>
-        <p:spPr/>
-        <p:txBody>
-          <a:bodyPr/>
-          <a:lstStyle/>
-          <a:p>
-            <a:r>
-              <a:rPr lang="en-US" dirty="0"/>
-              <a:t>Main focus: Exact solution and initial experiment.</a:t>
-            </a:r>
-          </a:p>
-          <a:p>
-            <a:endParaRPr lang="en-US" dirty="0"/>
-          </a:p>
-          <a:p>
-            <a:r>
-              <a:rPr lang="en-US" dirty="0"/>
-              <a:t>Implemented task:</a:t>
-            </a:r>
-          </a:p>
-          <a:p>
-            <a:pPr lvl="1"/>
-            <a:r>
-              <a:rPr lang="en-US" dirty="0"/>
-              <a:t>Dataset preprocessing</a:t>
-            </a:r>
-          </a:p>
-          <a:p>
-            <a:pPr lvl="1"/>
-            <a:r>
-              <a:rPr lang="en-US" dirty="0"/>
-              <a:t>Send V and Send Coef. implementation</a:t>
-            </a:r>
-          </a:p>
-          <a:p>
-            <a:pPr lvl="1"/>
-            <a:r>
-              <a:rPr lang="en-US" dirty="0"/>
-              <a:t>SSE calculation from the algorithm result</a:t>
-            </a:r>
-          </a:p>
-          <a:p>
-            <a:pPr lvl="1"/>
-            <a:r>
-              <a:rPr lang="en-US" dirty="0"/>
-              <a:t>Initial experiment on cluster</a:t>
-            </a:r>
-          </a:p>
-          <a:p>
-            <a:endParaRPr lang="en-US" dirty="0"/>
-          </a:p>
-          <a:p>
-            <a:r>
-              <a:rPr lang="en-US" dirty="0"/>
-              <a:t>Reasons:</a:t>
-            </a:r>
-          </a:p>
-          <a:p>
-            <a:pPr lvl="1"/>
-            <a:r>
-              <a:rPr lang="en-US" dirty="0"/>
-              <a:t>Exact solution </a:t>
-            </a:r>
-            <a:r>
-              <a:rPr lang="en-US" dirty="0">
-                <a:sym typeface="Wingdings" panose="05000000000000000000" pitchFamily="2" charset="2"/>
-              </a:rPr>
-              <a:t> </a:t>
-            </a:r>
-            <a:r>
-              <a:rPr lang="en-US" dirty="0"/>
-              <a:t>easiest</a:t>
-            </a:r>
-          </a:p>
-          <a:p>
-            <a:pPr lvl="1"/>
-            <a:r>
-              <a:rPr lang="en-US" dirty="0"/>
-              <a:t>Dataset preprocessing </a:t>
-            </a:r>
-            <a:r>
-              <a:rPr lang="en-US" dirty="0">
-                <a:sym typeface="Wingdings" panose="05000000000000000000" pitchFamily="2" charset="2"/>
-              </a:rPr>
-              <a:t> </a:t>
-            </a:r>
-            <a:r>
-              <a:rPr lang="en-US" dirty="0"/>
-              <a:t>lot of time (1.35 billion records)</a:t>
-            </a:r>
-          </a:p>
-          <a:p>
-            <a:pPr lvl="1"/>
-            <a:r>
-              <a:rPr lang="en-US" dirty="0"/>
-              <a:t>Need time to set up the experiment (evaluation metrics, configuration, etc.)</a:t>
-            </a:r>
-          </a:p>
-          <a:p>
-            <a:pPr lvl="1"/>
-            <a:r>
-              <a:rPr lang="en-US" dirty="0"/>
-              <a:t>Avoid repeating the experiment (e.g. one of the metrics is missing)</a:t>
-            </a:r>
-          </a:p>
-        </p:txBody>
-      </p:sp>
-      <p:sp>
-        <p:nvSpPr>
-          <p:cNvPr id="3" name="Title 2">
-            <a:extLst>
-              <a:ext uri="{FF2B5EF4-FFF2-40B4-BE49-F238E27FC236}">
-                <a16:creationId xmlns:a16="http://schemas.microsoft.com/office/drawing/2014/main" id="{116BA47B-DCAA-40CB-9AA8-3795C16A1440}"/>
+                <a16:creationId xmlns:a16="http://schemas.microsoft.com/office/drawing/2014/main" id="{6AFD4EB5-1CA4-46BD-B0E4-55547CF48D95}"/>
               </a:ext>
             </a:extLst>
           </p:cNvPr>
@@ -12804,9 +12876,45 @@
           <a:bodyPr/>
           <a:lstStyle/>
           <a:p>
-            <a:r>
-              <a:rPr lang="en-US" dirty="0"/>
-              <a:t>Progress as of 21 January 2018</a:t>
+            <a:endParaRPr lang="en-US"/>
+          </a:p>
+        </p:txBody>
+      </p:sp>
+      <p:sp>
+        <p:nvSpPr>
+          <p:cNvPr id="4" name="TextBox 3">
+            <a:extLst>
+              <a:ext uri="{FF2B5EF4-FFF2-40B4-BE49-F238E27FC236}">
+                <a16:creationId xmlns:a16="http://schemas.microsoft.com/office/drawing/2014/main" id="{56004B33-B37F-4D26-A309-3B87B9E08802}"/>
+              </a:ext>
+            </a:extLst>
+          </p:cNvPr>
+          <p:cNvSpPr txBox="1"/>
+          <p:nvPr/>
+        </p:nvSpPr>
+        <p:spPr>
+          <a:xfrm>
+            <a:off x="3441026" y="2819400"/>
+            <a:ext cx="2404826" cy="707886"/>
+          </a:xfrm>
+          <a:prstGeom prst="rect">
+            <a:avLst/>
+          </a:prstGeom>
+          <a:noFill/>
+        </p:spPr>
+        <p:txBody>
+          <a:bodyPr wrap="none" rtlCol="0">
+            <a:spAutoFit/>
+          </a:bodyPr>
+          <a:lstStyle/>
+          <a:p>
+            <a:r>
+              <a:rPr lang="en-US" sz="4000" dirty="0">
+                <a:latin typeface="Verdana" panose="020B0604030504040204" pitchFamily="34" charset="0"/>
+                <a:ea typeface="Verdana" panose="020B0604030504040204" pitchFamily="34" charset="0"/>
+                <a:cs typeface="Verdana" panose="020B0604030504040204" pitchFamily="34" charset="0"/>
+              </a:rPr>
+              <a:t>Progress</a:t>
             </a:r>
           </a:p>
         </p:txBody>
@@ -12814,7 +12922,7 @@
     </p:spTree>
     <p:extLst>
       <p:ext uri="{BB962C8B-B14F-4D97-AF65-F5344CB8AC3E}">
-        <p14:creationId xmlns:p14="http://schemas.microsoft.com/office/powerpoint/2010/main" val="46568619"/>
+        <p14:creationId xmlns:p14="http://schemas.microsoft.com/office/powerpoint/2010/main" val="210235104"/>
       </p:ext>
     </p:extLst>
   </p:cSld>
